--- a/ADS_Presentation.pptx
+++ b/ADS_Presentation.pptx
@@ -304,7 +304,7 @@
           <a:p>
             <a:fld id="{48A87A34-81AB-432B-8DAE-1953F412C126}" type="datetimeFigureOut">
               <a:rPr lang="en-US" smtClean="0"/>
-              <a:t>2/19/2017</a:t>
+              <a:t>2/20/2017</a:t>
             </a:fld>
             <a:endParaRPr lang="en-US" dirty="0"/>
           </a:p>
@@ -580,7 +580,7 @@
             <a:fld id="{48A87A34-81AB-432B-8DAE-1953F412C126}" type="datetimeFigureOut">
               <a:rPr lang="en-US" smtClean="0"/>
               <a:pPr/>
-              <a:t>2/19/2017</a:t>
+              <a:t>2/20/2017</a:t>
             </a:fld>
             <a:endParaRPr lang="en-US" dirty="0"/>
           </a:p>
@@ -776,7 +776,7 @@
             <a:fld id="{48A87A34-81AB-432B-8DAE-1953F412C126}" type="datetimeFigureOut">
               <a:rPr lang="en-US" smtClean="0"/>
               <a:pPr/>
-              <a:t>2/19/2017</a:t>
+              <a:t>2/20/2017</a:t>
             </a:fld>
             <a:endParaRPr lang="en-US" dirty="0"/>
           </a:p>
@@ -1051,7 +1051,7 @@
             <a:fld id="{48A87A34-81AB-432B-8DAE-1953F412C126}" type="datetimeFigureOut">
               <a:rPr lang="en-US" smtClean="0"/>
               <a:pPr/>
-              <a:t>2/19/2017</a:t>
+              <a:t>2/20/2017</a:t>
             </a:fld>
             <a:endParaRPr lang="en-US" dirty="0"/>
           </a:p>
@@ -1394,7 +1394,7 @@
             <a:fld id="{48A87A34-81AB-432B-8DAE-1953F412C126}" type="datetimeFigureOut">
               <a:rPr lang="en-US" smtClean="0"/>
               <a:pPr/>
-              <a:t>2/19/2017</a:t>
+              <a:t>2/20/2017</a:t>
             </a:fld>
             <a:endParaRPr lang="en-US" dirty="0"/>
           </a:p>
@@ -2019,7 +2019,7 @@
             <a:fld id="{48A87A34-81AB-432B-8DAE-1953F412C126}" type="datetimeFigureOut">
               <a:rPr lang="en-US" smtClean="0"/>
               <a:pPr/>
-              <a:t>2/19/2017</a:t>
+              <a:t>2/20/2017</a:t>
             </a:fld>
             <a:endParaRPr lang="en-US" dirty="0"/>
           </a:p>
@@ -2881,7 +2881,7 @@
             <a:fld id="{48A87A34-81AB-432B-8DAE-1953F412C126}" type="datetimeFigureOut">
               <a:rPr lang="en-US" smtClean="0"/>
               <a:pPr/>
-              <a:t>2/19/2017</a:t>
+              <a:t>2/20/2017</a:t>
             </a:fld>
             <a:endParaRPr lang="en-US" dirty="0"/>
           </a:p>
@@ -3052,7 +3052,7 @@
           <a:p>
             <a:fld id="{48A87A34-81AB-432B-8DAE-1953F412C126}" type="datetimeFigureOut">
               <a:rPr lang="en-US" smtClean="0"/>
-              <a:t>2/19/2017</a:t>
+              <a:t>2/20/2017</a:t>
             </a:fld>
             <a:endParaRPr lang="en-US" dirty="0"/>
           </a:p>
@@ -3232,7 +3232,7 @@
           <a:p>
             <a:fld id="{48A87A34-81AB-432B-8DAE-1953F412C126}" type="datetimeFigureOut">
               <a:rPr lang="en-US" smtClean="0"/>
-              <a:t>2/19/2017</a:t>
+              <a:t>2/20/2017</a:t>
             </a:fld>
             <a:endParaRPr lang="en-US" dirty="0"/>
           </a:p>
@@ -3402,7 +3402,7 @@
           <a:p>
             <a:fld id="{48A87A34-81AB-432B-8DAE-1953F412C126}" type="datetimeFigureOut">
               <a:rPr lang="en-US" smtClean="0"/>
-              <a:t>2/19/2017</a:t>
+              <a:t>2/20/2017</a:t>
             </a:fld>
             <a:endParaRPr lang="en-US" dirty="0"/>
           </a:p>
@@ -3649,7 +3649,7 @@
           <a:p>
             <a:fld id="{48A87A34-81AB-432B-8DAE-1953F412C126}" type="datetimeFigureOut">
               <a:rPr lang="en-US" smtClean="0"/>
-              <a:t>2/19/2017</a:t>
+              <a:t>2/20/2017</a:t>
             </a:fld>
             <a:endParaRPr lang="en-US" dirty="0"/>
           </a:p>
@@ -3941,7 +3941,7 @@
           <a:p>
             <a:fld id="{48A87A34-81AB-432B-8DAE-1953F412C126}" type="datetimeFigureOut">
               <a:rPr lang="en-US" smtClean="0"/>
-              <a:t>2/19/2017</a:t>
+              <a:t>2/20/2017</a:t>
             </a:fld>
             <a:endParaRPr lang="en-US" dirty="0"/>
           </a:p>
@@ -4385,7 +4385,7 @@
           <a:p>
             <a:fld id="{48A87A34-81AB-432B-8DAE-1953F412C126}" type="datetimeFigureOut">
               <a:rPr lang="en-US" smtClean="0"/>
-              <a:t>2/19/2017</a:t>
+              <a:t>2/20/2017</a:t>
             </a:fld>
             <a:endParaRPr lang="en-US" dirty="0"/>
           </a:p>
@@ -4503,7 +4503,7 @@
           <a:p>
             <a:fld id="{48A87A34-81AB-432B-8DAE-1953F412C126}" type="datetimeFigureOut">
               <a:rPr lang="en-US" smtClean="0"/>
-              <a:t>2/19/2017</a:t>
+              <a:t>2/20/2017</a:t>
             </a:fld>
             <a:endParaRPr lang="en-US" dirty="0"/>
           </a:p>
@@ -4598,7 +4598,7 @@
           <a:p>
             <a:fld id="{48A87A34-81AB-432B-8DAE-1953F412C126}" type="datetimeFigureOut">
               <a:rPr lang="en-US" smtClean="0"/>
-              <a:t>2/19/2017</a:t>
+              <a:t>2/20/2017</a:t>
             </a:fld>
             <a:endParaRPr lang="en-US" dirty="0"/>
           </a:p>
@@ -4877,7 +4877,7 @@
           <a:p>
             <a:fld id="{48A87A34-81AB-432B-8DAE-1953F412C126}" type="datetimeFigureOut">
               <a:rPr lang="en-US" smtClean="0"/>
-              <a:t>2/19/2017</a:t>
+              <a:t>2/20/2017</a:t>
             </a:fld>
             <a:endParaRPr lang="en-US" dirty="0"/>
           </a:p>
@@ -5152,7 +5152,7 @@
           <a:p>
             <a:fld id="{48A87A34-81AB-432B-8DAE-1953F412C126}" type="datetimeFigureOut">
               <a:rPr lang="en-US" smtClean="0"/>
-              <a:t>2/19/2017</a:t>
+              <a:t>2/20/2017</a:t>
             </a:fld>
             <a:endParaRPr lang="en-US" dirty="0"/>
           </a:p>
@@ -5582,7 +5582,7 @@
             <a:fld id="{48A87A34-81AB-432B-8DAE-1953F412C126}" type="datetimeFigureOut">
               <a:rPr lang="en-US" smtClean="0"/>
               <a:pPr/>
-              <a:t>2/19/2017</a:t>
+              <a:t>2/20/2017</a:t>
             </a:fld>
             <a:endParaRPr lang="en-US" dirty="0"/>
           </a:p>
@@ -6885,7 +6885,12 @@
             <p:ph type="title"/>
           </p:nvPr>
         </p:nvSpPr>
-        <p:spPr/>
+        <p:spPr>
+          <a:xfrm>
+            <a:off x="968083" y="104988"/>
+            <a:ext cx="9404723" cy="1400530"/>
+          </a:xfrm>
+        </p:spPr>
         <p:txBody>
           <a:bodyPr/>
           <a:lstStyle/>
@@ -6916,11 +6921,600 @@
         </p:blipFill>
         <p:spPr>
           <a:xfrm>
-            <a:off x="646111" y="1390919"/>
+            <a:off x="671868" y="906975"/>
             <a:ext cx="10552067" cy="3821785"/>
           </a:xfrm>
         </p:spPr>
       </p:pic>
+      <p:sp>
+        <p:nvSpPr>
+          <p:cNvPr id="5" name="Rectangle 1"/>
+          <p:cNvSpPr>
+            <a:spLocks noChangeArrowheads="1"/>
+          </p:cNvSpPr>
+          <p:nvPr/>
+        </p:nvSpPr>
+        <p:spPr bwMode="auto">
+          <a:xfrm>
+            <a:off x="0" y="0"/>
+            <a:ext cx="12192000" cy="0"/>
+          </a:xfrm>
+          <a:prstGeom prst="rect">
+            <a:avLst/>
+          </a:prstGeom>
+          <a:solidFill>
+            <a:srgbClr val="FFFFFF"/>
+          </a:solidFill>
+          <a:ln>
+            <a:noFill/>
+          </a:ln>
+          <a:effectLst/>
+          <a:extLst>
+            <a:ext uri="{91240B29-F687-4F45-9708-019B960494DF}">
+              <a14:hiddenLine xmlns:a14="http://schemas.microsoft.com/office/drawing/2010/main" w="9525">
+                <a:solidFill>
+                  <a:schemeClr val="tx1"/>
+                </a:solidFill>
+                <a:miter lim="800000"/>
+                <a:headEnd/>
+                <a:tailEnd/>
+              </a14:hiddenLine>
+            </a:ext>
+            <a:ext uri="{AF507438-7753-43E0-B8FC-AC1667EBCBE1}">
+              <a14:hiddenEffects xmlns:a14="http://schemas.microsoft.com/office/drawing/2010/main">
+                <a:effectLst>
+                  <a:outerShdw dist="35921" dir="2700000" algn="ctr" rotWithShape="0">
+                    <a:schemeClr val="bg2"/>
+                  </a:outerShdw>
+                </a:effectLst>
+              </a14:hiddenEffects>
+            </a:ext>
+          </a:extLst>
+        </p:spPr>
+        <p:txBody>
+          <a:bodyPr vert="horz" wrap="none" lIns="91440" tIns="0" rIns="91440" bIns="0" numCol="1" anchor="ctr" anchorCtr="0" compatLnSpc="1">
+            <a:prstTxWarp prst="textNoShape">
+              <a:avLst/>
+            </a:prstTxWarp>
+            <a:spAutoFit/>
+          </a:bodyPr>
+          <a:lstStyle/>
+          <a:p>
+            <a:pPr marL="0" marR="0" lvl="0" indent="0" algn="l" defTabSz="914400" rtl="0" eaLnBrk="0" fontAlgn="base" latinLnBrk="0" hangingPunct="0">
+              <a:lnSpc>
+                <a:spcPct val="100000"/>
+              </a:lnSpc>
+              <a:spcBef>
+                <a:spcPct val="0"/>
+              </a:spcBef>
+              <a:spcAft>
+                <a:spcPct val="0"/>
+              </a:spcAft>
+              <a:buClrTx/>
+              <a:buSzTx/>
+              <a:buFontTx/>
+              <a:buNone/>
+              <a:tabLst/>
+            </a:pPr>
+            <a:endParaRPr kumimoji="0" lang="en-US" altLang="en-US" sz="1800" b="0" i="0" u="none" strike="noStrike" cap="none" normalizeH="0" baseline="0" smtClean="0">
+              <a:ln>
+                <a:noFill/>
+              </a:ln>
+              <a:solidFill>
+                <a:schemeClr val="tx1"/>
+              </a:solidFill>
+              <a:effectLst/>
+              <a:latin typeface="Arial" panose="020B0604020202020204" pitchFamily="34" charset="0"/>
+            </a:endParaRPr>
+          </a:p>
+          <a:p>
+            <a:pPr marL="0" marR="0" lvl="0" indent="0" algn="l" defTabSz="914400" rtl="0" eaLnBrk="0" fontAlgn="base" latinLnBrk="0" hangingPunct="0">
+              <a:lnSpc>
+                <a:spcPct val="100000"/>
+              </a:lnSpc>
+              <a:spcBef>
+                <a:spcPct val="0"/>
+              </a:spcBef>
+              <a:spcAft>
+                <a:spcPct val="0"/>
+              </a:spcAft>
+              <a:buClrTx/>
+              <a:buSzTx/>
+              <a:buFontTx/>
+              <a:buChar char="•"/>
+              <a:tabLst/>
+            </a:pPr>
+            <a:r>
+              <a:rPr kumimoji="0" lang="en-US" altLang="en-US" sz="900" b="1" i="0" u="none" strike="noStrike" cap="none" normalizeH="0" baseline="0" smtClean="0">
+                <a:ln>
+                  <a:noFill/>
+                </a:ln>
+                <a:solidFill>
+                  <a:srgbClr val="333333"/>
+                </a:solidFill>
+                <a:effectLst/>
+                <a:latin typeface="dejavu sans mono"/>
+              </a:rPr>
+              <a:t>nova</a:t>
+            </a:r>
+            <a:r>
+              <a:rPr kumimoji="0" lang="en-US" altLang="en-US" sz="1100" b="0" i="0" u="none" strike="noStrike" cap="none" normalizeH="0" baseline="0" smtClean="0">
+                <a:ln>
+                  <a:noFill/>
+                </a:ln>
+                <a:solidFill>
+                  <a:srgbClr val="333333"/>
+                </a:solidFill>
+                <a:effectLst/>
+                <a:latin typeface="Open Sans"/>
+              </a:rPr>
+              <a:t>. Compute API and extensions.</a:t>
+            </a:r>
+          </a:p>
+          <a:p>
+            <a:pPr marL="0" marR="0" lvl="0" indent="0" algn="l" defTabSz="914400" rtl="0" eaLnBrk="0" fontAlgn="base" latinLnBrk="0" hangingPunct="0">
+              <a:lnSpc>
+                <a:spcPct val="100000"/>
+              </a:lnSpc>
+              <a:spcBef>
+                <a:spcPct val="0"/>
+              </a:spcBef>
+              <a:spcAft>
+                <a:spcPct val="0"/>
+              </a:spcAft>
+              <a:buClrTx/>
+              <a:buSzTx/>
+              <a:buFontTx/>
+              <a:buChar char="•"/>
+              <a:tabLst/>
+            </a:pPr>
+            <a:r>
+              <a:rPr kumimoji="0" lang="en-US" altLang="en-US" sz="900" b="1" i="0" u="none" strike="noStrike" cap="none" normalizeH="0" baseline="0" smtClean="0">
+                <a:ln>
+                  <a:noFill/>
+                </a:ln>
+                <a:solidFill>
+                  <a:srgbClr val="333333"/>
+                </a:solidFill>
+                <a:effectLst/>
+                <a:latin typeface="dejavu sans mono"/>
+              </a:rPr>
+              <a:t>neutron</a:t>
+            </a:r>
+            <a:r>
+              <a:rPr kumimoji="0" lang="en-US" altLang="en-US" sz="1100" b="0" i="0" u="none" strike="noStrike" cap="none" normalizeH="0" baseline="0" smtClean="0">
+                <a:ln>
+                  <a:noFill/>
+                </a:ln>
+                <a:solidFill>
+                  <a:srgbClr val="333333"/>
+                </a:solidFill>
+                <a:effectLst/>
+                <a:latin typeface="Open Sans"/>
+              </a:rPr>
+              <a:t>. Networking API.</a:t>
+            </a:r>
+          </a:p>
+          <a:p>
+            <a:pPr marL="0" marR="0" lvl="0" indent="0" algn="l" defTabSz="914400" rtl="0" eaLnBrk="0" fontAlgn="base" latinLnBrk="0" hangingPunct="0">
+              <a:lnSpc>
+                <a:spcPct val="100000"/>
+              </a:lnSpc>
+              <a:spcBef>
+                <a:spcPct val="0"/>
+              </a:spcBef>
+              <a:spcAft>
+                <a:spcPct val="0"/>
+              </a:spcAft>
+              <a:buClrTx/>
+              <a:buSzTx/>
+              <a:buFontTx/>
+              <a:buChar char="•"/>
+              <a:tabLst/>
+            </a:pPr>
+            <a:r>
+              <a:rPr kumimoji="0" lang="en-US" altLang="en-US" sz="900" b="1" i="0" u="none" strike="noStrike" cap="none" normalizeH="0" baseline="0" smtClean="0">
+                <a:ln>
+                  <a:noFill/>
+                </a:ln>
+                <a:solidFill>
+                  <a:srgbClr val="333333"/>
+                </a:solidFill>
+                <a:effectLst/>
+                <a:latin typeface="dejavu sans mono"/>
+              </a:rPr>
+              <a:t>keystone</a:t>
+            </a:r>
+            <a:r>
+              <a:rPr kumimoji="0" lang="en-US" altLang="en-US" sz="1100" b="0" i="0" u="none" strike="noStrike" cap="none" normalizeH="0" baseline="0" smtClean="0">
+                <a:ln>
+                  <a:noFill/>
+                </a:ln>
+                <a:solidFill>
+                  <a:srgbClr val="333333"/>
+                </a:solidFill>
+                <a:effectLst/>
+                <a:latin typeface="Open Sans"/>
+              </a:rPr>
+              <a:t>. Identity Service API.</a:t>
+            </a:r>
+          </a:p>
+          <a:p>
+            <a:pPr marL="0" marR="0" lvl="0" indent="0" algn="l" defTabSz="914400" rtl="0" eaLnBrk="0" fontAlgn="base" latinLnBrk="0" hangingPunct="0">
+              <a:lnSpc>
+                <a:spcPct val="100000"/>
+              </a:lnSpc>
+              <a:spcBef>
+                <a:spcPct val="0"/>
+              </a:spcBef>
+              <a:spcAft>
+                <a:spcPct val="0"/>
+              </a:spcAft>
+              <a:buClrTx/>
+              <a:buSzTx/>
+              <a:buFontTx/>
+              <a:buChar char="•"/>
+              <a:tabLst/>
+            </a:pPr>
+            <a:r>
+              <a:rPr kumimoji="0" lang="en-US" altLang="en-US" sz="900" b="1" i="0" u="none" strike="noStrike" cap="none" normalizeH="0" baseline="0" smtClean="0">
+                <a:ln>
+                  <a:noFill/>
+                </a:ln>
+                <a:solidFill>
+                  <a:srgbClr val="333333"/>
+                </a:solidFill>
+                <a:effectLst/>
+                <a:latin typeface="dejavu sans mono"/>
+              </a:rPr>
+              <a:t>glance</a:t>
+            </a:r>
+            <a:r>
+              <a:rPr kumimoji="0" lang="en-US" altLang="en-US" sz="1100" b="0" i="0" u="none" strike="noStrike" cap="none" normalizeH="0" baseline="0" smtClean="0">
+                <a:ln>
+                  <a:noFill/>
+                </a:ln>
+                <a:solidFill>
+                  <a:srgbClr val="333333"/>
+                </a:solidFill>
+                <a:effectLst/>
+                <a:latin typeface="Open Sans"/>
+              </a:rPr>
+              <a:t>. Image Service API.</a:t>
+            </a:r>
+          </a:p>
+          <a:p>
+            <a:pPr marL="0" marR="0" lvl="0" indent="0" algn="l" defTabSz="914400" rtl="0" eaLnBrk="0" fontAlgn="base" latinLnBrk="0" hangingPunct="0">
+              <a:lnSpc>
+                <a:spcPct val="100000"/>
+              </a:lnSpc>
+              <a:spcBef>
+                <a:spcPct val="0"/>
+              </a:spcBef>
+              <a:spcAft>
+                <a:spcPct val="0"/>
+              </a:spcAft>
+              <a:buClrTx/>
+              <a:buSzTx/>
+              <a:buFontTx/>
+              <a:buChar char="•"/>
+              <a:tabLst/>
+            </a:pPr>
+            <a:r>
+              <a:rPr kumimoji="0" lang="en-US" altLang="en-US" sz="900" b="1" i="0" u="none" strike="noStrike" cap="none" normalizeH="0" baseline="0" smtClean="0">
+                <a:ln>
+                  <a:noFill/>
+                </a:ln>
+                <a:solidFill>
+                  <a:srgbClr val="333333"/>
+                </a:solidFill>
+                <a:effectLst/>
+                <a:latin typeface="dejavu sans mono"/>
+              </a:rPr>
+              <a:t>swift</a:t>
+            </a:r>
+            <a:r>
+              <a:rPr kumimoji="0" lang="en-US" altLang="en-US" sz="1100" b="0" i="0" u="none" strike="noStrike" cap="none" normalizeH="0" baseline="0" smtClean="0">
+                <a:ln>
+                  <a:noFill/>
+                </a:ln>
+                <a:solidFill>
+                  <a:srgbClr val="333333"/>
+                </a:solidFill>
+                <a:effectLst/>
+                <a:latin typeface="Open Sans"/>
+              </a:rPr>
+              <a:t>. Object Storage API.</a:t>
+            </a:r>
+          </a:p>
+          <a:p>
+            <a:pPr marL="0" marR="0" lvl="0" indent="0" algn="l" defTabSz="914400" rtl="0" eaLnBrk="0" fontAlgn="base" latinLnBrk="0" hangingPunct="0">
+              <a:lnSpc>
+                <a:spcPct val="100000"/>
+              </a:lnSpc>
+              <a:spcBef>
+                <a:spcPct val="0"/>
+              </a:spcBef>
+              <a:spcAft>
+                <a:spcPct val="0"/>
+              </a:spcAft>
+              <a:buClrTx/>
+              <a:buSzTx/>
+              <a:buFontTx/>
+              <a:buChar char="•"/>
+              <a:tabLst/>
+            </a:pPr>
+            <a:r>
+              <a:rPr kumimoji="0" lang="en-US" altLang="en-US" sz="900" b="1" i="0" u="none" strike="noStrike" cap="none" normalizeH="0" baseline="0" smtClean="0">
+                <a:ln>
+                  <a:noFill/>
+                </a:ln>
+                <a:solidFill>
+                  <a:srgbClr val="333333"/>
+                </a:solidFill>
+                <a:effectLst/>
+                <a:latin typeface="dejavu sans mono"/>
+              </a:rPr>
+              <a:t>cinder</a:t>
+            </a:r>
+            <a:r>
+              <a:rPr kumimoji="0" lang="en-US" altLang="en-US" sz="1100" b="0" i="0" u="none" strike="noStrike" cap="none" normalizeH="0" baseline="0" smtClean="0">
+                <a:ln>
+                  <a:noFill/>
+                </a:ln>
+                <a:solidFill>
+                  <a:srgbClr val="333333"/>
+                </a:solidFill>
+                <a:effectLst/>
+                <a:latin typeface="Open Sans"/>
+              </a:rPr>
+              <a:t>. Block Storage Service API.</a:t>
+            </a:r>
+          </a:p>
+          <a:p>
+            <a:pPr marL="0" marR="0" lvl="0" indent="0" algn="l" defTabSz="914400" rtl="0" eaLnBrk="0" fontAlgn="base" latinLnBrk="0" hangingPunct="0">
+              <a:lnSpc>
+                <a:spcPct val="100000"/>
+              </a:lnSpc>
+              <a:spcBef>
+                <a:spcPct val="0"/>
+              </a:spcBef>
+              <a:spcAft>
+                <a:spcPct val="0"/>
+              </a:spcAft>
+              <a:buClrTx/>
+              <a:buSzTx/>
+              <a:buFontTx/>
+              <a:buChar char="•"/>
+              <a:tabLst/>
+            </a:pPr>
+            <a:r>
+              <a:rPr kumimoji="0" lang="en-US" altLang="en-US" sz="900" b="1" i="0" u="none" strike="noStrike" cap="none" normalizeH="0" baseline="0" smtClean="0">
+                <a:ln>
+                  <a:noFill/>
+                </a:ln>
+                <a:solidFill>
+                  <a:srgbClr val="333333"/>
+                </a:solidFill>
+                <a:effectLst/>
+                <a:latin typeface="dejavu sans mono"/>
+              </a:rPr>
+              <a:t>heat</a:t>
+            </a:r>
+            <a:r>
+              <a:rPr kumimoji="0" lang="en-US" altLang="en-US" sz="1100" b="0" i="0" u="none" strike="noStrike" cap="none" normalizeH="0" baseline="0" smtClean="0">
+                <a:ln>
+                  <a:noFill/>
+                </a:ln>
+                <a:solidFill>
+                  <a:srgbClr val="333333"/>
+                </a:solidFill>
+                <a:effectLst/>
+                <a:latin typeface="Open Sans"/>
+              </a:rPr>
+              <a:t>. Orchestration API.</a:t>
+            </a:r>
+          </a:p>
+          <a:p>
+            <a:pPr marL="0" marR="0" lvl="0" indent="0" algn="l" defTabSz="914400" rtl="0" eaLnBrk="0" fontAlgn="base" latinLnBrk="0" hangingPunct="0">
+              <a:lnSpc>
+                <a:spcPct val="100000"/>
+              </a:lnSpc>
+              <a:spcBef>
+                <a:spcPct val="0"/>
+              </a:spcBef>
+              <a:spcAft>
+                <a:spcPct val="0"/>
+              </a:spcAft>
+              <a:buClrTx/>
+              <a:buSzTx/>
+              <a:buFontTx/>
+              <a:buChar char="•"/>
+              <a:tabLst/>
+            </a:pPr>
+            <a:r>
+              <a:rPr kumimoji="0" lang="en-US" altLang="en-US" sz="900" b="1" i="0" u="none" strike="noStrike" cap="none" normalizeH="0" baseline="0" smtClean="0">
+                <a:ln>
+                  <a:noFill/>
+                </a:ln>
+                <a:solidFill>
+                  <a:srgbClr val="333333"/>
+                </a:solidFill>
+                <a:effectLst/>
+                <a:latin typeface="dejavu sans mono"/>
+              </a:rPr>
+              <a:t>ceilometer</a:t>
+            </a:r>
+            <a:r>
+              <a:rPr kumimoji="0" lang="en-US" altLang="en-US" sz="1100" b="0" i="0" u="none" strike="noStrike" cap="none" normalizeH="0" baseline="0" smtClean="0">
+                <a:ln>
+                  <a:noFill/>
+                </a:ln>
+                <a:solidFill>
+                  <a:srgbClr val="333333"/>
+                </a:solidFill>
+                <a:effectLst/>
+                <a:latin typeface="Open Sans"/>
+              </a:rPr>
+              <a:t>. Monitoring/Telemetry API.</a:t>
+            </a:r>
+          </a:p>
+          <a:p>
+            <a:pPr marL="0" marR="0" lvl="0" indent="0" algn="l" defTabSz="914400" rtl="0" eaLnBrk="0" fontAlgn="base" latinLnBrk="0" hangingPunct="0">
+              <a:lnSpc>
+                <a:spcPct val="100000"/>
+              </a:lnSpc>
+              <a:spcBef>
+                <a:spcPct val="0"/>
+              </a:spcBef>
+              <a:spcAft>
+                <a:spcPct val="0"/>
+              </a:spcAft>
+              <a:buClrTx/>
+              <a:buSzTx/>
+              <a:buFontTx/>
+              <a:buNone/>
+              <a:tabLst/>
+            </a:pPr>
+            <a:endParaRPr kumimoji="0" lang="en-US" altLang="en-US" sz="1800" b="0" i="0" u="none" strike="noStrike" cap="none" normalizeH="0" baseline="0" smtClean="0">
+              <a:ln>
+                <a:noFill/>
+              </a:ln>
+              <a:solidFill>
+                <a:schemeClr val="tx1"/>
+              </a:solidFill>
+              <a:effectLst/>
+              <a:latin typeface="Arial" panose="020B0604020202020204" pitchFamily="34" charset="0"/>
+            </a:endParaRPr>
+          </a:p>
+        </p:txBody>
+      </p:sp>
+      <p:sp>
+        <p:nvSpPr>
+          <p:cNvPr id="6" name="TextBox 5"/>
+          <p:cNvSpPr txBox="1"/>
+          <p:nvPr/>
+        </p:nvSpPr>
+        <p:spPr>
+          <a:xfrm>
+            <a:off x="862885" y="4893972"/>
+            <a:ext cx="10509160" cy="707886"/>
+          </a:xfrm>
+          <a:prstGeom prst="rect">
+            <a:avLst/>
+          </a:prstGeom>
+          <a:noFill/>
+        </p:spPr>
+        <p:txBody>
+          <a:bodyPr wrap="square" rtlCol="0">
+            <a:spAutoFit/>
+          </a:bodyPr>
+          <a:lstStyle/>
+          <a:p>
+            <a:r>
+              <a:rPr lang="en-US" sz="2000" dirty="0">
+                <a:solidFill>
+                  <a:srgbClr val="FFFF00"/>
+                </a:solidFill>
+              </a:rPr>
+              <a:t>SWIFT: </a:t>
+            </a:r>
+            <a:r>
+              <a:rPr lang="en-US" sz="2000" dirty="0"/>
+              <a:t>Object </a:t>
+            </a:r>
+            <a:r>
+              <a:rPr lang="en-US" sz="2000" dirty="0" smtClean="0"/>
+              <a:t>Storage </a:t>
+            </a:r>
+            <a:r>
+              <a:rPr lang="en-US" sz="2000" dirty="0">
+                <a:solidFill>
+                  <a:srgbClr val="FFFF00"/>
+                </a:solidFill>
+              </a:rPr>
+              <a:t>KEYSTONE: </a:t>
+            </a:r>
+            <a:r>
+              <a:rPr lang="en-US" sz="2000" dirty="0"/>
+              <a:t>Identity Service</a:t>
+            </a:r>
+            <a:r>
+              <a:rPr lang="en-US" sz="2000" dirty="0" smtClean="0"/>
+              <a:t> </a:t>
+            </a:r>
+            <a:r>
+              <a:rPr lang="en-US" sz="2000" dirty="0" smtClean="0">
+                <a:solidFill>
+                  <a:srgbClr val="FFFF00"/>
+                </a:solidFill>
+              </a:rPr>
+              <a:t>NOVA</a:t>
+            </a:r>
+            <a:r>
+              <a:rPr lang="en-US" sz="2000" dirty="0">
+                <a:solidFill>
+                  <a:srgbClr val="FFFF00"/>
+                </a:solidFill>
+              </a:rPr>
+              <a:t>: </a:t>
+            </a:r>
+            <a:r>
+              <a:rPr lang="en-US" sz="2000" dirty="0"/>
+              <a:t>Compute and </a:t>
+            </a:r>
+            <a:r>
+              <a:rPr lang="en-US" sz="2000" dirty="0" smtClean="0"/>
+              <a:t>extensions </a:t>
+            </a:r>
+            <a:r>
+              <a:rPr lang="en-US" sz="2000" dirty="0">
+                <a:solidFill>
+                  <a:srgbClr val="FFFF00"/>
+                </a:solidFill>
+              </a:rPr>
+              <a:t>NEUTRON: </a:t>
+            </a:r>
+            <a:r>
+              <a:rPr lang="en-US" sz="2000" dirty="0"/>
+              <a:t>Networking </a:t>
+            </a:r>
+            <a:r>
+              <a:rPr lang="en-US" sz="2000" dirty="0" smtClean="0"/>
+              <a:t>API </a:t>
+            </a:r>
+            <a:r>
+              <a:rPr lang="en-US" sz="2000" dirty="0">
+                <a:solidFill>
+                  <a:srgbClr val="FFFF00"/>
+                </a:solidFill>
+              </a:rPr>
+              <a:t>CINDER: </a:t>
+            </a:r>
+            <a:r>
+              <a:rPr lang="en-US" sz="2000" dirty="0"/>
+              <a:t>Block Storage Service </a:t>
+            </a:r>
+            <a:r>
+              <a:rPr lang="en-US" sz="2000" dirty="0" smtClean="0"/>
+              <a:t> </a:t>
+            </a:r>
+            <a:r>
+              <a:rPr lang="en-US" sz="2000" dirty="0" smtClean="0">
+                <a:solidFill>
+                  <a:srgbClr val="FFFF00"/>
+                </a:solidFill>
+              </a:rPr>
+              <a:t>GLANCE: </a:t>
+            </a:r>
+            <a:r>
+              <a:rPr lang="en-US" sz="2000" dirty="0" smtClean="0"/>
+              <a:t>Image Service</a:t>
+            </a:r>
+            <a:endParaRPr lang="en-US" sz="2000" dirty="0"/>
+          </a:p>
+        </p:txBody>
+      </p:sp>
     </p:spTree>
     <p:extLst>
       <p:ext uri="{BB962C8B-B14F-4D97-AF65-F5344CB8AC3E}">

--- a/ADS_Presentation.pptx
+++ b/ADS_Presentation.pptx
@@ -6,12 +6,16 @@
   </p:sldMasterIdLst>
   <p:sldIdLst>
     <p:sldId id="256" r:id="rId2"/>
-    <p:sldId id="257" r:id="rId3"/>
-    <p:sldId id="259" r:id="rId4"/>
-    <p:sldId id="260" r:id="rId5"/>
-    <p:sldId id="266" r:id="rId6"/>
-    <p:sldId id="258" r:id="rId7"/>
-    <p:sldId id="265" r:id="rId8"/>
+    <p:sldId id="267" r:id="rId3"/>
+    <p:sldId id="257" r:id="rId4"/>
+    <p:sldId id="271" r:id="rId5"/>
+    <p:sldId id="259" r:id="rId6"/>
+    <p:sldId id="268" r:id="rId7"/>
+    <p:sldId id="260" r:id="rId8"/>
+    <p:sldId id="270" r:id="rId9"/>
+    <p:sldId id="258" r:id="rId10"/>
+    <p:sldId id="265" r:id="rId11"/>
+    <p:sldId id="269" r:id="rId12"/>
   </p:sldIdLst>
   <p:sldSz cx="12192000" cy="6858000"/>
   <p:notesSz cx="6858000" cy="9144000"/>
@@ -304,7 +308,7 @@
           <a:p>
             <a:fld id="{48A87A34-81AB-432B-8DAE-1953F412C126}" type="datetimeFigureOut">
               <a:rPr lang="en-US" smtClean="0"/>
-              <a:t>2/20/2017</a:t>
+              <a:t>2/24/2017</a:t>
             </a:fld>
             <a:endParaRPr lang="en-US" dirty="0"/>
           </a:p>
@@ -580,7 +584,7 @@
             <a:fld id="{48A87A34-81AB-432B-8DAE-1953F412C126}" type="datetimeFigureOut">
               <a:rPr lang="en-US" smtClean="0"/>
               <a:pPr/>
-              <a:t>2/20/2017</a:t>
+              <a:t>2/24/2017</a:t>
             </a:fld>
             <a:endParaRPr lang="en-US" dirty="0"/>
           </a:p>
@@ -776,7 +780,7 @@
             <a:fld id="{48A87A34-81AB-432B-8DAE-1953F412C126}" type="datetimeFigureOut">
               <a:rPr lang="en-US" smtClean="0"/>
               <a:pPr/>
-              <a:t>2/20/2017</a:t>
+              <a:t>2/24/2017</a:t>
             </a:fld>
             <a:endParaRPr lang="en-US" dirty="0"/>
           </a:p>
@@ -1051,7 +1055,7 @@
             <a:fld id="{48A87A34-81AB-432B-8DAE-1953F412C126}" type="datetimeFigureOut">
               <a:rPr lang="en-US" smtClean="0"/>
               <a:pPr/>
-              <a:t>2/20/2017</a:t>
+              <a:t>2/24/2017</a:t>
             </a:fld>
             <a:endParaRPr lang="en-US" dirty="0"/>
           </a:p>
@@ -1394,7 +1398,7 @@
             <a:fld id="{48A87A34-81AB-432B-8DAE-1953F412C126}" type="datetimeFigureOut">
               <a:rPr lang="en-US" smtClean="0"/>
               <a:pPr/>
-              <a:t>2/20/2017</a:t>
+              <a:t>2/24/2017</a:t>
             </a:fld>
             <a:endParaRPr lang="en-US" dirty="0"/>
           </a:p>
@@ -2019,7 +2023,7 @@
             <a:fld id="{48A87A34-81AB-432B-8DAE-1953F412C126}" type="datetimeFigureOut">
               <a:rPr lang="en-US" smtClean="0"/>
               <a:pPr/>
-              <a:t>2/20/2017</a:t>
+              <a:t>2/24/2017</a:t>
             </a:fld>
             <a:endParaRPr lang="en-US" dirty="0"/>
           </a:p>
@@ -2881,7 +2885,7 @@
             <a:fld id="{48A87A34-81AB-432B-8DAE-1953F412C126}" type="datetimeFigureOut">
               <a:rPr lang="en-US" smtClean="0"/>
               <a:pPr/>
-              <a:t>2/20/2017</a:t>
+              <a:t>2/24/2017</a:t>
             </a:fld>
             <a:endParaRPr lang="en-US" dirty="0"/>
           </a:p>
@@ -3052,7 +3056,7 @@
           <a:p>
             <a:fld id="{48A87A34-81AB-432B-8DAE-1953F412C126}" type="datetimeFigureOut">
               <a:rPr lang="en-US" smtClean="0"/>
-              <a:t>2/20/2017</a:t>
+              <a:t>2/24/2017</a:t>
             </a:fld>
             <a:endParaRPr lang="en-US" dirty="0"/>
           </a:p>
@@ -3232,7 +3236,7 @@
           <a:p>
             <a:fld id="{48A87A34-81AB-432B-8DAE-1953F412C126}" type="datetimeFigureOut">
               <a:rPr lang="en-US" smtClean="0"/>
-              <a:t>2/20/2017</a:t>
+              <a:t>2/24/2017</a:t>
             </a:fld>
             <a:endParaRPr lang="en-US" dirty="0"/>
           </a:p>
@@ -3402,7 +3406,7 @@
           <a:p>
             <a:fld id="{48A87A34-81AB-432B-8DAE-1953F412C126}" type="datetimeFigureOut">
               <a:rPr lang="en-US" smtClean="0"/>
-              <a:t>2/20/2017</a:t>
+              <a:t>2/24/2017</a:t>
             </a:fld>
             <a:endParaRPr lang="en-US" dirty="0"/>
           </a:p>
@@ -3649,7 +3653,7 @@
           <a:p>
             <a:fld id="{48A87A34-81AB-432B-8DAE-1953F412C126}" type="datetimeFigureOut">
               <a:rPr lang="en-US" smtClean="0"/>
-              <a:t>2/20/2017</a:t>
+              <a:t>2/24/2017</a:t>
             </a:fld>
             <a:endParaRPr lang="en-US" dirty="0"/>
           </a:p>
@@ -3941,7 +3945,7 @@
           <a:p>
             <a:fld id="{48A87A34-81AB-432B-8DAE-1953F412C126}" type="datetimeFigureOut">
               <a:rPr lang="en-US" smtClean="0"/>
-              <a:t>2/20/2017</a:t>
+              <a:t>2/24/2017</a:t>
             </a:fld>
             <a:endParaRPr lang="en-US" dirty="0"/>
           </a:p>
@@ -4385,7 +4389,7 @@
           <a:p>
             <a:fld id="{48A87A34-81AB-432B-8DAE-1953F412C126}" type="datetimeFigureOut">
               <a:rPr lang="en-US" smtClean="0"/>
-              <a:t>2/20/2017</a:t>
+              <a:t>2/24/2017</a:t>
             </a:fld>
             <a:endParaRPr lang="en-US" dirty="0"/>
           </a:p>
@@ -4503,7 +4507,7 @@
           <a:p>
             <a:fld id="{48A87A34-81AB-432B-8DAE-1953F412C126}" type="datetimeFigureOut">
               <a:rPr lang="en-US" smtClean="0"/>
-              <a:t>2/20/2017</a:t>
+              <a:t>2/24/2017</a:t>
             </a:fld>
             <a:endParaRPr lang="en-US" dirty="0"/>
           </a:p>
@@ -4598,7 +4602,7 @@
           <a:p>
             <a:fld id="{48A87A34-81AB-432B-8DAE-1953F412C126}" type="datetimeFigureOut">
               <a:rPr lang="en-US" smtClean="0"/>
-              <a:t>2/20/2017</a:t>
+              <a:t>2/24/2017</a:t>
             </a:fld>
             <a:endParaRPr lang="en-US" dirty="0"/>
           </a:p>
@@ -4877,7 +4881,7 @@
           <a:p>
             <a:fld id="{48A87A34-81AB-432B-8DAE-1953F412C126}" type="datetimeFigureOut">
               <a:rPr lang="en-US" smtClean="0"/>
-              <a:t>2/20/2017</a:t>
+              <a:t>2/24/2017</a:t>
             </a:fld>
             <a:endParaRPr lang="en-US" dirty="0"/>
           </a:p>
@@ -5152,7 +5156,7 @@
           <a:p>
             <a:fld id="{48A87A34-81AB-432B-8DAE-1953F412C126}" type="datetimeFigureOut">
               <a:rPr lang="en-US" smtClean="0"/>
-              <a:t>2/20/2017</a:t>
+              <a:t>2/24/2017</a:t>
             </a:fld>
             <a:endParaRPr lang="en-US" dirty="0"/>
           </a:p>
@@ -5582,7 +5586,7 @@
             <a:fld id="{48A87A34-81AB-432B-8DAE-1953F412C126}" type="datetimeFigureOut">
               <a:rPr lang="en-US" smtClean="0"/>
               <a:pPr/>
-              <a:t>2/20/2017</a:t>
+              <a:t>2/24/2017</a:t>
             </a:fld>
             <a:endParaRPr lang="en-US" dirty="0"/>
           </a:p>
@@ -6123,8 +6127,8 @@
         </p:nvSpPr>
         <p:spPr>
           <a:xfrm>
-            <a:off x="746973" y="1880316"/>
-            <a:ext cx="10753860" cy="1209933"/>
+            <a:off x="656823" y="1365162"/>
+            <a:ext cx="10844010" cy="1725088"/>
           </a:xfrm>
         </p:spPr>
         <p:txBody>
@@ -6132,20 +6136,26 @@
           <a:lstStyle/>
           <a:p>
             <a:r>
+              <a:rPr lang="en-US" sz="5400" dirty="0" smtClean="0"/>
+              <a:t>             Introduction to </a:t>
+            </a:r>
+            <a:br>
+              <a:rPr lang="en-US" sz="5400" dirty="0" smtClean="0"/>
+            </a:br>
+            <a:r>
+              <a:rPr lang="en-US" sz="5400" dirty="0" smtClean="0"/>
+              <a:t>		   Open Stack &amp; Vagrant   </a:t>
+            </a:r>
+            <a:br>
+              <a:rPr lang="en-US" sz="5400" dirty="0" smtClean="0"/>
+            </a:br>
+            <a:r>
               <a:rPr lang="en-US" sz="5400" dirty="0"/>
-              <a:t>Open </a:t>
-            </a:r>
-            <a:r>
-              <a:rPr lang="en-US" sz="5400" dirty="0" err="1"/>
-              <a:t>Stack,Vagrant</a:t>
-            </a:r>
-            <a:r>
-              <a:rPr lang="en-US" sz="5400" dirty="0"/>
-              <a:t>, </a:t>
-            </a:r>
-            <a:r>
-              <a:rPr lang="en-US" sz="5400" dirty="0" err="1"/>
-              <a:t>KubeNow</a:t>
+              <a:t> </a:t>
+            </a:r>
+            <a:r>
+              <a:rPr lang="en-US" sz="5400" dirty="0" smtClean="0"/>
+              <a:t>              </a:t>
             </a:r>
             <a:endParaRPr lang="en-US" sz="5400" dirty="0"/>
           </a:p>
@@ -6174,19 +6184,27 @@
           <a:lstStyle/>
           <a:p>
             <a:pPr algn="r"/>
+            <a:r>
+              <a:rPr lang="en-US" b="1" dirty="0" smtClean="0">
+                <a:solidFill>
+                  <a:srgbClr val="FFFF00"/>
+                </a:solidFill>
+              </a:rPr>
+              <a:t>Compiled </a:t>
+            </a:r>
             <a:r>
               <a:rPr lang="en-US" b="1" dirty="0">
                 <a:solidFill>
                   <a:srgbClr val="FFFF00"/>
                 </a:solidFill>
               </a:rPr>
-              <a:t>Compiled By:</a:t>
+              <a:t>By:</a:t>
             </a:r>
           </a:p>
           <a:p>
             <a:pPr algn="r"/>
             <a:r>
-              <a:rPr lang="en-US" dirty="0" err="1">
+              <a:rPr lang="en-US" dirty="0" err="1" smtClean="0">
                 <a:solidFill>
                   <a:srgbClr val="FFFF00"/>
                 </a:solidFill>
@@ -6194,12 +6212,20 @@
               <a:t>Mohit</a:t>
             </a:r>
             <a:r>
+              <a:rPr lang="en-US" dirty="0" smtClean="0">
+                <a:solidFill>
+                  <a:srgbClr val="FFFF00"/>
+                </a:solidFill>
+              </a:rPr>
+              <a:t> </a:t>
+            </a:r>
+            <a:r>
               <a:rPr lang="en-US" dirty="0">
                 <a:solidFill>
                   <a:srgbClr val="FFFF00"/>
                 </a:solidFill>
               </a:rPr>
-              <a:t> Mittal,</a:t>
+              <a:t>Mittal,</a:t>
             </a:r>
           </a:p>
           <a:p>
@@ -6250,10 +6276,283 @@
           </a:p>
         </p:txBody>
       </p:sp>
+      <p:sp>
+        <p:nvSpPr>
+          <p:cNvPr id="4" name="TextBox 3"/>
+          <p:cNvSpPr txBox="1"/>
+          <p:nvPr/>
+        </p:nvSpPr>
+        <p:spPr>
+          <a:xfrm>
+            <a:off x="888642" y="4571999"/>
+            <a:ext cx="4018208" cy="646331"/>
+          </a:xfrm>
+          <a:prstGeom prst="rect">
+            <a:avLst/>
+          </a:prstGeom>
+          <a:noFill/>
+        </p:spPr>
+        <p:txBody>
+          <a:bodyPr wrap="square" rtlCol="0">
+            <a:spAutoFit/>
+          </a:bodyPr>
+          <a:lstStyle/>
+          <a:p>
+            <a:r>
+              <a:rPr lang="en-US" dirty="0" smtClean="0">
+                <a:solidFill>
+                  <a:srgbClr val="FFFF00"/>
+                </a:solidFill>
+              </a:rPr>
+              <a:t>Under the guidance </a:t>
+            </a:r>
+            <a:r>
+              <a:rPr lang="en-US" dirty="0">
+                <a:solidFill>
+                  <a:srgbClr val="FFFF00"/>
+                </a:solidFill>
+              </a:rPr>
+              <a:t>of </a:t>
+            </a:r>
+            <a:r>
+              <a:rPr lang="en-US" dirty="0" smtClean="0">
+                <a:solidFill>
+                  <a:srgbClr val="FFFF00"/>
+                </a:solidFill>
+              </a:rPr>
+              <a:t>Professor Sri </a:t>
+            </a:r>
+            <a:r>
+              <a:rPr lang="en-US" dirty="0">
+                <a:solidFill>
+                  <a:srgbClr val="FFFF00"/>
+                </a:solidFill>
+              </a:rPr>
+              <a:t>Krishnamurthy</a:t>
+            </a:r>
+          </a:p>
+        </p:txBody>
+      </p:sp>
+      <p:pic>
+        <p:nvPicPr>
+          <p:cNvPr id="5" name="Picture 4"/>
+          <p:cNvPicPr>
+            <a:picLocks noChangeAspect="1"/>
+          </p:cNvPicPr>
+          <p:nvPr/>
+        </p:nvPicPr>
+        <p:blipFill>
+          <a:blip r:embed="rId2">
+            <a:extLst>
+              <a:ext uri="{28A0092B-C50C-407E-A947-70E740481C1C}">
+                <a14:useLocalDpi xmlns:a14="http://schemas.microsoft.com/office/drawing/2010/main" val="0"/>
+              </a:ext>
+            </a:extLst>
+          </a:blip>
+          <a:stretch>
+            <a:fillRect/>
+          </a:stretch>
+        </p:blipFill>
+        <p:spPr>
+          <a:xfrm>
+            <a:off x="231254" y="108600"/>
+            <a:ext cx="1847399" cy="1847399"/>
+          </a:xfrm>
+          <a:prstGeom prst="rect">
+            <a:avLst/>
+          </a:prstGeom>
+        </p:spPr>
+      </p:pic>
+      <p:pic>
+        <p:nvPicPr>
+          <p:cNvPr id="7" name="Picture 6"/>
+          <p:cNvPicPr>
+            <a:picLocks noChangeAspect="1"/>
+          </p:cNvPicPr>
+          <p:nvPr/>
+        </p:nvPicPr>
+        <p:blipFill>
+          <a:blip r:embed="rId3">
+            <a:extLst>
+              <a:ext uri="{28A0092B-C50C-407E-A947-70E740481C1C}">
+                <a14:useLocalDpi xmlns:a14="http://schemas.microsoft.com/office/drawing/2010/main" val="0"/>
+              </a:ext>
+            </a:extLst>
+          </a:blip>
+          <a:stretch>
+            <a:fillRect/>
+          </a:stretch>
+        </p:blipFill>
+        <p:spPr>
+          <a:xfrm>
+            <a:off x="10019764" y="108600"/>
+            <a:ext cx="2023160" cy="2023160"/>
+          </a:xfrm>
+          <a:prstGeom prst="rect">
+            <a:avLst/>
+          </a:prstGeom>
+        </p:spPr>
+      </p:pic>
     </p:spTree>
     <p:extLst>
       <p:ext uri="{BB962C8B-B14F-4D97-AF65-F5344CB8AC3E}">
         <p14:creationId xmlns:p14="http://schemas.microsoft.com/office/powerpoint/2010/main" val="3946169216"/>
+      </p:ext>
+    </p:extLst>
+  </p:cSld>
+  <p:clrMapOvr>
+    <a:masterClrMapping/>
+  </p:clrMapOvr>
+  <p:timing>
+    <p:tnLst>
+      <p:par>
+        <p:cTn id="1" dur="indefinite" restart="never" nodeType="tmRoot"/>
+      </p:par>
+    </p:tnLst>
+  </p:timing>
+</p:sld>
+</file>
+
+<file path=ppt/slides/slide10.xml><?xml version="1.0" encoding="utf-8"?>
+<p:sld xmlns:a="http://schemas.openxmlformats.org/drawingml/2006/main" xmlns:r="http://schemas.openxmlformats.org/officeDocument/2006/relationships" xmlns:p="http://schemas.openxmlformats.org/presentationml/2006/main">
+  <p:cSld>
+    <p:spTree>
+      <p:nvGrpSpPr>
+        <p:cNvPr id="1" name=""/>
+        <p:cNvGrpSpPr/>
+        <p:nvPr/>
+      </p:nvGrpSpPr>
+      <p:grpSpPr>
+        <a:xfrm>
+          <a:off x="0" y="0"/>
+          <a:ext cx="0" cy="0"/>
+          <a:chOff x="0" y="0"/>
+          <a:chExt cx="0" cy="0"/>
+        </a:xfrm>
+      </p:grpSpPr>
+      <p:sp>
+        <p:nvSpPr>
+          <p:cNvPr id="2" name="Title 1"/>
+          <p:cNvSpPr>
+            <a:spLocks noGrp="1"/>
+          </p:cNvSpPr>
+          <p:nvPr>
+            <p:ph type="title"/>
+          </p:nvPr>
+        </p:nvSpPr>
+        <p:spPr>
+          <a:xfrm>
+            <a:off x="1856725" y="478476"/>
+            <a:ext cx="9404723" cy="1400530"/>
+          </a:xfrm>
+        </p:spPr>
+        <p:txBody>
+          <a:bodyPr/>
+          <a:lstStyle/>
+          <a:p>
+            <a:r>
+              <a:rPr lang="en-US" dirty="0" smtClean="0"/>
+              <a:t>           OpenStack Summit</a:t>
+            </a:r>
+            <a:endParaRPr lang="en-US" dirty="0"/>
+          </a:p>
+        </p:txBody>
+      </p:sp>
+      <p:pic>
+        <p:nvPicPr>
+          <p:cNvPr id="4" name="Content Placeholder 3"/>
+          <p:cNvPicPr>
+            <a:picLocks noGrp="1" noChangeAspect="1"/>
+          </p:cNvPicPr>
+          <p:nvPr>
+            <p:ph idx="1"/>
+          </p:nvPr>
+        </p:nvPicPr>
+        <p:blipFill>
+          <a:blip r:embed="rId2"/>
+          <a:stretch>
+            <a:fillRect/>
+          </a:stretch>
+        </p:blipFill>
+        <p:spPr>
+          <a:xfrm>
+            <a:off x="1541194" y="2163872"/>
+            <a:ext cx="8947150" cy="3509655"/>
+          </a:xfrm>
+        </p:spPr>
+      </p:pic>
+    </p:spTree>
+    <p:extLst>
+      <p:ext uri="{BB962C8B-B14F-4D97-AF65-F5344CB8AC3E}">
+        <p14:creationId xmlns:p14="http://schemas.microsoft.com/office/powerpoint/2010/main" val="890293785"/>
+      </p:ext>
+    </p:extLst>
+  </p:cSld>
+  <p:clrMapOvr>
+    <a:masterClrMapping/>
+  </p:clrMapOvr>
+</p:sld>
+</file>
+
+<file path=ppt/slides/slide11.xml><?xml version="1.0" encoding="utf-8"?>
+<p:sld xmlns:a="http://schemas.openxmlformats.org/drawingml/2006/main" xmlns:r="http://schemas.openxmlformats.org/officeDocument/2006/relationships" xmlns:p="http://schemas.openxmlformats.org/presentationml/2006/main">
+  <p:cSld>
+    <p:spTree>
+      <p:nvGrpSpPr>
+        <p:cNvPr id="1" name=""/>
+        <p:cNvGrpSpPr/>
+        <p:nvPr/>
+      </p:nvGrpSpPr>
+      <p:grpSpPr>
+        <a:xfrm>
+          <a:off x="0" y="0"/>
+          <a:ext cx="0" cy="0"/>
+          <a:chOff x="0" y="0"/>
+          <a:chExt cx="0" cy="0"/>
+        </a:xfrm>
+      </p:grpSpPr>
+      <p:sp>
+        <p:nvSpPr>
+          <p:cNvPr id="4" name="TextBox 3"/>
+          <p:cNvSpPr txBox="1"/>
+          <p:nvPr/>
+        </p:nvSpPr>
+        <p:spPr>
+          <a:xfrm>
+            <a:off x="4224270" y="2768958"/>
+            <a:ext cx="8152327" cy="707886"/>
+          </a:xfrm>
+          <a:prstGeom prst="rect">
+            <a:avLst/>
+          </a:prstGeom>
+          <a:noFill/>
+        </p:spPr>
+        <p:txBody>
+          <a:bodyPr wrap="square" rtlCol="0">
+            <a:spAutoFit/>
+          </a:bodyPr>
+          <a:lstStyle/>
+          <a:p>
+            <a:r>
+              <a:rPr lang="en-US" sz="4000" dirty="0" smtClean="0">
+                <a:solidFill>
+                  <a:srgbClr val="FFFF00"/>
+                </a:solidFill>
+              </a:rPr>
+              <a:t>THANK YOU</a:t>
+            </a:r>
+            <a:endParaRPr lang="en-US" sz="4000" dirty="0">
+              <a:solidFill>
+                <a:srgbClr val="FFFF00"/>
+              </a:solidFill>
+            </a:endParaRPr>
+          </a:p>
+        </p:txBody>
+      </p:sp>
+    </p:spTree>
+    <p:extLst>
+      <p:ext uri="{BB962C8B-B14F-4D97-AF65-F5344CB8AC3E}">
+        <p14:creationId xmlns:p14="http://schemas.microsoft.com/office/powerpoint/2010/main" val="3185263236"/>
       </p:ext>
     </p:extLst>
   </p:cSld>
@@ -6292,8 +6591,8 @@
         </p:nvSpPr>
         <p:spPr>
           <a:xfrm>
-            <a:off x="1141413" y="296547"/>
-            <a:ext cx="9905998" cy="1478570"/>
+            <a:off x="3534253" y="2639025"/>
+            <a:ext cx="6601422" cy="1400530"/>
           </a:xfrm>
         </p:spPr>
         <p:txBody>
@@ -6301,278 +6600,38 @@
           <a:lstStyle/>
           <a:p>
             <a:r>
-              <a:rPr lang="en-US" dirty="0"/>
-              <a:t>                          </a:t>
-            </a:r>
-            <a:r>
-              <a:rPr lang="en-US" sz="4000" dirty="0"/>
-              <a:t>Vagrant</a:t>
-            </a:r>
-          </a:p>
-        </p:txBody>
-      </p:sp>
-      <p:sp>
-        <p:nvSpPr>
-          <p:cNvPr id="3" name="Content Placeholder 2"/>
-          <p:cNvSpPr>
-            <a:spLocks noGrp="1"/>
-          </p:cNvSpPr>
-          <p:nvPr>
-            <p:ph idx="1"/>
-          </p:nvPr>
-        </p:nvSpPr>
-        <p:spPr>
-          <a:xfrm>
-            <a:off x="746974" y="1352282"/>
-            <a:ext cx="11294771" cy="4662151"/>
-          </a:xfrm>
-        </p:spPr>
-        <p:txBody>
-          <a:bodyPr>
-            <a:normAutofit/>
-          </a:bodyPr>
-          <a:lstStyle/>
-          <a:p>
-            <a:r>
-              <a:rPr lang="en-US" sz="1600" dirty="0"/>
-              <a:t>Vagrant sits on top of virtualization software as a wrapper and helps the developer interact easily with the providers</a:t>
-            </a:r>
-          </a:p>
-          <a:p>
-            <a:r>
-              <a:rPr lang="en-US" sz="1600" dirty="0"/>
-              <a:t>Vagrant is an open-source software product for building and maintaining portable virtual development environments</a:t>
-            </a:r>
-          </a:p>
-          <a:p>
-            <a:pPr marL="0" indent="0">
-              <a:buNone/>
-            </a:pPr>
-            <a:r>
-              <a:rPr lang="en-US" sz="1600" b="1" dirty="0" smtClean="0">
+              <a:rPr lang="en-US" dirty="0" smtClean="0">
                 <a:solidFill>
                   <a:srgbClr val="FFFF00"/>
                 </a:solidFill>
               </a:rPr>
-              <a:t>                Vagrant </a:t>
-            </a:r>
-            <a:r>
-              <a:rPr lang="en-US" sz="1600" b="1" dirty="0">
-                <a:solidFill>
-                  <a:srgbClr val="FFFF00"/>
-                </a:solidFill>
-              </a:rPr>
-              <a:t>installation </a:t>
-            </a:r>
-            <a:r>
-              <a:rPr lang="en-US" sz="1600" b="1" dirty="0" smtClean="0">
-                <a:solidFill>
-                  <a:srgbClr val="FFFF00"/>
-                </a:solidFill>
-              </a:rPr>
-              <a:t>commands</a:t>
-            </a:r>
-          </a:p>
-          <a:p>
-            <a:pPr marL="0" indent="0">
-              <a:buNone/>
-            </a:pPr>
-            <a:r>
-              <a:rPr lang="en-US" sz="1600" b="1" dirty="0">
-                <a:solidFill>
-                  <a:srgbClr val="FFFF00"/>
-                </a:solidFill>
-              </a:rPr>
-              <a:t> </a:t>
-            </a:r>
-            <a:r>
-              <a:rPr lang="en-US" sz="1600" b="1" dirty="0" smtClean="0">
-                <a:solidFill>
-                  <a:srgbClr val="FFFF00"/>
-                </a:solidFill>
-              </a:rPr>
-              <a:t>                </a:t>
-            </a:r>
-            <a:r>
-              <a:rPr lang="en-US" sz="1600" dirty="0">
-                <a:hlinkClick r:id="rId2"/>
-              </a:rPr>
-              <a:t>https://www.vagrantup.com/</a:t>
-            </a:r>
-            <a:endParaRPr lang="en-US" sz="1600" dirty="0"/>
-          </a:p>
-          <a:p>
-            <a:pPr marL="0" indent="0">
-              <a:lnSpc>
-                <a:spcPct val="100000"/>
-              </a:lnSpc>
-              <a:buNone/>
-            </a:pPr>
-            <a:r>
-              <a:rPr lang="en-US" sz="1600" b="1" dirty="0" smtClean="0">
-                <a:solidFill>
-                  <a:srgbClr val="FFFF00"/>
-                </a:solidFill>
-              </a:rPr>
-              <a:t>                </a:t>
-            </a:r>
-            <a:r>
-              <a:rPr lang="en-US" sz="1600" b="1" dirty="0"/>
-              <a:t>$ vagrant </a:t>
-            </a:r>
-            <a:r>
-              <a:rPr lang="en-US" sz="1600" b="1" dirty="0" err="1"/>
-              <a:t>ssh</a:t>
-            </a:r>
-            <a:r>
-              <a:rPr lang="en-US" sz="1600" b="1" dirty="0"/>
-              <a:t>. SSH into virtual machine </a:t>
-            </a:r>
-          </a:p>
-          <a:p>
-            <a:pPr marL="0" indent="0">
-              <a:buNone/>
-            </a:pPr>
-            <a:r>
-              <a:rPr lang="en-US" sz="1600" b="1" dirty="0" smtClean="0"/>
-              <a:t>                 </a:t>
-            </a:r>
-            <a:r>
-              <a:rPr lang="en-US" sz="1600" b="1" dirty="0"/>
-              <a:t>$ vagrant up. Start virtual </a:t>
-            </a:r>
-            <a:r>
-              <a:rPr lang="en-US" sz="1600" b="1" dirty="0" smtClean="0"/>
-              <a:t>machine</a:t>
-            </a:r>
-            <a:endParaRPr lang="en-US" sz="1600" b="1" dirty="0"/>
-          </a:p>
-          <a:p>
-            <a:pPr marL="0" indent="0">
-              <a:buNone/>
-            </a:pPr>
-            <a:r>
-              <a:rPr lang="en-US" sz="1600" b="1" dirty="0" smtClean="0">
-                <a:solidFill>
-                  <a:srgbClr val="FFFF00"/>
-                </a:solidFill>
-              </a:rPr>
-              <a:t>Difference </a:t>
-            </a:r>
-            <a:r>
-              <a:rPr lang="en-US" sz="1600" b="1" dirty="0">
-                <a:solidFill>
-                  <a:srgbClr val="FFFF00"/>
-                </a:solidFill>
-              </a:rPr>
-              <a:t>between Vagrant and VirtualBox</a:t>
-            </a:r>
-          </a:p>
-          <a:p>
-            <a:r>
-              <a:rPr lang="en-US" sz="1600" b="1" dirty="0"/>
-              <a:t>VirtualBox</a:t>
-            </a:r>
-            <a:r>
-              <a:rPr lang="en-US" sz="1600" dirty="0"/>
-              <a:t> (the software that creates</a:t>
-            </a:r>
-          </a:p>
-          <a:p>
-            <a:pPr marL="0" indent="0">
-              <a:buNone/>
-            </a:pPr>
-            <a:r>
-              <a:rPr lang="en-US" sz="1600" dirty="0"/>
-              <a:t>      virtual machines)</a:t>
-            </a:r>
-          </a:p>
-          <a:p>
-            <a:r>
-              <a:rPr lang="en-US" sz="1600" b="1" dirty="0"/>
-              <a:t>Vagrant</a:t>
-            </a:r>
-            <a:r>
-              <a:rPr lang="en-US" sz="1600" dirty="0"/>
-              <a:t> (our hero, the software that </a:t>
-            </a:r>
-          </a:p>
-          <a:p>
-            <a:pPr marL="0" indent="0">
-              <a:buNone/>
-            </a:pPr>
-            <a:r>
-              <a:rPr lang="en-US" sz="1600" dirty="0"/>
-              <a:t>      deploys virtual machines and runs provisioning scripts)</a:t>
-            </a:r>
-          </a:p>
-          <a:p>
-            <a:pPr marL="0" indent="0">
-              <a:buNone/>
-            </a:pPr>
-            <a:endParaRPr lang="en-US" dirty="0"/>
-          </a:p>
-          <a:p>
-            <a:endParaRPr lang="en-US" dirty="0"/>
-          </a:p>
-          <a:p>
-            <a:endParaRPr lang="en-US" dirty="0"/>
-          </a:p>
-          <a:p>
-            <a:endParaRPr lang="en-US" dirty="0"/>
-          </a:p>
-          <a:p>
-            <a:endParaRPr lang="en-US" dirty="0"/>
-          </a:p>
-        </p:txBody>
-      </p:sp>
-      <p:pic>
-        <p:nvPicPr>
-          <p:cNvPr id="8" name="Picture 7"/>
-          <p:cNvPicPr>
-            <a:picLocks noChangeAspect="1"/>
-          </p:cNvPicPr>
-          <p:nvPr/>
-        </p:nvPicPr>
-        <p:blipFill>
-          <a:blip r:embed="rId3">
-            <a:extLst>
-              <a:ext uri="{28A0092B-C50C-407E-A947-70E740481C1C}">
-                <a14:useLocalDpi xmlns:a14="http://schemas.microsoft.com/office/drawing/2010/main" val="0"/>
-              </a:ext>
-            </a:extLst>
-          </a:blip>
-          <a:stretch>
-            <a:fillRect/>
-          </a:stretch>
-        </p:blipFill>
-        <p:spPr>
-          <a:xfrm>
-            <a:off x="6632620" y="2369713"/>
-            <a:ext cx="5254580" cy="3498750"/>
-          </a:xfrm>
-          <a:prstGeom prst="rect">
-            <a:avLst/>
-          </a:prstGeom>
-          <a:effectLst>
-            <a:outerShdw blurRad="190500" dist="50800" dir="5400000" algn="ctr" rotWithShape="0">
-              <a:srgbClr val="000000">
-                <a:alpha val="0"/>
-              </a:srgbClr>
-            </a:outerShdw>
-          </a:effectLst>
-        </p:spPr>
-      </p:pic>
+              <a:t>Demo on Vagrant</a:t>
+            </a:r>
+            <a:endParaRPr lang="en-US" dirty="0">
+              <a:solidFill>
+                <a:srgbClr val="FFFF00"/>
+              </a:solidFill>
+            </a:endParaRPr>
+          </a:p>
+        </p:txBody>
+      </p:sp>
     </p:spTree>
     <p:extLst>
       <p:ext uri="{BB962C8B-B14F-4D97-AF65-F5344CB8AC3E}">
-        <p14:creationId xmlns:p14="http://schemas.microsoft.com/office/powerpoint/2010/main" val="2354771960"/>
+        <p14:creationId xmlns:p14="http://schemas.microsoft.com/office/powerpoint/2010/main" val="796419343"/>
       </p:ext>
     </p:extLst>
   </p:cSld>
   <p:clrMapOvr>
     <a:masterClrMapping/>
   </p:clrMapOvr>
+  <p:timing>
+    <p:tnLst>
+      <p:par>
+        <p:cTn id="1" dur="indefinite" restart="never" nodeType="tmRoot"/>
+      </p:par>
+    </p:tnLst>
+  </p:timing>
 </p:sld>
 </file>
 
@@ -6595,20 +6654,247 @@
       </p:grpSpPr>
       <p:sp>
         <p:nvSpPr>
-          <p:cNvPr id="3" name="Content Placeholder 2"/>
-          <p:cNvSpPr>
-            <a:spLocks noGrp="1"/>
-          </p:cNvSpPr>
-          <p:nvPr>
-            <p:ph idx="1"/>
-          </p:nvPr>
-        </p:nvSpPr>
-        <p:spPr/>
+          <p:cNvPr id="2" name="Title 1"/>
+          <p:cNvSpPr>
+            <a:spLocks noGrp="1"/>
+          </p:cNvSpPr>
+          <p:nvPr>
+            <p:ph type="title"/>
+          </p:nvPr>
+        </p:nvSpPr>
+        <p:spPr>
+          <a:xfrm>
+            <a:off x="1141413" y="296547"/>
+            <a:ext cx="9905998" cy="1478570"/>
+          </a:xfrm>
+        </p:spPr>
         <p:txBody>
           <a:bodyPr/>
           <a:lstStyle/>
           <a:p>
-            <a:endParaRPr lang="en-US"/>
+            <a:r>
+              <a:rPr lang="en-US" dirty="0"/>
+              <a:t>                          </a:t>
+            </a:r>
+            <a:r>
+              <a:rPr lang="en-US" sz="4000" dirty="0"/>
+              <a:t>Vagrant</a:t>
+            </a:r>
+          </a:p>
+        </p:txBody>
+      </p:sp>
+      <p:sp>
+        <p:nvSpPr>
+          <p:cNvPr id="3" name="Content Placeholder 2"/>
+          <p:cNvSpPr>
+            <a:spLocks noGrp="1"/>
+          </p:cNvSpPr>
+          <p:nvPr>
+            <p:ph idx="1"/>
+          </p:nvPr>
+        </p:nvSpPr>
+        <p:spPr>
+          <a:xfrm>
+            <a:off x="746974" y="1352282"/>
+            <a:ext cx="11294771" cy="4662151"/>
+          </a:xfrm>
+        </p:spPr>
+        <p:txBody>
+          <a:bodyPr>
+            <a:normAutofit/>
+          </a:bodyPr>
+          <a:lstStyle/>
+          <a:p>
+            <a:r>
+              <a:rPr lang="en-US" sz="1600" dirty="0"/>
+              <a:t>Vagrant sits on top of virtualization software as a wrapper and helps the developer interact easily with the providers</a:t>
+            </a:r>
+          </a:p>
+          <a:p>
+            <a:r>
+              <a:rPr lang="en-US" sz="1600" dirty="0"/>
+              <a:t>Vagrant is an open-source software product for building and maintaining portable virtual development environments</a:t>
+            </a:r>
+          </a:p>
+          <a:p>
+            <a:pPr marL="0" indent="0">
+              <a:buNone/>
+            </a:pPr>
+            <a:r>
+              <a:rPr lang="en-US" sz="1600" b="1" dirty="0" smtClean="0">
+                <a:solidFill>
+                  <a:srgbClr val="FFFF00"/>
+                </a:solidFill>
+              </a:rPr>
+              <a:t>                Vagrant </a:t>
+            </a:r>
+            <a:r>
+              <a:rPr lang="en-US" sz="1600" b="1" dirty="0">
+                <a:solidFill>
+                  <a:srgbClr val="FFFF00"/>
+                </a:solidFill>
+              </a:rPr>
+              <a:t>installation </a:t>
+            </a:r>
+            <a:r>
+              <a:rPr lang="en-US" sz="1600" b="1" dirty="0" smtClean="0">
+                <a:solidFill>
+                  <a:srgbClr val="FFFF00"/>
+                </a:solidFill>
+              </a:rPr>
+              <a:t>commands</a:t>
+            </a:r>
+          </a:p>
+          <a:p>
+            <a:pPr marL="0" indent="0">
+              <a:buNone/>
+            </a:pPr>
+            <a:r>
+              <a:rPr lang="en-US" sz="1600" b="1" dirty="0">
+                <a:solidFill>
+                  <a:srgbClr val="FFFF00"/>
+                </a:solidFill>
+              </a:rPr>
+              <a:t> </a:t>
+            </a:r>
+            <a:r>
+              <a:rPr lang="en-US" sz="1600" b="1" dirty="0" smtClean="0">
+                <a:solidFill>
+                  <a:srgbClr val="FFFF00"/>
+                </a:solidFill>
+              </a:rPr>
+              <a:t>                </a:t>
+            </a:r>
+            <a:r>
+              <a:rPr lang="en-US" sz="1600" dirty="0">
+                <a:hlinkClick r:id="rId2"/>
+              </a:rPr>
+              <a:t>https://www.vagrantup.com/</a:t>
+            </a:r>
+            <a:endParaRPr lang="en-US" sz="1600" dirty="0"/>
+          </a:p>
+          <a:p>
+            <a:pPr marL="0" indent="0">
+              <a:lnSpc>
+                <a:spcPct val="100000"/>
+              </a:lnSpc>
+              <a:buNone/>
+            </a:pPr>
+            <a:r>
+              <a:rPr lang="en-US" sz="1600" b="1" dirty="0" smtClean="0">
+                <a:solidFill>
+                  <a:srgbClr val="FFFF00"/>
+                </a:solidFill>
+              </a:rPr>
+              <a:t>                </a:t>
+            </a:r>
+            <a:r>
+              <a:rPr lang="en-US" sz="1600" b="1" dirty="0"/>
+              <a:t>$ vagrant </a:t>
+            </a:r>
+            <a:r>
+              <a:rPr lang="en-US" sz="1600" b="1" dirty="0" err="1"/>
+              <a:t>ssh</a:t>
+            </a:r>
+            <a:r>
+              <a:rPr lang="en-US" sz="1600" b="1" dirty="0"/>
+              <a:t>. SSH into virtual machine </a:t>
+            </a:r>
+          </a:p>
+          <a:p>
+            <a:pPr marL="0" indent="0">
+              <a:buNone/>
+            </a:pPr>
+            <a:r>
+              <a:rPr lang="en-US" sz="1600" b="1" dirty="0" smtClean="0"/>
+              <a:t>                 </a:t>
+            </a:r>
+            <a:r>
+              <a:rPr lang="en-US" sz="1600" b="1" dirty="0"/>
+              <a:t>$ vagrant up. Start virtual </a:t>
+            </a:r>
+            <a:r>
+              <a:rPr lang="en-US" sz="1600" b="1" dirty="0" smtClean="0"/>
+              <a:t>machine</a:t>
+            </a:r>
+            <a:endParaRPr lang="en-US" sz="1600" b="1" dirty="0"/>
+          </a:p>
+          <a:p>
+            <a:pPr marL="0" indent="0">
+              <a:buNone/>
+            </a:pPr>
+            <a:r>
+              <a:rPr lang="en-US" sz="1600" b="1" dirty="0" smtClean="0">
+                <a:solidFill>
+                  <a:srgbClr val="FFFF00"/>
+                </a:solidFill>
+              </a:rPr>
+              <a:t>Difference </a:t>
+            </a:r>
+            <a:r>
+              <a:rPr lang="en-US" sz="1600" b="1" dirty="0">
+                <a:solidFill>
+                  <a:srgbClr val="FFFF00"/>
+                </a:solidFill>
+              </a:rPr>
+              <a:t>between Vagrant and VirtualBox</a:t>
+            </a:r>
+          </a:p>
+          <a:p>
+            <a:r>
+              <a:rPr lang="en-US" sz="1600" b="1" dirty="0"/>
+              <a:t>VirtualBox</a:t>
+            </a:r>
+            <a:r>
+              <a:rPr lang="en-US" sz="1600" dirty="0"/>
+              <a:t> (the software that creates</a:t>
+            </a:r>
+          </a:p>
+          <a:p>
+            <a:pPr marL="0" indent="0">
+              <a:buNone/>
+            </a:pPr>
+            <a:r>
+              <a:rPr lang="en-US" sz="1600" dirty="0"/>
+              <a:t>      virtual machines)</a:t>
+            </a:r>
+          </a:p>
+          <a:p>
+            <a:r>
+              <a:rPr lang="en-US" sz="1600" b="1" dirty="0"/>
+              <a:t>Vagrant</a:t>
+            </a:r>
+            <a:r>
+              <a:rPr lang="en-US" sz="1600" dirty="0"/>
+              <a:t> (our hero, the software that </a:t>
+            </a:r>
+          </a:p>
+          <a:p>
+            <a:pPr marL="0" indent="0">
+              <a:buNone/>
+            </a:pPr>
+            <a:r>
+              <a:rPr lang="en-US" sz="1600" dirty="0"/>
+              <a:t>      deploys virtual machines and runs provisioning scripts)</a:t>
+            </a:r>
+          </a:p>
+          <a:p>
+            <a:pPr marL="0" indent="0">
+              <a:buNone/>
+            </a:pPr>
+            <a:endParaRPr lang="en-US" dirty="0"/>
+          </a:p>
+          <a:p>
+            <a:endParaRPr lang="en-US" dirty="0"/>
+          </a:p>
+          <a:p>
+            <a:endParaRPr lang="en-US" dirty="0"/>
+          </a:p>
+          <a:p>
+            <a:endParaRPr lang="en-US" dirty="0"/>
+          </a:p>
+          <a:p>
+            <a:endParaRPr lang="en-US" dirty="0"/>
           </a:p>
         </p:txBody>
       </p:sp>
@@ -6621,7 +6907,7 @@
           <p:nvPr/>
         </p:nvPicPr>
         <p:blipFill>
-          <a:blip r:embed="rId2">
+          <a:blip r:embed="rId3">
             <a:extLst>
               <a:ext uri="{28A0092B-C50C-407E-A947-70E740481C1C}">
                 <a14:useLocalDpi xmlns:a14="http://schemas.microsoft.com/office/drawing/2010/main" val="0"/>
@@ -6634,8 +6920,8 @@
         </p:blipFill>
         <p:spPr>
           <a:xfrm>
-            <a:off x="530200" y="875763"/>
-            <a:ext cx="10687297" cy="5486400"/>
+            <a:off x="5026047" y="2000250"/>
+            <a:ext cx="7858125" cy="4857750"/>
           </a:xfrm>
           <a:prstGeom prst="rect">
             <a:avLst/>
@@ -6645,7 +6931,7 @@
     </p:spTree>
     <p:extLst>
       <p:ext uri="{BB962C8B-B14F-4D97-AF65-F5344CB8AC3E}">
-        <p14:creationId xmlns:p14="http://schemas.microsoft.com/office/powerpoint/2010/main" val="3266109511"/>
+        <p14:creationId xmlns:p14="http://schemas.microsoft.com/office/powerpoint/2010/main" val="2354771960"/>
       </p:ext>
     </p:extLst>
   </p:cSld>
@@ -6672,183 +6958,104 @@
           <a:chExt cx="0" cy="0"/>
         </a:xfrm>
       </p:grpSpPr>
-      <p:sp>
-        <p:nvSpPr>
-          <p:cNvPr id="2" name="Title 1"/>
-          <p:cNvSpPr>
-            <a:spLocks noGrp="1"/>
-          </p:cNvSpPr>
-          <p:nvPr>
-            <p:ph type="title"/>
-          </p:nvPr>
-        </p:nvSpPr>
-        <p:spPr>
-          <a:xfrm>
-            <a:off x="805137" y="505727"/>
-            <a:ext cx="9404723" cy="1400530"/>
-          </a:xfrm>
-        </p:spPr>
-        <p:txBody>
-          <a:bodyPr/>
-          <a:lstStyle/>
-          <a:p>
-            <a:r>
-              <a:rPr lang="en-US" sz="5400" dirty="0" smtClean="0"/>
-              <a:t>                </a:t>
-            </a:r>
-            <a:r>
-              <a:rPr lang="en-US" sz="4000" dirty="0" smtClean="0"/>
-              <a:t>OpenStack</a:t>
-            </a:r>
-            <a:endParaRPr lang="en-US" sz="4000" dirty="0"/>
-          </a:p>
-        </p:txBody>
-      </p:sp>
-      <p:sp>
-        <p:nvSpPr>
-          <p:cNvPr id="3" name="Content Placeholder 2"/>
-          <p:cNvSpPr>
-            <a:spLocks noGrp="1"/>
-          </p:cNvSpPr>
-          <p:nvPr>
-            <p:ph idx="1"/>
-          </p:nvPr>
-        </p:nvSpPr>
-        <p:spPr>
-          <a:xfrm>
-            <a:off x="515155" y="1700012"/>
-            <a:ext cx="10161431" cy="4561640"/>
-          </a:xfrm>
-        </p:spPr>
-        <p:txBody>
-          <a:bodyPr>
-            <a:normAutofit/>
+      <p:pic>
+        <p:nvPicPr>
+          <p:cNvPr id="4" name="Picture 3"/>
+          <p:cNvPicPr>
+            <a:picLocks noChangeAspect="1"/>
+          </p:cNvPicPr>
+          <p:nvPr/>
+        </p:nvPicPr>
+        <p:blipFill>
+          <a:blip r:embed="rId2">
+            <a:extLst>
+              <a:ext uri="{28A0092B-C50C-407E-A947-70E740481C1C}">
+                <a14:useLocalDpi xmlns:a14="http://schemas.microsoft.com/office/drawing/2010/main" val="0"/>
+              </a:ext>
+            </a:extLst>
+          </a:blip>
+          <a:stretch>
+            <a:fillRect/>
+          </a:stretch>
+        </p:blipFill>
+        <p:spPr>
+          <a:xfrm>
+            <a:off x="631067" y="4198513"/>
+            <a:ext cx="10715222" cy="2569335"/>
+          </a:xfrm>
+          <a:prstGeom prst="rect">
+            <a:avLst/>
+          </a:prstGeom>
+        </p:spPr>
+      </p:pic>
+      <p:sp>
+        <p:nvSpPr>
+          <p:cNvPr id="6" name="TextBox 5"/>
+          <p:cNvSpPr txBox="1"/>
+          <p:nvPr/>
+        </p:nvSpPr>
+        <p:spPr>
+          <a:xfrm>
+            <a:off x="2538220" y="118874"/>
+            <a:ext cx="6452315" cy="461665"/>
+          </a:xfrm>
+          <a:prstGeom prst="rect">
+            <a:avLst/>
+          </a:prstGeom>
+          <a:noFill/>
+        </p:spPr>
+        <p:txBody>
+          <a:bodyPr wrap="square" rtlCol="0">
+            <a:spAutoFit/>
           </a:bodyPr>
           <a:lstStyle/>
           <a:p>
             <a:r>
-              <a:rPr lang="en-US" sz="1700" dirty="0" smtClean="0"/>
-              <a:t>Open Source Cloud Computing Operating System</a:t>
-            </a:r>
-            <a:endParaRPr lang="en-US" sz="1700" dirty="0"/>
-          </a:p>
-          <a:p>
-            <a:r>
-              <a:rPr lang="en-US" sz="1700" dirty="0" smtClean="0"/>
-              <a:t>Founded in July 2010 </a:t>
-            </a:r>
-            <a:r>
-              <a:rPr lang="en-US" sz="1700" dirty="0"/>
-              <a:t>BY </a:t>
-            </a:r>
-            <a:r>
-              <a:rPr lang="en-US" sz="1700" dirty="0" smtClean="0"/>
-              <a:t>Rackspace and NASA</a:t>
-            </a:r>
-          </a:p>
-          <a:p>
-            <a:pPr marL="0" indent="0">
-              <a:buNone/>
-            </a:pPr>
-            <a:r>
-              <a:rPr lang="en-US" sz="1700" b="1" dirty="0" smtClean="0">
-                <a:solidFill>
-                  <a:srgbClr val="FFFF00"/>
-                </a:solidFill>
-              </a:rPr>
-              <a:t>Why OpenStack?</a:t>
-            </a:r>
-          </a:p>
-          <a:p>
-            <a:pPr marL="0" indent="0">
-              <a:buNone/>
-            </a:pPr>
-            <a:r>
-              <a:rPr lang="en-US" sz="1700" dirty="0" smtClean="0"/>
-              <a:t>To create and offer cloud computing services running on standardized hardware</a:t>
-            </a:r>
-            <a:endParaRPr lang="en-US" sz="1700" dirty="0">
-              <a:solidFill>
-                <a:srgbClr val="FFFF00"/>
-              </a:solidFill>
-            </a:endParaRPr>
-          </a:p>
-          <a:p>
-            <a:pPr marL="0" indent="0">
-              <a:buNone/>
-            </a:pPr>
-            <a:r>
-              <a:rPr lang="en-US" sz="1700" b="1" dirty="0">
-                <a:solidFill>
-                  <a:srgbClr val="FFFF00"/>
-                </a:solidFill>
-              </a:rPr>
-              <a:t>Pros</a:t>
-            </a:r>
-          </a:p>
-          <a:p>
-            <a:r>
-              <a:rPr lang="en-US" sz="1700" dirty="0"/>
-              <a:t>Data Sovereignty :Data is on premise</a:t>
-            </a:r>
-          </a:p>
-          <a:p>
-            <a:r>
-              <a:rPr lang="en-US" sz="1700" dirty="0"/>
-              <a:t>Private cloud</a:t>
-            </a:r>
-          </a:p>
-          <a:p>
-            <a:r>
-              <a:rPr lang="en-US" sz="1700" dirty="0"/>
-              <a:t>Vendor Neutral </a:t>
-            </a:r>
-            <a:r>
-              <a:rPr lang="en-US" sz="1700" dirty="0" smtClean="0"/>
-              <a:t>API</a:t>
-            </a:r>
-            <a:endParaRPr lang="en-US" sz="1700" dirty="0"/>
-          </a:p>
-          <a:p>
-            <a:pPr marL="0" indent="0">
-              <a:buNone/>
-            </a:pPr>
-            <a:r>
-              <a:rPr lang="en-US" sz="1700" b="1" dirty="0">
-                <a:solidFill>
-                  <a:srgbClr val="FFFF00"/>
-                </a:solidFill>
-              </a:rPr>
-              <a:t>Cons</a:t>
-            </a:r>
-          </a:p>
-          <a:p>
-            <a:r>
-              <a:rPr lang="en-US" sz="1700" dirty="0"/>
-              <a:t>Stability</a:t>
-            </a:r>
-          </a:p>
-          <a:p>
-            <a:r>
-              <a:rPr lang="en-US" sz="1700" dirty="0"/>
-              <a:t>Expertise</a:t>
-            </a:r>
-          </a:p>
-          <a:p>
-            <a:endParaRPr lang="en-US" sz="2400" dirty="0"/>
-          </a:p>
-          <a:p>
-            <a:endParaRPr lang="en-US" sz="2400" dirty="0"/>
-          </a:p>
-          <a:p>
-            <a:endParaRPr lang="en-US" dirty="0"/>
-          </a:p>
-        </p:txBody>
-      </p:sp>
+              <a:rPr lang="en-US" dirty="0" smtClean="0"/>
+              <a:t>                      </a:t>
+            </a:r>
+            <a:r>
+              <a:rPr lang="en-US" sz="2400" b="1" dirty="0" smtClean="0"/>
+              <a:t>Vagrant Architecture</a:t>
+            </a:r>
+            <a:endParaRPr lang="en-US" sz="2400" b="1" dirty="0"/>
+          </a:p>
+        </p:txBody>
+      </p:sp>
+      <p:pic>
+        <p:nvPicPr>
+          <p:cNvPr id="7" name="Picture 6"/>
+          <p:cNvPicPr>
+            <a:picLocks noChangeAspect="1"/>
+          </p:cNvPicPr>
+          <p:nvPr/>
+        </p:nvPicPr>
+        <p:blipFill>
+          <a:blip r:embed="rId3">
+            <a:extLst>
+              <a:ext uri="{28A0092B-C50C-407E-A947-70E740481C1C}">
+                <a14:useLocalDpi xmlns:a14="http://schemas.microsoft.com/office/drawing/2010/main" val="0"/>
+              </a:ext>
+            </a:extLst>
+          </a:blip>
+          <a:stretch>
+            <a:fillRect/>
+          </a:stretch>
+        </p:blipFill>
+        <p:spPr>
+          <a:xfrm>
+            <a:off x="2538220" y="580539"/>
+            <a:ext cx="6951381" cy="3617974"/>
+          </a:xfrm>
+          <a:prstGeom prst="rect">
+            <a:avLst/>
+          </a:prstGeom>
+        </p:spPr>
+      </p:pic>
     </p:spTree>
     <p:extLst>
       <p:ext uri="{BB962C8B-B14F-4D97-AF65-F5344CB8AC3E}">
-        <p14:creationId xmlns:p14="http://schemas.microsoft.com/office/powerpoint/2010/main" val="4116084473"/>
+        <p14:creationId xmlns:p14="http://schemas.microsoft.com/office/powerpoint/2010/main" val="1633843808"/>
       </p:ext>
     </p:extLst>
   </p:cSld>
@@ -6877,648 +7084,86 @@
       </p:grpSpPr>
       <p:sp>
         <p:nvSpPr>
-          <p:cNvPr id="2" name="Title 1"/>
-          <p:cNvSpPr>
-            <a:spLocks noGrp="1"/>
-          </p:cNvSpPr>
-          <p:nvPr>
-            <p:ph type="title"/>
-          </p:nvPr>
-        </p:nvSpPr>
-        <p:spPr>
-          <a:xfrm>
-            <a:off x="968083" y="104988"/>
-            <a:ext cx="9404723" cy="1400530"/>
-          </a:xfrm>
-        </p:spPr>
+          <p:cNvPr id="3" name="Content Placeholder 2"/>
+          <p:cNvSpPr>
+            <a:spLocks noGrp="1"/>
+          </p:cNvSpPr>
+          <p:nvPr>
+            <p:ph idx="1"/>
+          </p:nvPr>
+        </p:nvSpPr>
+        <p:spPr/>
         <p:txBody>
           <a:bodyPr/>
           <a:lstStyle/>
           <a:p>
-            <a:r>
-              <a:rPr lang="en-US" dirty="0" smtClean="0"/>
-              <a:t>                    Core Services</a:t>
-            </a:r>
-            <a:endParaRPr lang="en-US" dirty="0"/>
+            <a:endParaRPr lang="en-US"/>
           </a:p>
         </p:txBody>
       </p:sp>
       <p:pic>
         <p:nvPicPr>
-          <p:cNvPr id="4" name="Content Placeholder 3"/>
+          <p:cNvPr id="4" name="Picture 3"/>
           <p:cNvPicPr>
-            <a:picLocks noGrp="1" noChangeAspect="1"/>
+            <a:picLocks noChangeAspect="1"/>
           </p:cNvPicPr>
-          <p:nvPr>
-            <p:ph idx="1"/>
-          </p:nvPr>
+          <p:nvPr/>
         </p:nvPicPr>
         <p:blipFill>
-          <a:blip r:embed="rId2"/>
+          <a:blip r:embed="rId2">
+            <a:extLst>
+              <a:ext uri="{28A0092B-C50C-407E-A947-70E740481C1C}">
+                <a14:useLocalDpi xmlns:a14="http://schemas.microsoft.com/office/drawing/2010/main" val="0"/>
+              </a:ext>
+            </a:extLst>
+          </a:blip>
           <a:stretch>
             <a:fillRect/>
           </a:stretch>
         </p:blipFill>
         <p:spPr>
           <a:xfrm>
-            <a:off x="671868" y="906975"/>
-            <a:ext cx="10552067" cy="3821785"/>
-          </a:xfrm>
-        </p:spPr>
-      </p:pic>
-      <p:sp>
-        <p:nvSpPr>
-          <p:cNvPr id="5" name="Rectangle 1"/>
-          <p:cNvSpPr>
-            <a:spLocks noChangeArrowheads="1"/>
-          </p:cNvSpPr>
-          <p:nvPr/>
-        </p:nvSpPr>
-        <p:spPr bwMode="auto">
-          <a:xfrm>
-            <a:off x="0" y="0"/>
-            <a:ext cx="12192000" cy="0"/>
+            <a:off x="476520" y="1371600"/>
+            <a:ext cx="10998556" cy="5486400"/>
           </a:xfrm>
           <a:prstGeom prst="rect">
             <a:avLst/>
           </a:prstGeom>
-          <a:solidFill>
-            <a:srgbClr val="FFFFFF"/>
-          </a:solidFill>
-          <a:ln>
-            <a:noFill/>
-          </a:ln>
-          <a:effectLst/>
-          <a:extLst>
-            <a:ext uri="{91240B29-F687-4F45-9708-019B960494DF}">
-              <a14:hiddenLine xmlns:a14="http://schemas.microsoft.com/office/drawing/2010/main" w="9525">
-                <a:solidFill>
-                  <a:schemeClr val="tx1"/>
-                </a:solidFill>
-                <a:miter lim="800000"/>
-                <a:headEnd/>
-                <a:tailEnd/>
-              </a14:hiddenLine>
-            </a:ext>
-            <a:ext uri="{AF507438-7753-43E0-B8FC-AC1667EBCBE1}">
-              <a14:hiddenEffects xmlns:a14="http://schemas.microsoft.com/office/drawing/2010/main">
-                <a:effectLst>
-                  <a:outerShdw dist="35921" dir="2700000" algn="ctr" rotWithShape="0">
-                    <a:schemeClr val="bg2"/>
-                  </a:outerShdw>
-                </a:effectLst>
-              </a14:hiddenEffects>
-            </a:ext>
-          </a:extLst>
-        </p:spPr>
-        <p:txBody>
-          <a:bodyPr vert="horz" wrap="none" lIns="91440" tIns="0" rIns="91440" bIns="0" numCol="1" anchor="ctr" anchorCtr="0" compatLnSpc="1">
-            <a:prstTxWarp prst="textNoShape">
-              <a:avLst/>
-            </a:prstTxWarp>
+        </p:spPr>
+      </p:pic>
+      <p:sp>
+        <p:nvSpPr>
+          <p:cNvPr id="2" name="Rectangle 1"/>
+          <p:cNvSpPr/>
+          <p:nvPr/>
+        </p:nvSpPr>
+        <p:spPr>
+          <a:xfrm>
+            <a:off x="3805145" y="323055"/>
+            <a:ext cx="4794902" cy="707886"/>
+          </a:xfrm>
+          <a:prstGeom prst="rect">
+            <a:avLst/>
+          </a:prstGeom>
+        </p:spPr>
+        <p:txBody>
+          <a:bodyPr wrap="none">
             <a:spAutoFit/>
           </a:bodyPr>
           <a:lstStyle/>
           <a:p>
-            <a:pPr marL="0" marR="0" lvl="0" indent="0" algn="l" defTabSz="914400" rtl="0" eaLnBrk="0" fontAlgn="base" latinLnBrk="0" hangingPunct="0">
-              <a:lnSpc>
-                <a:spcPct val="100000"/>
-              </a:lnSpc>
-              <a:spcBef>
-                <a:spcPct val="0"/>
-              </a:spcBef>
-              <a:spcAft>
-                <a:spcPct val="0"/>
-              </a:spcAft>
-              <a:buClrTx/>
-              <a:buSzTx/>
-              <a:buFontTx/>
-              <a:buNone/>
-              <a:tabLst/>
-            </a:pPr>
-            <a:endParaRPr kumimoji="0" lang="en-US" altLang="en-US" sz="1800" b="0" i="0" u="none" strike="noStrike" cap="none" normalizeH="0" baseline="0" smtClean="0">
-              <a:ln>
-                <a:noFill/>
-              </a:ln>
-              <a:solidFill>
-                <a:schemeClr val="tx1"/>
-              </a:solidFill>
-              <a:effectLst/>
-              <a:latin typeface="Arial" panose="020B0604020202020204" pitchFamily="34" charset="0"/>
-            </a:endParaRPr>
-          </a:p>
-          <a:p>
-            <a:pPr marL="0" marR="0" lvl="0" indent="0" algn="l" defTabSz="914400" rtl="0" eaLnBrk="0" fontAlgn="base" latinLnBrk="0" hangingPunct="0">
-              <a:lnSpc>
-                <a:spcPct val="100000"/>
-              </a:lnSpc>
-              <a:spcBef>
-                <a:spcPct val="0"/>
-              </a:spcBef>
-              <a:spcAft>
-                <a:spcPct val="0"/>
-              </a:spcAft>
-              <a:buClrTx/>
-              <a:buSzTx/>
-              <a:buFontTx/>
-              <a:buChar char="•"/>
-              <a:tabLst/>
-            </a:pPr>
-            <a:r>
-              <a:rPr kumimoji="0" lang="en-US" altLang="en-US" sz="900" b="1" i="0" u="none" strike="noStrike" cap="none" normalizeH="0" baseline="0" smtClean="0">
-                <a:ln>
-                  <a:noFill/>
-                </a:ln>
-                <a:solidFill>
-                  <a:srgbClr val="333333"/>
-                </a:solidFill>
-                <a:effectLst/>
-                <a:latin typeface="dejavu sans mono"/>
-              </a:rPr>
-              <a:t>nova</a:t>
-            </a:r>
-            <a:r>
-              <a:rPr kumimoji="0" lang="en-US" altLang="en-US" sz="1100" b="0" i="0" u="none" strike="noStrike" cap="none" normalizeH="0" baseline="0" smtClean="0">
-                <a:ln>
-                  <a:noFill/>
-                </a:ln>
-                <a:solidFill>
-                  <a:srgbClr val="333333"/>
-                </a:solidFill>
-                <a:effectLst/>
-                <a:latin typeface="Open Sans"/>
-              </a:rPr>
-              <a:t>. Compute API and extensions.</a:t>
-            </a:r>
-          </a:p>
-          <a:p>
-            <a:pPr marL="0" marR="0" lvl="0" indent="0" algn="l" defTabSz="914400" rtl="0" eaLnBrk="0" fontAlgn="base" latinLnBrk="0" hangingPunct="0">
-              <a:lnSpc>
-                <a:spcPct val="100000"/>
-              </a:lnSpc>
-              <a:spcBef>
-                <a:spcPct val="0"/>
-              </a:spcBef>
-              <a:spcAft>
-                <a:spcPct val="0"/>
-              </a:spcAft>
-              <a:buClrTx/>
-              <a:buSzTx/>
-              <a:buFontTx/>
-              <a:buChar char="•"/>
-              <a:tabLst/>
-            </a:pPr>
-            <a:r>
-              <a:rPr kumimoji="0" lang="en-US" altLang="en-US" sz="900" b="1" i="0" u="none" strike="noStrike" cap="none" normalizeH="0" baseline="0" smtClean="0">
-                <a:ln>
-                  <a:noFill/>
-                </a:ln>
-                <a:solidFill>
-                  <a:srgbClr val="333333"/>
-                </a:solidFill>
-                <a:effectLst/>
-                <a:latin typeface="dejavu sans mono"/>
-              </a:rPr>
-              <a:t>neutron</a:t>
-            </a:r>
-            <a:r>
-              <a:rPr kumimoji="0" lang="en-US" altLang="en-US" sz="1100" b="0" i="0" u="none" strike="noStrike" cap="none" normalizeH="0" baseline="0" smtClean="0">
-                <a:ln>
-                  <a:noFill/>
-                </a:ln>
-                <a:solidFill>
-                  <a:srgbClr val="333333"/>
-                </a:solidFill>
-                <a:effectLst/>
-                <a:latin typeface="Open Sans"/>
-              </a:rPr>
-              <a:t>. Networking API.</a:t>
-            </a:r>
-          </a:p>
-          <a:p>
-            <a:pPr marL="0" marR="0" lvl="0" indent="0" algn="l" defTabSz="914400" rtl="0" eaLnBrk="0" fontAlgn="base" latinLnBrk="0" hangingPunct="0">
-              <a:lnSpc>
-                <a:spcPct val="100000"/>
-              </a:lnSpc>
-              <a:spcBef>
-                <a:spcPct val="0"/>
-              </a:spcBef>
-              <a:spcAft>
-                <a:spcPct val="0"/>
-              </a:spcAft>
-              <a:buClrTx/>
-              <a:buSzTx/>
-              <a:buFontTx/>
-              <a:buChar char="•"/>
-              <a:tabLst/>
-            </a:pPr>
-            <a:r>
-              <a:rPr kumimoji="0" lang="en-US" altLang="en-US" sz="900" b="1" i="0" u="none" strike="noStrike" cap="none" normalizeH="0" baseline="0" smtClean="0">
-                <a:ln>
-                  <a:noFill/>
-                </a:ln>
-                <a:solidFill>
-                  <a:srgbClr val="333333"/>
-                </a:solidFill>
-                <a:effectLst/>
-                <a:latin typeface="dejavu sans mono"/>
-              </a:rPr>
-              <a:t>keystone</a:t>
-            </a:r>
-            <a:r>
-              <a:rPr kumimoji="0" lang="en-US" altLang="en-US" sz="1100" b="0" i="0" u="none" strike="noStrike" cap="none" normalizeH="0" baseline="0" smtClean="0">
-                <a:ln>
-                  <a:noFill/>
-                </a:ln>
-                <a:solidFill>
-                  <a:srgbClr val="333333"/>
-                </a:solidFill>
-                <a:effectLst/>
-                <a:latin typeface="Open Sans"/>
-              </a:rPr>
-              <a:t>. Identity Service API.</a:t>
-            </a:r>
-          </a:p>
-          <a:p>
-            <a:pPr marL="0" marR="0" lvl="0" indent="0" algn="l" defTabSz="914400" rtl="0" eaLnBrk="0" fontAlgn="base" latinLnBrk="0" hangingPunct="0">
-              <a:lnSpc>
-                <a:spcPct val="100000"/>
-              </a:lnSpc>
-              <a:spcBef>
-                <a:spcPct val="0"/>
-              </a:spcBef>
-              <a:spcAft>
-                <a:spcPct val="0"/>
-              </a:spcAft>
-              <a:buClrTx/>
-              <a:buSzTx/>
-              <a:buFontTx/>
-              <a:buChar char="•"/>
-              <a:tabLst/>
-            </a:pPr>
-            <a:r>
-              <a:rPr kumimoji="0" lang="en-US" altLang="en-US" sz="900" b="1" i="0" u="none" strike="noStrike" cap="none" normalizeH="0" baseline="0" smtClean="0">
-                <a:ln>
-                  <a:noFill/>
-                </a:ln>
-                <a:solidFill>
-                  <a:srgbClr val="333333"/>
-                </a:solidFill>
-                <a:effectLst/>
-                <a:latin typeface="dejavu sans mono"/>
-              </a:rPr>
-              <a:t>glance</a:t>
-            </a:r>
-            <a:r>
-              <a:rPr kumimoji="0" lang="en-US" altLang="en-US" sz="1100" b="0" i="0" u="none" strike="noStrike" cap="none" normalizeH="0" baseline="0" smtClean="0">
-                <a:ln>
-                  <a:noFill/>
-                </a:ln>
-                <a:solidFill>
-                  <a:srgbClr val="333333"/>
-                </a:solidFill>
-                <a:effectLst/>
-                <a:latin typeface="Open Sans"/>
-              </a:rPr>
-              <a:t>. Image Service API.</a:t>
-            </a:r>
-          </a:p>
-          <a:p>
-            <a:pPr marL="0" marR="0" lvl="0" indent="0" algn="l" defTabSz="914400" rtl="0" eaLnBrk="0" fontAlgn="base" latinLnBrk="0" hangingPunct="0">
-              <a:lnSpc>
-                <a:spcPct val="100000"/>
-              </a:lnSpc>
-              <a:spcBef>
-                <a:spcPct val="0"/>
-              </a:spcBef>
-              <a:spcAft>
-                <a:spcPct val="0"/>
-              </a:spcAft>
-              <a:buClrTx/>
-              <a:buSzTx/>
-              <a:buFontTx/>
-              <a:buChar char="•"/>
-              <a:tabLst/>
-            </a:pPr>
-            <a:r>
-              <a:rPr kumimoji="0" lang="en-US" altLang="en-US" sz="900" b="1" i="0" u="none" strike="noStrike" cap="none" normalizeH="0" baseline="0" smtClean="0">
-                <a:ln>
-                  <a:noFill/>
-                </a:ln>
-                <a:solidFill>
-                  <a:srgbClr val="333333"/>
-                </a:solidFill>
-                <a:effectLst/>
-                <a:latin typeface="dejavu sans mono"/>
-              </a:rPr>
-              <a:t>swift</a:t>
-            </a:r>
-            <a:r>
-              <a:rPr kumimoji="0" lang="en-US" altLang="en-US" sz="1100" b="0" i="0" u="none" strike="noStrike" cap="none" normalizeH="0" baseline="0" smtClean="0">
-                <a:ln>
-                  <a:noFill/>
-                </a:ln>
-                <a:solidFill>
-                  <a:srgbClr val="333333"/>
-                </a:solidFill>
-                <a:effectLst/>
-                <a:latin typeface="Open Sans"/>
-              </a:rPr>
-              <a:t>. Object Storage API.</a:t>
-            </a:r>
-          </a:p>
-          <a:p>
-            <a:pPr marL="0" marR="0" lvl="0" indent="0" algn="l" defTabSz="914400" rtl="0" eaLnBrk="0" fontAlgn="base" latinLnBrk="0" hangingPunct="0">
-              <a:lnSpc>
-                <a:spcPct val="100000"/>
-              </a:lnSpc>
-              <a:spcBef>
-                <a:spcPct val="0"/>
-              </a:spcBef>
-              <a:spcAft>
-                <a:spcPct val="0"/>
-              </a:spcAft>
-              <a:buClrTx/>
-              <a:buSzTx/>
-              <a:buFontTx/>
-              <a:buChar char="•"/>
-              <a:tabLst/>
-            </a:pPr>
-            <a:r>
-              <a:rPr kumimoji="0" lang="en-US" altLang="en-US" sz="900" b="1" i="0" u="none" strike="noStrike" cap="none" normalizeH="0" baseline="0" smtClean="0">
-                <a:ln>
-                  <a:noFill/>
-                </a:ln>
-                <a:solidFill>
-                  <a:srgbClr val="333333"/>
-                </a:solidFill>
-                <a:effectLst/>
-                <a:latin typeface="dejavu sans mono"/>
-              </a:rPr>
-              <a:t>cinder</a:t>
-            </a:r>
-            <a:r>
-              <a:rPr kumimoji="0" lang="en-US" altLang="en-US" sz="1100" b="0" i="0" u="none" strike="noStrike" cap="none" normalizeH="0" baseline="0" smtClean="0">
-                <a:ln>
-                  <a:noFill/>
-                </a:ln>
-                <a:solidFill>
-                  <a:srgbClr val="333333"/>
-                </a:solidFill>
-                <a:effectLst/>
-                <a:latin typeface="Open Sans"/>
-              </a:rPr>
-              <a:t>. Block Storage Service API.</a:t>
-            </a:r>
-          </a:p>
-          <a:p>
-            <a:pPr marL="0" marR="0" lvl="0" indent="0" algn="l" defTabSz="914400" rtl="0" eaLnBrk="0" fontAlgn="base" latinLnBrk="0" hangingPunct="0">
-              <a:lnSpc>
-                <a:spcPct val="100000"/>
-              </a:lnSpc>
-              <a:spcBef>
-                <a:spcPct val="0"/>
-              </a:spcBef>
-              <a:spcAft>
-                <a:spcPct val="0"/>
-              </a:spcAft>
-              <a:buClrTx/>
-              <a:buSzTx/>
-              <a:buFontTx/>
-              <a:buChar char="•"/>
-              <a:tabLst/>
-            </a:pPr>
-            <a:r>
-              <a:rPr kumimoji="0" lang="en-US" altLang="en-US" sz="900" b="1" i="0" u="none" strike="noStrike" cap="none" normalizeH="0" baseline="0" smtClean="0">
-                <a:ln>
-                  <a:noFill/>
-                </a:ln>
-                <a:solidFill>
-                  <a:srgbClr val="333333"/>
-                </a:solidFill>
-                <a:effectLst/>
-                <a:latin typeface="dejavu sans mono"/>
-              </a:rPr>
-              <a:t>heat</a:t>
-            </a:r>
-            <a:r>
-              <a:rPr kumimoji="0" lang="en-US" altLang="en-US" sz="1100" b="0" i="0" u="none" strike="noStrike" cap="none" normalizeH="0" baseline="0" smtClean="0">
-                <a:ln>
-                  <a:noFill/>
-                </a:ln>
-                <a:solidFill>
-                  <a:srgbClr val="333333"/>
-                </a:solidFill>
-                <a:effectLst/>
-                <a:latin typeface="Open Sans"/>
-              </a:rPr>
-              <a:t>. Orchestration API.</a:t>
-            </a:r>
-          </a:p>
-          <a:p>
-            <a:pPr marL="0" marR="0" lvl="0" indent="0" algn="l" defTabSz="914400" rtl="0" eaLnBrk="0" fontAlgn="base" latinLnBrk="0" hangingPunct="0">
-              <a:lnSpc>
-                <a:spcPct val="100000"/>
-              </a:lnSpc>
-              <a:spcBef>
-                <a:spcPct val="0"/>
-              </a:spcBef>
-              <a:spcAft>
-                <a:spcPct val="0"/>
-              </a:spcAft>
-              <a:buClrTx/>
-              <a:buSzTx/>
-              <a:buFontTx/>
-              <a:buChar char="•"/>
-              <a:tabLst/>
-            </a:pPr>
-            <a:r>
-              <a:rPr kumimoji="0" lang="en-US" altLang="en-US" sz="900" b="1" i="0" u="none" strike="noStrike" cap="none" normalizeH="0" baseline="0" smtClean="0">
-                <a:ln>
-                  <a:noFill/>
-                </a:ln>
-                <a:solidFill>
-                  <a:srgbClr val="333333"/>
-                </a:solidFill>
-                <a:effectLst/>
-                <a:latin typeface="dejavu sans mono"/>
-              </a:rPr>
-              <a:t>ceilometer</a:t>
-            </a:r>
-            <a:r>
-              <a:rPr kumimoji="0" lang="en-US" altLang="en-US" sz="1100" b="0" i="0" u="none" strike="noStrike" cap="none" normalizeH="0" baseline="0" smtClean="0">
-                <a:ln>
-                  <a:noFill/>
-                </a:ln>
-                <a:solidFill>
-                  <a:srgbClr val="333333"/>
-                </a:solidFill>
-                <a:effectLst/>
-                <a:latin typeface="Open Sans"/>
-              </a:rPr>
-              <a:t>. Monitoring/Telemetry API.</a:t>
-            </a:r>
-          </a:p>
-          <a:p>
-            <a:pPr marL="0" marR="0" lvl="0" indent="0" algn="l" defTabSz="914400" rtl="0" eaLnBrk="0" fontAlgn="base" latinLnBrk="0" hangingPunct="0">
-              <a:lnSpc>
-                <a:spcPct val="100000"/>
-              </a:lnSpc>
-              <a:spcBef>
-                <a:spcPct val="0"/>
-              </a:spcBef>
-              <a:spcAft>
-                <a:spcPct val="0"/>
-              </a:spcAft>
-              <a:buClrTx/>
-              <a:buSzTx/>
-              <a:buFontTx/>
-              <a:buNone/>
-              <a:tabLst/>
-            </a:pPr>
-            <a:endParaRPr kumimoji="0" lang="en-US" altLang="en-US" sz="1800" b="0" i="0" u="none" strike="noStrike" cap="none" normalizeH="0" baseline="0" smtClean="0">
-              <a:ln>
-                <a:noFill/>
-              </a:ln>
-              <a:solidFill>
-                <a:schemeClr val="tx1"/>
-              </a:solidFill>
-              <a:effectLst/>
-              <a:latin typeface="Arial" panose="020B0604020202020204" pitchFamily="34" charset="0"/>
-            </a:endParaRPr>
-          </a:p>
-        </p:txBody>
-      </p:sp>
-      <p:sp>
-        <p:nvSpPr>
-          <p:cNvPr id="6" name="TextBox 5"/>
-          <p:cNvSpPr txBox="1"/>
-          <p:nvPr/>
-        </p:nvSpPr>
-        <p:spPr>
-          <a:xfrm>
-            <a:off x="862885" y="4893972"/>
-            <a:ext cx="10509160" cy="707886"/>
-          </a:xfrm>
-          <a:prstGeom prst="rect">
-            <a:avLst/>
-          </a:prstGeom>
-          <a:noFill/>
-        </p:spPr>
-        <p:txBody>
-          <a:bodyPr wrap="square" rtlCol="0">
-            <a:spAutoFit/>
-          </a:bodyPr>
-          <a:lstStyle/>
-          <a:p>
-            <a:r>
-              <a:rPr lang="en-US" sz="2000" dirty="0">
-                <a:solidFill>
-                  <a:srgbClr val="FFFF00"/>
-                </a:solidFill>
-              </a:rPr>
-              <a:t>SWIFT: </a:t>
-            </a:r>
-            <a:r>
-              <a:rPr lang="en-US" sz="2000" dirty="0"/>
-              <a:t>Object </a:t>
-            </a:r>
-            <a:r>
-              <a:rPr lang="en-US" sz="2000" dirty="0" smtClean="0"/>
-              <a:t>Storage </a:t>
-            </a:r>
-            <a:r>
-              <a:rPr lang="en-US" sz="2000" dirty="0">
-                <a:solidFill>
-                  <a:srgbClr val="FFFF00"/>
-                </a:solidFill>
-              </a:rPr>
-              <a:t>KEYSTONE: </a:t>
-            </a:r>
-            <a:r>
-              <a:rPr lang="en-US" sz="2000" dirty="0"/>
-              <a:t>Identity Service</a:t>
-            </a:r>
-            <a:r>
-              <a:rPr lang="en-US" sz="2000" dirty="0" smtClean="0"/>
-              <a:t> </a:t>
-            </a:r>
-            <a:r>
-              <a:rPr lang="en-US" sz="2000" dirty="0" smtClean="0">
-                <a:solidFill>
-                  <a:srgbClr val="FFFF00"/>
-                </a:solidFill>
-              </a:rPr>
-              <a:t>NOVA</a:t>
-            </a:r>
-            <a:r>
-              <a:rPr lang="en-US" sz="2000" dirty="0">
-                <a:solidFill>
-                  <a:srgbClr val="FFFF00"/>
-                </a:solidFill>
-              </a:rPr>
-              <a:t>: </a:t>
-            </a:r>
-            <a:r>
-              <a:rPr lang="en-US" sz="2000" dirty="0"/>
-              <a:t>Compute and </a:t>
-            </a:r>
-            <a:r>
-              <a:rPr lang="en-US" sz="2000" dirty="0" smtClean="0"/>
-              <a:t>extensions </a:t>
-            </a:r>
-            <a:r>
-              <a:rPr lang="en-US" sz="2000" dirty="0">
-                <a:solidFill>
-                  <a:srgbClr val="FFFF00"/>
-                </a:solidFill>
-              </a:rPr>
-              <a:t>NEUTRON: </a:t>
-            </a:r>
-            <a:r>
-              <a:rPr lang="en-US" sz="2000" dirty="0"/>
-              <a:t>Networking </a:t>
-            </a:r>
-            <a:r>
-              <a:rPr lang="en-US" sz="2000" dirty="0" smtClean="0"/>
-              <a:t>API </a:t>
-            </a:r>
-            <a:r>
-              <a:rPr lang="en-US" sz="2000" dirty="0">
-                <a:solidFill>
-                  <a:srgbClr val="FFFF00"/>
-                </a:solidFill>
-              </a:rPr>
-              <a:t>CINDER: </a:t>
-            </a:r>
-            <a:r>
-              <a:rPr lang="en-US" sz="2000" dirty="0"/>
-              <a:t>Block Storage Service </a:t>
-            </a:r>
-            <a:r>
-              <a:rPr lang="en-US" sz="2000" dirty="0" smtClean="0"/>
-              <a:t> </a:t>
-            </a:r>
-            <a:r>
-              <a:rPr lang="en-US" sz="2000" dirty="0" smtClean="0">
-                <a:solidFill>
-                  <a:srgbClr val="FFFF00"/>
-                </a:solidFill>
-              </a:rPr>
-              <a:t>GLANCE: </a:t>
-            </a:r>
-            <a:r>
-              <a:rPr lang="en-US" sz="2000" dirty="0" smtClean="0"/>
-              <a:t>Image Service</a:t>
-            </a:r>
-            <a:endParaRPr lang="en-US" sz="2000" dirty="0"/>
+            <a:r>
+              <a:rPr lang="en-US" sz="4000" dirty="0" smtClean="0"/>
+              <a:t>Vagrant vs Docker</a:t>
+            </a:r>
+            <a:endParaRPr lang="en-US" sz="4000" dirty="0"/>
           </a:p>
         </p:txBody>
       </p:sp>
     </p:spTree>
     <p:extLst>
       <p:ext uri="{BB962C8B-B14F-4D97-AF65-F5344CB8AC3E}">
-        <p14:creationId xmlns:p14="http://schemas.microsoft.com/office/powerpoint/2010/main" val="3941539055"/>
+        <p14:creationId xmlns:p14="http://schemas.microsoft.com/office/powerpoint/2010/main" val="3266109511"/>
       </p:ext>
     </p:extLst>
   </p:cSld>
@@ -7547,119 +7192,70 @@
       </p:grpSpPr>
       <p:sp>
         <p:nvSpPr>
-          <p:cNvPr id="2" name="Title 1"/>
-          <p:cNvSpPr>
-            <a:spLocks noGrp="1"/>
-          </p:cNvSpPr>
-          <p:nvPr>
-            <p:ph type="title"/>
-          </p:nvPr>
-        </p:nvSpPr>
-        <p:spPr/>
-        <p:txBody>
-          <a:bodyPr/>
-          <a:lstStyle/>
-          <a:p>
-            <a:r>
-              <a:rPr lang="en-US" dirty="0" smtClean="0"/>
-              <a:t>        Useful Links and References</a:t>
-            </a:r>
-            <a:endParaRPr lang="en-US" dirty="0"/>
-          </a:p>
-        </p:txBody>
-      </p:sp>
-      <p:sp>
-        <p:nvSpPr>
-          <p:cNvPr id="3" name="Content Placeholder 2"/>
-          <p:cNvSpPr>
-            <a:spLocks noGrp="1"/>
-          </p:cNvSpPr>
-          <p:nvPr>
-            <p:ph idx="1"/>
-          </p:nvPr>
-        </p:nvSpPr>
-        <p:spPr/>
-        <p:txBody>
-          <a:bodyPr>
-            <a:normAutofit/>
+          <p:cNvPr id="4" name="Rectangle 3"/>
+          <p:cNvSpPr/>
+          <p:nvPr/>
+        </p:nvSpPr>
+        <p:spPr>
+          <a:xfrm>
+            <a:off x="3683358" y="2936382"/>
+            <a:ext cx="6056815" cy="707886"/>
+          </a:xfrm>
+          <a:prstGeom prst="rect">
+            <a:avLst/>
+          </a:prstGeom>
+        </p:spPr>
+        <p:txBody>
+          <a:bodyPr wrap="square">
+            <a:spAutoFit/>
           </a:bodyPr>
           <a:lstStyle/>
           <a:p>
-            <a:endParaRPr lang="en-US" dirty="0"/>
-          </a:p>
-          <a:p>
-            <a:pPr marL="0" indent="0">
-              <a:buNone/>
-            </a:pPr>
-            <a:r>
-              <a:rPr lang="en-US" dirty="0"/>
-              <a:t> </a:t>
-            </a:r>
-          </a:p>
-          <a:p>
-            <a:pPr>
-              <a:lnSpc>
-                <a:spcPct val="100000"/>
-              </a:lnSpc>
-            </a:pPr>
-            <a:r>
-              <a:rPr lang="en-US" u="sng" dirty="0">
+            <a:r>
+              <a:rPr lang="en-US" sz="4000" dirty="0">
                 <a:solidFill>
                   <a:srgbClr val="FFFF00"/>
                 </a:solidFill>
               </a:rPr>
-              <a:t>Links:</a:t>
-            </a:r>
-          </a:p>
-          <a:p>
-            <a:pPr>
-              <a:lnSpc>
-                <a:spcPct val="100000"/>
-              </a:lnSpc>
-            </a:pPr>
-            <a:r>
-              <a:rPr lang="en-US" dirty="0">
-                <a:hlinkClick r:id="rId2"/>
+              <a:t>Demo on </a:t>
+            </a:r>
+            <a:r>
+              <a:rPr lang="en-US" sz="4000" dirty="0" err="1" smtClean="0">
+                <a:solidFill>
+                  <a:srgbClr val="FFFF00"/>
+                </a:solidFill>
               </a:rPr>
-              <a:t>https://www.vagrantup.com/</a:t>
-            </a:r>
-            <a:r>
-              <a:rPr lang="en-US" dirty="0"/>
-              <a:t> - Vagrant Installation</a:t>
-            </a:r>
-          </a:p>
-          <a:p>
-            <a:pPr>
-              <a:lnSpc>
-                <a:spcPct val="100000"/>
-              </a:lnSpc>
-            </a:pPr>
-            <a:r>
-              <a:rPr lang="en-US" dirty="0">
-                <a:hlinkClick r:id="rId3"/>
+              <a:t>TryStack</a:t>
+            </a:r>
+            <a:r>
+              <a:rPr lang="en-US" sz="4000" dirty="0" smtClean="0">
+                <a:solidFill>
+                  <a:srgbClr val="FFFF00"/>
+                </a:solidFill>
               </a:rPr>
-              <a:t>https://en.wikipedia.org/wiki/Vagrant_(software)</a:t>
-            </a:r>
-            <a:r>
-              <a:rPr lang="en-US" dirty="0"/>
-              <a:t> – More Information about vagrant</a:t>
-            </a:r>
-          </a:p>
-          <a:p>
-            <a:endParaRPr lang="en-US" dirty="0"/>
+              <a:t> </a:t>
+            </a:r>
+            <a:endParaRPr lang="en-US" sz="4000" dirty="0"/>
           </a:p>
         </p:txBody>
       </p:sp>
     </p:spTree>
     <p:extLst>
       <p:ext uri="{BB962C8B-B14F-4D97-AF65-F5344CB8AC3E}">
-        <p14:creationId xmlns:p14="http://schemas.microsoft.com/office/powerpoint/2010/main" val="2351841481"/>
+        <p14:creationId xmlns:p14="http://schemas.microsoft.com/office/powerpoint/2010/main" val="4195412617"/>
       </p:ext>
     </p:extLst>
   </p:cSld>
   <p:clrMapOvr>
     <a:masterClrMapping/>
   </p:clrMapOvr>
+  <p:timing>
+    <p:tnLst>
+      <p:par>
+        <p:cTn id="1" dur="indefinite" restart="never" nodeType="tmRoot"/>
+      </p:par>
+    </p:tnLst>
+  </p:timing>
 </p:sld>
 </file>
 
@@ -7690,22 +7286,239 @@
             <p:ph type="title"/>
           </p:nvPr>
         </p:nvSpPr>
-        <p:spPr/>
+        <p:spPr>
+          <a:xfrm>
+            <a:off x="805137" y="505727"/>
+            <a:ext cx="9404723" cy="1400530"/>
+          </a:xfrm>
+        </p:spPr>
         <p:txBody>
           <a:bodyPr/>
           <a:lstStyle/>
           <a:p>
             <a:r>
-              <a:rPr lang="en-US" dirty="0" smtClean="0"/>
-              <a:t>           OpenStack Summit</a:t>
-            </a:r>
+              <a:rPr lang="en-US" sz="5400" dirty="0" smtClean="0"/>
+              <a:t>                </a:t>
+            </a:r>
+            <a:r>
+              <a:rPr lang="en-US" sz="4000" dirty="0" smtClean="0"/>
+              <a:t>OpenStack</a:t>
+            </a:r>
+            <a:endParaRPr lang="en-US" sz="4000" dirty="0"/>
+          </a:p>
+        </p:txBody>
+      </p:sp>
+      <p:sp>
+        <p:nvSpPr>
+          <p:cNvPr id="3" name="Content Placeholder 2"/>
+          <p:cNvSpPr>
+            <a:spLocks noGrp="1"/>
+          </p:cNvSpPr>
+          <p:nvPr>
+            <p:ph idx="1"/>
+          </p:nvPr>
+        </p:nvSpPr>
+        <p:spPr>
+          <a:xfrm>
+            <a:off x="515155" y="1700012"/>
+            <a:ext cx="10161431" cy="4561640"/>
+          </a:xfrm>
+        </p:spPr>
+        <p:txBody>
+          <a:bodyPr>
+            <a:normAutofit lnSpcReduction="10000"/>
+          </a:bodyPr>
+          <a:lstStyle/>
+          <a:p>
+            <a:r>
+              <a:rPr lang="en-US" sz="1700" dirty="0" smtClean="0"/>
+              <a:t>Open Source Cloud Computing Operating System</a:t>
+            </a:r>
+            <a:endParaRPr lang="en-US" sz="1700" dirty="0"/>
+          </a:p>
+          <a:p>
+            <a:r>
+              <a:rPr lang="en-US" sz="1700" dirty="0" smtClean="0"/>
+              <a:t>Founded in July 2010 </a:t>
+            </a:r>
+            <a:r>
+              <a:rPr lang="en-US" sz="1700" dirty="0"/>
+              <a:t>BY </a:t>
+            </a:r>
+            <a:r>
+              <a:rPr lang="en-US" sz="1700" dirty="0" smtClean="0"/>
+              <a:t>Rackspace and </a:t>
+            </a:r>
+            <a:r>
+              <a:rPr lang="en-US" sz="1700" dirty="0" smtClean="0"/>
+              <a:t>NASA</a:t>
+            </a:r>
+          </a:p>
+          <a:p>
+            <a:endParaRPr lang="en-US" sz="1700" dirty="0" smtClean="0"/>
+          </a:p>
+          <a:p>
+            <a:pPr marL="0" indent="0">
+              <a:buNone/>
+            </a:pPr>
+            <a:r>
+              <a:rPr lang="en-US" sz="1700" b="1" dirty="0" smtClean="0">
+                <a:solidFill>
+                  <a:srgbClr val="FFFF00"/>
+                </a:solidFill>
+              </a:rPr>
+              <a:t>Why OpenStack?</a:t>
+            </a:r>
+          </a:p>
+          <a:p>
+            <a:pPr marL="0" indent="0">
+              <a:buNone/>
+            </a:pPr>
+            <a:r>
+              <a:rPr lang="en-US" sz="1700" dirty="0" smtClean="0"/>
+              <a:t>To create and offer cloud computing services running on standardized hardware</a:t>
+            </a:r>
+            <a:endParaRPr lang="en-US" sz="1700" dirty="0">
+              <a:solidFill>
+                <a:srgbClr val="FFFF00"/>
+              </a:solidFill>
+            </a:endParaRPr>
+          </a:p>
+          <a:p>
+            <a:pPr marL="0" indent="0">
+              <a:buNone/>
+            </a:pPr>
+            <a:r>
+              <a:rPr lang="en-US" sz="1700" b="1" dirty="0">
+                <a:solidFill>
+                  <a:srgbClr val="FFFF00"/>
+                </a:solidFill>
+              </a:rPr>
+              <a:t>Pros</a:t>
+            </a:r>
+          </a:p>
+          <a:p>
+            <a:r>
+              <a:rPr lang="en-US" sz="1700" dirty="0"/>
+              <a:t>Data Sovereignty :Data is on premise</a:t>
+            </a:r>
+          </a:p>
+          <a:p>
+            <a:r>
+              <a:rPr lang="en-US" sz="1700" dirty="0"/>
+              <a:t>Private cloud</a:t>
+            </a:r>
+          </a:p>
+          <a:p>
+            <a:r>
+              <a:rPr lang="en-US" sz="1700" dirty="0"/>
+              <a:t>Vendor Neutral </a:t>
+            </a:r>
+            <a:r>
+              <a:rPr lang="en-US" sz="1700" dirty="0" smtClean="0"/>
+              <a:t>API</a:t>
+            </a:r>
+            <a:endParaRPr lang="en-US" sz="1700" dirty="0"/>
+          </a:p>
+          <a:p>
+            <a:pPr marL="0" indent="0">
+              <a:buNone/>
+            </a:pPr>
+            <a:r>
+              <a:rPr lang="en-US" sz="1700" b="1" dirty="0">
+                <a:solidFill>
+                  <a:srgbClr val="FFFF00"/>
+                </a:solidFill>
+              </a:rPr>
+              <a:t>Cons</a:t>
+            </a:r>
+          </a:p>
+          <a:p>
+            <a:r>
+              <a:rPr lang="en-US" sz="1700" dirty="0"/>
+              <a:t>Stability</a:t>
+            </a:r>
+          </a:p>
+          <a:p>
+            <a:r>
+              <a:rPr lang="en-US" sz="1700" dirty="0"/>
+              <a:t>Expertise</a:t>
+            </a:r>
+          </a:p>
+          <a:p>
+            <a:endParaRPr lang="en-US" sz="2400" dirty="0"/>
+          </a:p>
+          <a:p>
+            <a:endParaRPr lang="en-US" sz="2400" dirty="0"/>
+          </a:p>
+          <a:p>
             <a:endParaRPr lang="en-US" dirty="0"/>
           </a:p>
         </p:txBody>
       </p:sp>
       <p:pic>
         <p:nvPicPr>
-          <p:cNvPr id="4" name="Content Placeholder 3"/>
+          <p:cNvPr id="6" name="Picture 5"/>
+          <p:cNvPicPr>
+            <a:picLocks noChangeAspect="1"/>
+          </p:cNvPicPr>
+          <p:nvPr/>
+        </p:nvPicPr>
+        <p:blipFill>
+          <a:blip r:embed="rId2">
+            <a:extLst>
+              <a:ext uri="{28A0092B-C50C-407E-A947-70E740481C1C}">
+                <a14:useLocalDpi xmlns:a14="http://schemas.microsoft.com/office/drawing/2010/main" val="0"/>
+              </a:ext>
+            </a:extLst>
+          </a:blip>
+          <a:stretch>
+            <a:fillRect/>
+          </a:stretch>
+        </p:blipFill>
+        <p:spPr>
+          <a:xfrm>
+            <a:off x="5287849" y="3644722"/>
+            <a:ext cx="6552799" cy="2981459"/>
+          </a:xfrm>
+          <a:prstGeom prst="rect">
+            <a:avLst/>
+          </a:prstGeom>
+        </p:spPr>
+      </p:pic>
+    </p:spTree>
+    <p:extLst>
+      <p:ext uri="{BB962C8B-B14F-4D97-AF65-F5344CB8AC3E}">
+        <p14:creationId xmlns:p14="http://schemas.microsoft.com/office/powerpoint/2010/main" val="4116084473"/>
+      </p:ext>
+    </p:extLst>
+  </p:cSld>
+  <p:clrMapOvr>
+    <a:masterClrMapping/>
+  </p:clrMapOvr>
+</p:sld>
+</file>
+
+<file path=ppt/slides/slide8.xml><?xml version="1.0" encoding="utf-8"?>
+<p:sld xmlns:a="http://schemas.openxmlformats.org/drawingml/2006/main" xmlns:r="http://schemas.openxmlformats.org/officeDocument/2006/relationships" xmlns:p="http://schemas.openxmlformats.org/presentationml/2006/main">
+  <p:cSld>
+    <p:spTree>
+      <p:nvGrpSpPr>
+        <p:cNvPr id="1" name=""/>
+        <p:cNvGrpSpPr/>
+        <p:nvPr/>
+      </p:nvGrpSpPr>
+      <p:grpSpPr>
+        <a:xfrm>
+          <a:off x="0" y="0"/>
+          <a:ext cx="0" cy="0"/>
+          <a:chOff x="0" y="0"/>
+          <a:chExt cx="0" cy="0"/>
+        </a:xfrm>
+      </p:grpSpPr>
+      <p:pic>
+        <p:nvPicPr>
+          <p:cNvPr id="5" name="Content Placeholder 3"/>
           <p:cNvPicPr>
             <a:picLocks noGrp="1" noChangeAspect="1"/>
           </p:cNvPicPr>
@@ -7721,15 +7534,321 @@
         </p:blipFill>
         <p:spPr>
           <a:xfrm>
-            <a:off x="369217" y="2717663"/>
-            <a:ext cx="8947150" cy="3509655"/>
-          </a:xfrm>
+            <a:off x="2048824" y="3979572"/>
+            <a:ext cx="8822028" cy="2649158"/>
+          </a:xfrm>
+        </p:spPr>
+      </p:pic>
+      <p:pic>
+        <p:nvPicPr>
+          <p:cNvPr id="6" name="Picture 5"/>
+          <p:cNvPicPr>
+            <a:picLocks noChangeAspect="1"/>
+          </p:cNvPicPr>
+          <p:nvPr/>
+        </p:nvPicPr>
+        <p:blipFill>
+          <a:blip r:embed="rId3">
+            <a:extLst>
+              <a:ext uri="{28A0092B-C50C-407E-A947-70E740481C1C}">
+                <a14:useLocalDpi xmlns:a14="http://schemas.microsoft.com/office/drawing/2010/main" val="0"/>
+              </a:ext>
+            </a:extLst>
+          </a:blip>
+          <a:stretch>
+            <a:fillRect/>
+          </a:stretch>
+        </p:blipFill>
+        <p:spPr>
+          <a:xfrm>
+            <a:off x="2897488" y="926341"/>
+            <a:ext cx="7124700" cy="2952750"/>
+          </a:xfrm>
+          <a:prstGeom prst="rect">
+            <a:avLst/>
+          </a:prstGeom>
+        </p:spPr>
+      </p:pic>
+      <p:sp>
+        <p:nvSpPr>
+          <p:cNvPr id="7" name="TextBox 6"/>
+          <p:cNvSpPr txBox="1"/>
+          <p:nvPr/>
+        </p:nvSpPr>
+        <p:spPr>
+          <a:xfrm>
+            <a:off x="2897488" y="152670"/>
+            <a:ext cx="6452315" cy="707886"/>
+          </a:xfrm>
+          <a:prstGeom prst="rect">
+            <a:avLst/>
+          </a:prstGeom>
+          <a:noFill/>
+        </p:spPr>
+        <p:txBody>
+          <a:bodyPr wrap="square" rtlCol="0">
+            <a:spAutoFit/>
+          </a:bodyPr>
+          <a:lstStyle/>
+          <a:p>
+            <a:r>
+              <a:rPr lang="en-US" sz="4000" dirty="0" smtClean="0"/>
+              <a:t> Open Stack Architecture</a:t>
+            </a:r>
+            <a:endParaRPr lang="en-US" sz="4000" dirty="0"/>
+          </a:p>
+        </p:txBody>
+      </p:sp>
+    </p:spTree>
+    <p:extLst>
+      <p:ext uri="{BB962C8B-B14F-4D97-AF65-F5344CB8AC3E}">
+        <p14:creationId xmlns:p14="http://schemas.microsoft.com/office/powerpoint/2010/main" val="854360496"/>
+      </p:ext>
+    </p:extLst>
+  </p:cSld>
+  <p:clrMapOvr>
+    <a:masterClrMapping/>
+  </p:clrMapOvr>
+</p:sld>
+</file>
+
+<file path=ppt/slides/slide9.xml><?xml version="1.0" encoding="utf-8"?>
+<p:sld xmlns:a="http://schemas.openxmlformats.org/drawingml/2006/main" xmlns:r="http://schemas.openxmlformats.org/officeDocument/2006/relationships" xmlns:p="http://schemas.openxmlformats.org/presentationml/2006/main">
+  <p:cSld>
+    <p:spTree>
+      <p:nvGrpSpPr>
+        <p:cNvPr id="1" name=""/>
+        <p:cNvGrpSpPr/>
+        <p:nvPr/>
+      </p:nvGrpSpPr>
+      <p:grpSpPr>
+        <a:xfrm>
+          <a:off x="0" y="0"/>
+          <a:ext cx="0" cy="0"/>
+          <a:chOff x="0" y="0"/>
+          <a:chExt cx="0" cy="0"/>
+        </a:xfrm>
+      </p:grpSpPr>
+      <p:sp>
+        <p:nvSpPr>
+          <p:cNvPr id="2" name="Title 1"/>
+          <p:cNvSpPr>
+            <a:spLocks noGrp="1"/>
+          </p:cNvSpPr>
+          <p:nvPr>
+            <p:ph type="title"/>
+          </p:nvPr>
+        </p:nvSpPr>
+        <p:spPr/>
+        <p:txBody>
+          <a:bodyPr/>
+          <a:lstStyle/>
+          <a:p>
+            <a:r>
+              <a:rPr lang="en-US" dirty="0" smtClean="0"/>
+              <a:t>        </a:t>
+            </a:r>
+            <a:r>
+              <a:rPr lang="en-US" dirty="0" smtClean="0"/>
+              <a:t> Useful </a:t>
+            </a:r>
+            <a:r>
+              <a:rPr lang="en-US" dirty="0" smtClean="0"/>
+              <a:t>Links and References</a:t>
+            </a:r>
+            <a:endParaRPr lang="en-US" dirty="0"/>
+          </a:p>
+        </p:txBody>
+      </p:sp>
+      <p:sp>
+        <p:nvSpPr>
+          <p:cNvPr id="3" name="Content Placeholder 2"/>
+          <p:cNvSpPr>
+            <a:spLocks noGrp="1"/>
+          </p:cNvSpPr>
+          <p:nvPr>
+            <p:ph idx="1"/>
+          </p:nvPr>
+        </p:nvSpPr>
+        <p:spPr>
+          <a:xfrm>
+            <a:off x="141668" y="2052918"/>
+            <a:ext cx="11887200" cy="4195481"/>
+          </a:xfrm>
+        </p:spPr>
+        <p:txBody>
+          <a:bodyPr>
+            <a:normAutofit/>
+          </a:bodyPr>
+          <a:lstStyle/>
+          <a:p>
+            <a:pPr>
+              <a:buFont typeface="Wingdings" panose="05000000000000000000" pitchFamily="2" charset="2"/>
+              <a:buChar char="Ø"/>
+            </a:pPr>
+            <a:r>
+              <a:rPr lang="en-US" dirty="0" smtClean="0">
+                <a:hlinkClick r:id="rId2"/>
+              </a:rPr>
+              <a:t>https</a:t>
+            </a:r>
+            <a:r>
+              <a:rPr lang="en-US" dirty="0">
+                <a:hlinkClick r:id="rId2"/>
+              </a:rPr>
+              <a:t>://www.vagrantup.com/</a:t>
+            </a:r>
+            <a:r>
+              <a:rPr lang="en-US" dirty="0"/>
+              <a:t> - Vagrant Installation</a:t>
+            </a:r>
+          </a:p>
+          <a:p>
+            <a:pPr>
+              <a:lnSpc>
+                <a:spcPct val="100000"/>
+              </a:lnSpc>
+            </a:pPr>
+            <a:r>
+              <a:rPr lang="en-US" dirty="0">
+                <a:solidFill>
+                  <a:srgbClr val="FFFF00"/>
+                </a:solidFill>
+                <a:hlinkClick r:id="rId3"/>
+              </a:rPr>
+              <a:t>https://en.wikipedia.org/wiki/Vagrant_(software)</a:t>
+            </a:r>
+            <a:r>
+              <a:rPr lang="en-US" dirty="0">
+                <a:solidFill>
+                  <a:srgbClr val="FFFF00"/>
+                </a:solidFill>
+              </a:rPr>
+              <a:t> </a:t>
+            </a:r>
+            <a:r>
+              <a:rPr lang="en-US" dirty="0"/>
+              <a:t>– More </a:t>
+            </a:r>
+            <a:r>
+              <a:rPr lang="en-US" dirty="0" smtClean="0"/>
+              <a:t>Vagrant</a:t>
+            </a:r>
+          </a:p>
+          <a:p>
+            <a:r>
+              <a:rPr lang="en-US" dirty="0" smtClean="0">
+                <a:solidFill>
+                  <a:srgbClr val="FFFF00"/>
+                </a:solidFill>
+                <a:hlinkClick r:id="rId4"/>
+              </a:rPr>
+              <a:t>https</a:t>
+            </a:r>
+            <a:r>
+              <a:rPr lang="en-US" dirty="0">
+                <a:solidFill>
+                  <a:srgbClr val="FFFF00"/>
+                </a:solidFill>
+                <a:hlinkClick r:id="rId4"/>
+              </a:rPr>
+              <a:t>://docs.openstack.org/mitaka/install-guide-ubuntu</a:t>
+            </a:r>
+            <a:r>
+              <a:rPr lang="en-US" dirty="0" smtClean="0">
+                <a:solidFill>
+                  <a:srgbClr val="FFFF00"/>
+                </a:solidFill>
+                <a:hlinkClick r:id="rId4"/>
+              </a:rPr>
+              <a:t>/</a:t>
+            </a:r>
+            <a:r>
+              <a:rPr lang="en-US" dirty="0" smtClean="0">
+                <a:solidFill>
+                  <a:srgbClr val="FFFF00"/>
+                </a:solidFill>
+              </a:rPr>
+              <a:t> </a:t>
+            </a:r>
+            <a:r>
+              <a:rPr lang="en-US" dirty="0"/>
+              <a:t>Open stack </a:t>
+            </a:r>
+            <a:r>
+              <a:rPr lang="en-US" dirty="0" smtClean="0"/>
+              <a:t>Installation (Ubuntu)</a:t>
+            </a:r>
+          </a:p>
+          <a:p>
+            <a:endParaRPr lang="en-US" dirty="0"/>
+          </a:p>
+        </p:txBody>
+      </p:sp>
+      <p:pic>
+        <p:nvPicPr>
+          <p:cNvPr id="4" name="Picture 3"/>
+          <p:cNvPicPr>
+            <a:picLocks noChangeAspect="1"/>
+          </p:cNvPicPr>
+          <p:nvPr/>
+        </p:nvPicPr>
+        <p:blipFill>
+          <a:blip r:embed="rId5">
+            <a:extLst>
+              <a:ext uri="{28A0092B-C50C-407E-A947-70E740481C1C}">
+                <a14:useLocalDpi xmlns:a14="http://schemas.microsoft.com/office/drawing/2010/main" val="0"/>
+              </a:ext>
+            </a:extLst>
+          </a:blip>
+          <a:stretch>
+            <a:fillRect/>
+          </a:stretch>
+        </p:blipFill>
+        <p:spPr>
+          <a:xfrm>
+            <a:off x="141668" y="9617"/>
+            <a:ext cx="1843631" cy="1843631"/>
+          </a:xfrm>
+          <a:prstGeom prst="rect">
+            <a:avLst/>
+          </a:prstGeom>
+        </p:spPr>
+      </p:pic>
+      <p:pic>
+        <p:nvPicPr>
+          <p:cNvPr id="5" name="Picture 4"/>
+          <p:cNvPicPr>
+            <a:picLocks noChangeAspect="1"/>
+          </p:cNvPicPr>
+          <p:nvPr/>
+        </p:nvPicPr>
+        <p:blipFill>
+          <a:blip r:embed="rId6">
+            <a:extLst>
+              <a:ext uri="{28A0092B-C50C-407E-A947-70E740481C1C}">
+                <a14:useLocalDpi xmlns:a14="http://schemas.microsoft.com/office/drawing/2010/main" val="0"/>
+              </a:ext>
+            </a:extLst>
+          </a:blip>
+          <a:stretch>
+            <a:fillRect/>
+          </a:stretch>
+        </p:blipFill>
+        <p:spPr>
+          <a:xfrm>
+            <a:off x="8779869" y="-285622"/>
+            <a:ext cx="3937526" cy="2434107"/>
+          </a:xfrm>
+          <a:prstGeom prst="rect">
+            <a:avLst/>
+          </a:prstGeom>
         </p:spPr>
       </p:pic>
     </p:spTree>
     <p:extLst>
       <p:ext uri="{BB962C8B-B14F-4D97-AF65-F5344CB8AC3E}">
-        <p14:creationId xmlns:p14="http://schemas.microsoft.com/office/powerpoint/2010/main" val="890293785"/>
+        <p14:creationId xmlns:p14="http://schemas.microsoft.com/office/powerpoint/2010/main" val="2351841481"/>
       </p:ext>
     </p:extLst>
   </p:cSld>

--- a/ADS_Presentation.pptx
+++ b/ADS_Presentation.pptx
@@ -6136,28 +6136,23 @@
           <a:lstStyle/>
           <a:p>
             <a:r>
-              <a:rPr lang="en-US" sz="5400" dirty="0" smtClean="0"/>
+              <a:rPr lang="en-US" sz="5400" dirty="0"/>
               <a:t>             Introduction to </a:t>
             </a:r>
             <a:br>
-              <a:rPr lang="en-US" sz="5400" dirty="0" smtClean="0"/>
+              <a:rPr lang="en-US" sz="5400" dirty="0"/>
             </a:br>
             <a:r>
-              <a:rPr lang="en-US" sz="5400" dirty="0" smtClean="0"/>
+              <a:rPr lang="en-US" sz="5400" dirty="0"/>
               <a:t>		   Open Stack &amp; Vagrant   </a:t>
             </a:r>
             <a:br>
-              <a:rPr lang="en-US" sz="5400" dirty="0" smtClean="0"/>
+              <a:rPr lang="en-US" sz="5400" dirty="0"/>
             </a:br>
             <a:r>
               <a:rPr lang="en-US" sz="5400" dirty="0"/>
-              <a:t> </a:t>
-            </a:r>
-            <a:r>
-              <a:rPr lang="en-US" sz="5400" dirty="0" smtClean="0"/>
-              <a:t>              </a:t>
-            </a:r>
-            <a:endParaRPr lang="en-US" sz="5400" dirty="0"/>
+              <a:t>               </a:t>
+            </a:r>
           </a:p>
         </p:txBody>
       </p:sp>
@@ -6173,46 +6168,56 @@
         </p:nvSpPr>
         <p:spPr>
           <a:xfrm>
-            <a:off x="1154954" y="4777379"/>
-            <a:ext cx="10345879" cy="1378721"/>
+            <a:off x="7249334" y="3432943"/>
+            <a:ext cx="10345879" cy="2767778"/>
           </a:xfrm>
         </p:spPr>
         <p:txBody>
           <a:bodyPr>
-            <a:normAutofit fontScale="85000" lnSpcReduction="20000"/>
+            <a:normAutofit/>
           </a:bodyPr>
           <a:lstStyle/>
           <a:p>
-            <a:pPr algn="r"/>
-            <a:r>
-              <a:rPr lang="en-US" b="1" dirty="0" smtClean="0">
+            <a:r>
+              <a:rPr lang="en-US" b="1" cap="none" dirty="0">
                 <a:solidFill>
                   <a:srgbClr val="FFFF00"/>
                 </a:solidFill>
               </a:rPr>
-              <a:t>Compiled </a:t>
-            </a:r>
-            <a:r>
-              <a:rPr lang="en-US" b="1" dirty="0">
+              <a:t>Compiled By:</a:t>
+            </a:r>
+          </a:p>
+          <a:p>
+            <a:r>
+              <a:rPr lang="en-US" sz="1800" cap="none" dirty="0">
                 <a:solidFill>
                   <a:srgbClr val="FFFF00"/>
                 </a:solidFill>
               </a:rPr>
-              <a:t>By:</a:t>
-            </a:r>
-          </a:p>
-          <a:p>
-            <a:pPr algn="r"/>
-            <a:r>
-              <a:rPr lang="en-US" dirty="0" err="1" smtClean="0">
+              <a:t>Mohit Mittal</a:t>
+            </a:r>
+          </a:p>
+          <a:p>
+            <a:r>
+              <a:rPr lang="en-US" sz="1200" cap="none" dirty="0">
                 <a:solidFill>
                   <a:srgbClr val="FFFF00"/>
                 </a:solidFill>
               </a:rPr>
-              <a:t>Mohit</a:t>
-            </a:r>
-            <a:r>
-              <a:rPr lang="en-US" dirty="0" smtClean="0">
+              <a:t>Https://Www.Linkedin.Com/In/Mohit-mittal-552a66108/</a:t>
+            </a:r>
+          </a:p>
+          <a:p>
+            <a:r>
+              <a:rPr lang="en-US" sz="1800" cap="none" dirty="0" err="1">
+                <a:solidFill>
+                  <a:srgbClr val="FFFF00"/>
+                </a:solidFill>
+              </a:rPr>
+              <a:t>Sneha</a:t>
+            </a:r>
+            <a:r>
+              <a:rPr lang="en-US" sz="1800" cap="none" dirty="0">
                 <a:solidFill>
                   <a:srgbClr val="FFFF00"/>
                 </a:solidFill>
@@ -6220,115 +6225,60 @@
               <a:t> </a:t>
             </a:r>
             <a:r>
-              <a:rPr lang="en-US" dirty="0">
-                <a:solidFill>
-                  <a:srgbClr val="FFFF00"/>
-                </a:solidFill>
-              </a:rPr>
-              <a:t>Mittal,</a:t>
-            </a:r>
-          </a:p>
-          <a:p>
-            <a:pPr algn="r"/>
-            <a:r>
-              <a:rPr lang="en-US" dirty="0" err="1">
-                <a:solidFill>
-                  <a:srgbClr val="FFFF00"/>
-                </a:solidFill>
-              </a:rPr>
-              <a:t>Sneha</a:t>
-            </a:r>
-            <a:r>
-              <a:rPr lang="en-US" dirty="0">
-                <a:solidFill>
-                  <a:srgbClr val="FFFF00"/>
-                </a:solidFill>
-              </a:rPr>
-              <a:t> </a:t>
-            </a:r>
-            <a:r>
-              <a:rPr lang="en-US" dirty="0" err="1">
+              <a:rPr lang="en-US" sz="1800" cap="none" dirty="0" err="1">
                 <a:solidFill>
                   <a:srgbClr val="FFFF00"/>
                 </a:solidFill>
               </a:rPr>
               <a:t>Ravikumar</a:t>
             </a:r>
-            <a:r>
-              <a:rPr lang="en-US" dirty="0">
+            <a:endParaRPr lang="en-US" sz="1800" cap="none" dirty="0">
+              <a:solidFill>
+                <a:srgbClr val="FFFF00"/>
+              </a:solidFill>
+            </a:endParaRPr>
+          </a:p>
+          <a:p>
+            <a:r>
+              <a:rPr lang="en-US" sz="1200" cap="none" dirty="0">
                 <a:solidFill>
                   <a:srgbClr val="FFFF00"/>
                 </a:solidFill>
               </a:rPr>
-              <a:t>,</a:t>
-            </a:r>
-          </a:p>
-          <a:p>
-            <a:pPr algn="r"/>
-            <a:r>
-              <a:rPr lang="en-US" dirty="0">
+              <a:t>Https://Www.Linkedin.Com/In/Sneha-ravikumar-a8925b113/</a:t>
+            </a:r>
+          </a:p>
+          <a:p>
+            <a:r>
+              <a:rPr lang="en-US" sz="1800" cap="none" dirty="0">
                 <a:solidFill>
                   <a:srgbClr val="FFFF00"/>
                 </a:solidFill>
               </a:rPr>
-              <a:t>Taj Poovaiah</a:t>
-            </a:r>
-          </a:p>
-        </p:txBody>
-      </p:sp>
-      <p:sp>
-        <p:nvSpPr>
-          <p:cNvPr id="4" name="TextBox 3"/>
-          <p:cNvSpPr txBox="1"/>
-          <p:nvPr/>
-        </p:nvSpPr>
-        <p:spPr>
-          <a:xfrm>
-            <a:off x="888642" y="4571999"/>
-            <a:ext cx="4018208" cy="646331"/>
-          </a:xfrm>
-          <a:prstGeom prst="rect">
-            <a:avLst/>
-          </a:prstGeom>
-          <a:noFill/>
-        </p:spPr>
-        <p:txBody>
-          <a:bodyPr wrap="square" rtlCol="0">
-            <a:spAutoFit/>
-          </a:bodyPr>
-          <a:lstStyle/>
-          <a:p>
-            <a:r>
-              <a:rPr lang="en-US" dirty="0" smtClean="0">
+              <a:t>Taj </a:t>
+            </a:r>
+            <a:r>
+              <a:rPr lang="en-US" sz="1800" cap="none" dirty="0" err="1">
                 <a:solidFill>
                   <a:srgbClr val="FFFF00"/>
                 </a:solidFill>
               </a:rPr>
-              <a:t>Under the guidance </a:t>
-            </a:r>
-            <a:r>
-              <a:rPr lang="en-US" dirty="0">
+              <a:t>Poovaiah</a:t>
+            </a:r>
+            <a:endParaRPr lang="en-US" sz="1800" cap="none" dirty="0">
+              <a:solidFill>
+                <a:srgbClr val="FFFF00"/>
+              </a:solidFill>
+            </a:endParaRPr>
+          </a:p>
+          <a:p>
+            <a:r>
+              <a:rPr lang="en-US" sz="1200" cap="none" dirty="0">
                 <a:solidFill>
                   <a:srgbClr val="FFFF00"/>
                 </a:solidFill>
               </a:rPr>
-              <a:t>of </a:t>
-            </a:r>
-            <a:r>
-              <a:rPr lang="en-US" dirty="0" smtClean="0">
-                <a:solidFill>
-                  <a:srgbClr val="FFFF00"/>
-                </a:solidFill>
-              </a:rPr>
-              <a:t>Professor Sri </a:t>
-            </a:r>
-            <a:r>
-              <a:rPr lang="en-US" dirty="0">
-                <a:solidFill>
-                  <a:srgbClr val="FFFF00"/>
-                </a:solidFill>
-              </a:rPr>
-              <a:t>Krishnamurthy</a:t>
+              <a:t>Https://Www.Linkedin.Com/In/Taj-poovaiah-75ab2731/</a:t>
             </a:r>
           </a:p>
         </p:txBody>
@@ -6393,6 +6343,48 @@
           </a:prstGeom>
         </p:spPr>
       </p:pic>
+      <p:sp>
+        <p:nvSpPr>
+          <p:cNvPr id="6" name="Rectangle 5"/>
+          <p:cNvSpPr/>
+          <p:nvPr/>
+        </p:nvSpPr>
+        <p:spPr>
+          <a:xfrm>
+            <a:off x="231253" y="3388322"/>
+            <a:ext cx="6090033" cy="707886"/>
+          </a:xfrm>
+          <a:prstGeom prst="rect">
+            <a:avLst/>
+          </a:prstGeom>
+        </p:spPr>
+        <p:txBody>
+          <a:bodyPr wrap="square">
+            <a:spAutoFit/>
+          </a:bodyPr>
+          <a:lstStyle/>
+          <a:p>
+            <a:r>
+              <a:rPr lang="en-US" sz="2000" b="1" dirty="0">
+                <a:solidFill>
+                  <a:srgbClr val="FFFF00"/>
+                </a:solidFill>
+              </a:rPr>
+              <a:t>Under Guidance Of </a:t>
+            </a:r>
+          </a:p>
+          <a:p>
+            <a:r>
+              <a:rPr lang="en-US" sz="2000" b="1" dirty="0">
+                <a:solidFill>
+                  <a:srgbClr val="FFFF00"/>
+                </a:solidFill>
+              </a:rPr>
+              <a:t>Prof. Sri Krishnamurthy</a:t>
+            </a:r>
+          </a:p>
+        </p:txBody>
+      </p:sp>
     </p:spTree>
     <p:extLst>
       <p:ext uri="{BB962C8B-B14F-4D97-AF65-F5344CB8AC3E}">
@@ -6403,13 +6395,6 @@
   <p:clrMapOvr>
     <a:masterClrMapping/>
   </p:clrMapOvr>
-  <p:timing>
-    <p:tnLst>
-      <p:par>
-        <p:cTn id="1" dur="indefinite" restart="never" nodeType="tmRoot"/>
-      </p:par>
-    </p:tnLst>
-  </p:timing>
 </p:sld>
 </file>
 
@@ -6451,10 +6436,9 @@
           <a:lstStyle/>
           <a:p>
             <a:r>
-              <a:rPr lang="en-US" dirty="0" smtClean="0"/>
+              <a:rPr lang="en-US" dirty="0"/>
               <a:t>           OpenStack Summit</a:t>
             </a:r>
-            <a:endParaRPr lang="en-US" dirty="0"/>
           </a:p>
         </p:txBody>
       </p:sp>
@@ -6534,18 +6518,13 @@
           <a:lstStyle/>
           <a:p>
             <a:r>
-              <a:rPr lang="en-US" sz="4000" dirty="0" smtClean="0">
+              <a:rPr lang="en-US" sz="4000" dirty="0">
                 <a:solidFill>
                   <a:srgbClr val="FFFF00"/>
                 </a:solidFill>
               </a:rPr>
               <a:t>THANK YOU</a:t>
             </a:r>
-            <a:endParaRPr lang="en-US" sz="4000" dirty="0">
-              <a:solidFill>
-                <a:srgbClr val="FFFF00"/>
-              </a:solidFill>
-            </a:endParaRPr>
           </a:p>
         </p:txBody>
       </p:sp>
@@ -6600,18 +6579,13 @@
           <a:lstStyle/>
           <a:p>
             <a:r>
-              <a:rPr lang="en-US" dirty="0" smtClean="0">
+              <a:rPr lang="en-US" dirty="0">
                 <a:solidFill>
                   <a:srgbClr val="FFFF00"/>
                 </a:solidFill>
               </a:rPr>
               <a:t>Demo on Vagrant</a:t>
             </a:r>
-            <a:endParaRPr lang="en-US" dirty="0">
-              <a:solidFill>
-                <a:srgbClr val="FFFF00"/>
-              </a:solidFill>
-            </a:endParaRPr>
           </a:p>
         </p:txBody>
       </p:sp>
@@ -6625,13 +6599,6 @@
   <p:clrMapOvr>
     <a:masterClrMapping/>
   </p:clrMapOvr>
-  <p:timing>
-    <p:tnLst>
-      <p:par>
-        <p:cTn id="1" dur="indefinite" restart="never" nodeType="tmRoot"/>
-      </p:par>
-    </p:tnLst>
-  </p:timing>
 </p:sld>
 </file>
 
@@ -6721,28 +6688,12 @@
               <a:buNone/>
             </a:pPr>
             <a:r>
-              <a:rPr lang="en-US" sz="1600" b="1" dirty="0" smtClean="0">
-                <a:solidFill>
-                  <a:srgbClr val="FFFF00"/>
-                </a:solidFill>
-              </a:rPr>
-              <a:t>                Vagrant </a:t>
-            </a:r>
-            <a:r>
               <a:rPr lang="en-US" sz="1600" b="1" dirty="0">
                 <a:solidFill>
                   <a:srgbClr val="FFFF00"/>
                 </a:solidFill>
               </a:rPr>
-              <a:t>installation </a:t>
-            </a:r>
-            <a:r>
-              <a:rPr lang="en-US" sz="1600" b="1" dirty="0" smtClean="0">
-                <a:solidFill>
-                  <a:srgbClr val="FFFF00"/>
-                </a:solidFill>
-              </a:rPr>
-              <a:t>commands</a:t>
+              <a:t>                Vagrant installation commands</a:t>
             </a:r>
           </a:p>
           <a:p>
@@ -6755,10 +6706,25 @@
                   <a:srgbClr val="FFFF00"/>
                 </a:solidFill>
               </a:rPr>
-              <a:t> </a:t>
-            </a:r>
-            <a:r>
-              <a:rPr lang="en-US" sz="1600" b="1" dirty="0" smtClean="0">
+              <a:t>                 </a:t>
+            </a:r>
+            <a:r>
+              <a:rPr lang="en-US" sz="1600" dirty="0">
+                <a:hlinkClick r:id="rId2"/>
+              </a:rPr>
+              <a:t>https://www.vagrantup.com/</a:t>
+            </a:r>
+            <a:endParaRPr lang="en-US" sz="1600" dirty="0"/>
+          </a:p>
+          <a:p>
+            <a:pPr marL="0" indent="0">
+              <a:lnSpc>
+                <a:spcPct val="100000"/>
+              </a:lnSpc>
+              <a:buNone/>
+            </a:pPr>
+            <a:r>
+              <a:rPr lang="en-US" sz="1600" b="1" dirty="0">
                 <a:solidFill>
                   <a:srgbClr val="FFFF00"/>
                 </a:solidFill>
@@ -6766,29 +6732,6 @@
               <a:t>                </a:t>
             </a:r>
             <a:r>
-              <a:rPr lang="en-US" sz="1600" dirty="0">
-                <a:hlinkClick r:id="rId2"/>
-              </a:rPr>
-              <a:t>https://www.vagrantup.com/</a:t>
-            </a:r>
-            <a:endParaRPr lang="en-US" sz="1600" dirty="0"/>
-          </a:p>
-          <a:p>
-            <a:pPr marL="0" indent="0">
-              <a:lnSpc>
-                <a:spcPct val="100000"/>
-              </a:lnSpc>
-              <a:buNone/>
-            </a:pPr>
-            <a:r>
-              <a:rPr lang="en-US" sz="1600" b="1" dirty="0" smtClean="0">
-                <a:solidFill>
-                  <a:srgbClr val="FFFF00"/>
-                </a:solidFill>
-              </a:rPr>
-              <a:t>                </a:t>
-            </a:r>
-            <a:r>
               <a:rPr lang="en-US" sz="1600" b="1" dirty="0"/>
               <a:t>$ vagrant </a:t>
             </a:r>
@@ -6806,38 +6749,21 @@
               <a:buNone/>
             </a:pPr>
             <a:r>
-              <a:rPr lang="en-US" sz="1600" b="1" dirty="0" smtClean="0"/>
-              <a:t>                 </a:t>
-            </a:r>
-            <a:r>
               <a:rPr lang="en-US" sz="1600" b="1" dirty="0"/>
-              <a:t>$ vagrant up. Start virtual </a:t>
-            </a:r>
-            <a:r>
-              <a:rPr lang="en-US" sz="1600" b="1" dirty="0" smtClean="0"/>
-              <a:t>machine</a:t>
-            </a:r>
-            <a:endParaRPr lang="en-US" sz="1600" b="1" dirty="0"/>
+              <a:t>                 $ vagrant up. Start virtual machine</a:t>
+            </a:r>
           </a:p>
           <a:p>
             <a:pPr marL="0" indent="0">
               <a:buNone/>
             </a:pPr>
-            <a:r>
-              <a:rPr lang="en-US" sz="1600" b="1" dirty="0" smtClean="0">
-                <a:solidFill>
-                  <a:srgbClr val="FFFF00"/>
-                </a:solidFill>
-              </a:rPr>
-              <a:t>Difference </a:t>
-            </a:r>
             <a:r>
               <a:rPr lang="en-US" sz="1600" b="1" dirty="0">
                 <a:solidFill>
                   <a:srgbClr val="FFFF00"/>
                 </a:solidFill>
               </a:rPr>
-              <a:t>between Vagrant and VirtualBox</a:t>
+              <a:t>Difference between Vagrant and VirtualBox</a:t>
             </a:r>
           </a:p>
           <a:p>
@@ -7011,14 +6937,13 @@
           <a:lstStyle/>
           <a:p>
             <a:r>
-              <a:rPr lang="en-US" dirty="0" smtClean="0"/>
+              <a:rPr lang="en-US" dirty="0"/>
               <a:t>                      </a:t>
             </a:r>
             <a:r>
-              <a:rPr lang="en-US" sz="2400" b="1" dirty="0" smtClean="0"/>
+              <a:rPr lang="en-US" sz="2400" b="1" dirty="0"/>
               <a:t>Vagrant Architecture</a:t>
             </a:r>
-            <a:endParaRPr lang="en-US" sz="2400" b="1" dirty="0"/>
           </a:p>
         </p:txBody>
       </p:sp>
@@ -7153,10 +7078,9 @@
           <a:lstStyle/>
           <a:p>
             <a:r>
-              <a:rPr lang="en-US" sz="4000" dirty="0" smtClean="0"/>
+              <a:rPr lang="en-US" sz="4000" dirty="0"/>
               <a:t>Vagrant vs Docker</a:t>
             </a:r>
-            <a:endParaRPr lang="en-US" sz="4000" dirty="0"/>
           </a:p>
         </p:txBody>
       </p:sp>
@@ -7220,7 +7144,7 @@
               <a:t>Demo on </a:t>
             </a:r>
             <a:r>
-              <a:rPr lang="en-US" sz="4000" dirty="0" err="1" smtClean="0">
+              <a:rPr lang="en-US" sz="4000" dirty="0" err="1">
                 <a:solidFill>
                   <a:srgbClr val="FFFF00"/>
                 </a:solidFill>
@@ -7228,7 +7152,7 @@
               <a:t>TryStack</a:t>
             </a:r>
             <a:r>
-              <a:rPr lang="en-US" sz="4000" dirty="0" smtClean="0">
+              <a:rPr lang="en-US" sz="4000" dirty="0">
                 <a:solidFill>
                   <a:srgbClr val="FFFF00"/>
                 </a:solidFill>
@@ -7249,13 +7173,6 @@
   <p:clrMapOvr>
     <a:masterClrMapping/>
   </p:clrMapOvr>
-  <p:timing>
-    <p:tnLst>
-      <p:par>
-        <p:cTn id="1" dur="indefinite" restart="never" nodeType="tmRoot"/>
-      </p:par>
-    </p:tnLst>
-  </p:timing>
 </p:sld>
 </file>
 
@@ -7297,14 +7214,13 @@
           <a:lstStyle/>
           <a:p>
             <a:r>
-              <a:rPr lang="en-US" sz="5400" dirty="0" smtClean="0"/>
+              <a:rPr lang="en-US" sz="5400" dirty="0"/>
               <a:t>                </a:t>
             </a:r>
             <a:r>
-              <a:rPr lang="en-US" sz="4000" dirty="0" smtClean="0"/>
+              <a:rPr lang="en-US" sz="4000" dirty="0"/>
               <a:t>OpenStack</a:t>
             </a:r>
-            <a:endParaRPr lang="en-US" sz="4000" dirty="0"/>
           </a:p>
         </p:txBody>
       </p:sp>
@@ -7331,38 +7247,25 @@
           <a:lstStyle/>
           <a:p>
             <a:r>
-              <a:rPr lang="en-US" sz="1700" dirty="0" smtClean="0"/>
+              <a:rPr lang="en-US" sz="1700" dirty="0"/>
               <a:t>Open Source Cloud Computing Operating System</a:t>
             </a:r>
+          </a:p>
+          <a:p>
+            <a:r>
+              <a:rPr lang="en-US" sz="1700" dirty="0"/>
+              <a:t>Founded in July 2010 BY Rackspace and NASA</a:t>
+            </a:r>
+          </a:p>
+          <a:p>
             <a:endParaRPr lang="en-US" sz="1700" dirty="0"/>
           </a:p>
           <a:p>
-            <a:r>
-              <a:rPr lang="en-US" sz="1700" dirty="0" smtClean="0"/>
-              <a:t>Founded in July 2010 </a:t>
-            </a:r>
-            <a:r>
-              <a:rPr lang="en-US" sz="1700" dirty="0"/>
-              <a:t>BY </a:t>
-            </a:r>
-            <a:r>
-              <a:rPr lang="en-US" sz="1700" dirty="0" smtClean="0"/>
-              <a:t>Rackspace and </a:t>
-            </a:r>
-            <a:r>
-              <a:rPr lang="en-US" sz="1700" dirty="0" smtClean="0"/>
-              <a:t>NASA</a:t>
-            </a:r>
-          </a:p>
-          <a:p>
-            <a:endParaRPr lang="en-US" sz="1700" dirty="0" smtClean="0"/>
-          </a:p>
-          <a:p>
             <a:pPr marL="0" indent="0">
               <a:buNone/>
             </a:pPr>
             <a:r>
-              <a:rPr lang="en-US" sz="1700" b="1" dirty="0" smtClean="0">
+              <a:rPr lang="en-US" sz="1700" b="1" dirty="0">
                 <a:solidFill>
                   <a:srgbClr val="FFFF00"/>
                 </a:solidFill>
@@ -7375,7 +7278,7 @@
               <a:buNone/>
             </a:pPr>
             <a:r>
-              <a:rPr lang="en-US" sz="1700" dirty="0" smtClean="0"/>
+              <a:rPr lang="en-US" sz="1700" dirty="0"/>
               <a:t>To create and offer cloud computing services running on standardized hardware</a:t>
             </a:r>
             <a:endParaRPr lang="en-US" sz="1700" dirty="0">
@@ -7412,13 +7315,8 @@
           <a:p>
             <a:r>
               <a:rPr lang="en-US" sz="1700" dirty="0"/>
-              <a:t>Vendor Neutral </a:t>
-            </a:r>
-            <a:r>
-              <a:rPr lang="en-US" sz="1700" dirty="0" smtClean="0"/>
-              <a:t>API</a:t>
-            </a:r>
-            <a:endParaRPr lang="en-US" sz="1700" dirty="0"/>
+              <a:t>Vendor Neutral API</a:t>
+            </a:r>
           </a:p>
           <a:p>
             <a:pPr marL="0" indent="0">
@@ -7592,10 +7490,9 @@
           <a:lstStyle/>
           <a:p>
             <a:r>
-              <a:rPr lang="en-US" sz="4000" dirty="0" smtClean="0"/>
+              <a:rPr lang="en-US" sz="4000" dirty="0"/>
               <a:t> Open Stack Architecture</a:t>
             </a:r>
-            <a:endParaRPr lang="en-US" sz="4000" dirty="0"/>
           </a:p>
         </p:txBody>
       </p:sp>
@@ -7645,18 +7542,9 @@
           <a:lstStyle/>
           <a:p>
             <a:r>
-              <a:rPr lang="en-US" dirty="0" smtClean="0"/>
-              <a:t>        </a:t>
-            </a:r>
-            <a:r>
-              <a:rPr lang="en-US" dirty="0" smtClean="0"/>
-              <a:t> Useful </a:t>
-            </a:r>
-            <a:r>
-              <a:rPr lang="en-US" dirty="0" smtClean="0"/>
-              <a:t>Links and References</a:t>
-            </a:r>
-            <a:endParaRPr lang="en-US" dirty="0"/>
+              <a:rPr lang="en-US" dirty="0"/>
+              <a:t>         Useful Links and References</a:t>
+            </a:r>
           </a:p>
         </p:txBody>
       </p:sp>
@@ -7687,16 +7575,10 @@
               <a:buChar char="Ø"/>
             </a:pPr>
             <a:r>
-              <a:rPr lang="en-US" dirty="0" smtClean="0">
-                <a:hlinkClick r:id="rId2"/>
-              </a:rPr>
-              <a:t>https</a:t>
-            </a:r>
-            <a:r>
               <a:rPr lang="en-US" dirty="0">
                 <a:hlinkClick r:id="rId2"/>
               </a:rPr>
-              <a:t>://www.vagrantup.com/</a:t>
+              <a:t>https://www.vagrantup.com/</a:t>
             </a:r>
             <a:r>
               <a:rPr lang="en-US" dirty="0"/>
@@ -7728,23 +7610,10 @@
             </a:r>
             <a:r>
               <a:rPr lang="en-US" dirty="0"/>
-              <a:t>– More </a:t>
-            </a:r>
-            <a:r>
-              <a:rPr lang="en-US" dirty="0" smtClean="0"/>
-              <a:t>Vagrant</a:t>
-            </a:r>
-          </a:p>
-          <a:p>
-            <a:r>
-              <a:rPr lang="en-US" dirty="0" smtClean="0">
-                <a:solidFill>
-                  <a:srgbClr val="FFFF00"/>
-                </a:solidFill>
-                <a:hlinkClick r:id="rId4"/>
-              </a:rPr>
-              <a:t>https</a:t>
-            </a:r>
+              <a:t>– More Vagrant</a:t>
+            </a:r>
+          </a:p>
+          <a:p>
             <a:r>
               <a:rPr lang="en-US" dirty="0">
                 <a:solidFill>
@@ -7752,19 +7621,10 @@
                 </a:solidFill>
                 <a:hlinkClick r:id="rId4"/>
               </a:rPr>
-              <a:t>://docs.openstack.org/mitaka/install-guide-ubuntu</a:t>
-            </a:r>
-            <a:r>
-              <a:rPr lang="en-US" dirty="0" smtClean="0">
-                <a:solidFill>
-                  <a:srgbClr val="FFFF00"/>
-                </a:solidFill>
-                <a:hlinkClick r:id="rId4"/>
-              </a:rPr>
-              <a:t>/</a:t>
-            </a:r>
-            <a:r>
-              <a:rPr lang="en-US" dirty="0" smtClean="0">
+              <a:t>https://docs.openstack.org/mitaka/install-guide-ubuntu/</a:t>
+            </a:r>
+            <a:r>
+              <a:rPr lang="en-US" dirty="0">
                 <a:solidFill>
                   <a:srgbClr val="FFFF00"/>
                 </a:solidFill>
@@ -7773,15 +7633,74 @@
             </a:r>
             <a:r>
               <a:rPr lang="en-US" dirty="0"/>
-              <a:t>Open stack </a:t>
-            </a:r>
-            <a:r>
-              <a:rPr lang="en-US" dirty="0" smtClean="0"/>
-              <a:t>Installation (Ubuntu)</a:t>
-            </a:r>
-          </a:p>
-          <a:p>
-            <a:endParaRPr lang="en-US" dirty="0"/>
+              <a:t>OpenStack Installation (Ubuntu)</a:t>
+            </a:r>
+          </a:p>
+          <a:p>
+            <a:r>
+              <a:rPr lang="en-US" dirty="0">
+                <a:solidFill>
+                  <a:schemeClr val="bg2">
+                    <a:lumMod val="40000"/>
+                    <a:lumOff val="60000"/>
+                  </a:schemeClr>
+                </a:solidFill>
+                <a:hlinkClick r:id="rId5"/>
+              </a:rPr>
+              <a:t>http://trystack.org</a:t>
+            </a:r>
+            <a:r>
+              <a:rPr lang="en-US" dirty="0">
+                <a:solidFill>
+                  <a:schemeClr val="bg2">
+                    <a:lumMod val="40000"/>
+                    <a:lumOff val="60000"/>
+                  </a:schemeClr>
+                </a:solidFill>
+              </a:rPr>
+              <a:t> </a:t>
+            </a:r>
+          </a:p>
+          <a:p>
+            <a:r>
+              <a:rPr lang="en-US" dirty="0">
+                <a:solidFill>
+                  <a:schemeClr val="bg2">
+                    <a:lumMod val="40000"/>
+                    <a:lumOff val="60000"/>
+                  </a:schemeClr>
+                </a:solidFill>
+                <a:hlinkClick r:id="rId6"/>
+              </a:rPr>
+              <a:t>https://www.rdoproject.org/install/quickstart/</a:t>
+            </a:r>
+            <a:r>
+              <a:rPr lang="en-US" dirty="0">
+                <a:solidFill>
+                  <a:schemeClr val="bg2">
+                    <a:lumMod val="40000"/>
+                    <a:lumOff val="60000"/>
+                  </a:schemeClr>
+                </a:solidFill>
+              </a:rPr>
+              <a:t> </a:t>
+            </a:r>
+            <a:r>
+              <a:rPr lang="en-US" dirty="0" err="1"/>
+              <a:t>RedHat</a:t>
+            </a:r>
+            <a:r>
+              <a:rPr lang="en-US" dirty="0"/>
+              <a:t> OpenStack</a:t>
+            </a:r>
+            <a:endParaRPr lang="en-US" dirty="0">
+              <a:solidFill>
+                <a:schemeClr val="bg2">
+                  <a:lumMod val="40000"/>
+                  <a:lumOff val="60000"/>
+                </a:schemeClr>
+              </a:solidFill>
+            </a:endParaRPr>
           </a:p>
         </p:txBody>
       </p:sp>
@@ -7794,7 +7713,7 @@
           <p:nvPr/>
         </p:nvPicPr>
         <p:blipFill>
-          <a:blip r:embed="rId5">
+          <a:blip r:embed="rId7">
             <a:extLst>
               <a:ext uri="{28A0092B-C50C-407E-A947-70E740481C1C}">
                 <a14:useLocalDpi xmlns:a14="http://schemas.microsoft.com/office/drawing/2010/main" val="0"/>
@@ -7824,7 +7743,7 @@
           <p:nvPr/>
         </p:nvPicPr>
         <p:blipFill>
-          <a:blip r:embed="rId6">
+          <a:blip r:embed="rId8">
             <a:extLst>
               <a:ext uri="{28A0092B-C50C-407E-A947-70E740481C1C}">
                 <a14:useLocalDpi xmlns:a14="http://schemas.microsoft.com/office/drawing/2010/main" val="0"/>

--- a/ADS_Presentation.pptx
+++ b/ADS_Presentation.pptx
@@ -10,11 +10,11 @@
     <p:sldId id="257" r:id="rId4"/>
     <p:sldId id="271" r:id="rId5"/>
     <p:sldId id="259" r:id="rId6"/>
-    <p:sldId id="268" r:id="rId7"/>
-    <p:sldId id="260" r:id="rId8"/>
+    <p:sldId id="260" r:id="rId7"/>
+    <p:sldId id="272" r:id="rId8"/>
     <p:sldId id="270" r:id="rId9"/>
-    <p:sldId id="258" r:id="rId10"/>
-    <p:sldId id="265" r:id="rId11"/>
+    <p:sldId id="268" r:id="rId10"/>
+    <p:sldId id="258" r:id="rId11"/>
     <p:sldId id="269" r:id="rId12"/>
   </p:sldIdLst>
   <p:sldSz cx="12192000" cy="6858000"/>
@@ -6136,28 +6136,23 @@
           <a:lstStyle/>
           <a:p>
             <a:r>
-              <a:rPr lang="en-US" sz="5400" dirty="0" smtClean="0"/>
+              <a:rPr lang="en-US" sz="5400" dirty="0"/>
               <a:t>             Introduction to </a:t>
             </a:r>
             <a:br>
-              <a:rPr lang="en-US" sz="5400" dirty="0" smtClean="0"/>
+              <a:rPr lang="en-US" sz="5400" dirty="0"/>
             </a:br>
             <a:r>
-              <a:rPr lang="en-US" sz="5400" dirty="0" smtClean="0"/>
+              <a:rPr lang="en-US" sz="5400" dirty="0"/>
               <a:t>		   Open Stack &amp; Vagrant   </a:t>
             </a:r>
             <a:br>
-              <a:rPr lang="en-US" sz="5400" dirty="0" smtClean="0"/>
+              <a:rPr lang="en-US" sz="5400" dirty="0"/>
             </a:br>
             <a:r>
               <a:rPr lang="en-US" sz="5400" dirty="0"/>
-              <a:t> </a:t>
-            </a:r>
-            <a:r>
-              <a:rPr lang="en-US" sz="5400" dirty="0" smtClean="0"/>
-              <a:t>              </a:t>
-            </a:r>
-            <a:endParaRPr lang="en-US" sz="5400" dirty="0"/>
+              <a:t>               </a:t>
+            </a:r>
           </a:p>
         </p:txBody>
       </p:sp>
@@ -6173,46 +6168,56 @@
         </p:nvSpPr>
         <p:spPr>
           <a:xfrm>
-            <a:off x="1154954" y="4777379"/>
-            <a:ext cx="10345879" cy="1378721"/>
+            <a:off x="7249334" y="3432943"/>
+            <a:ext cx="10345879" cy="2767778"/>
           </a:xfrm>
         </p:spPr>
         <p:txBody>
           <a:bodyPr>
-            <a:normAutofit fontScale="85000" lnSpcReduction="20000"/>
+            <a:normAutofit/>
           </a:bodyPr>
           <a:lstStyle/>
           <a:p>
-            <a:pPr algn="r"/>
-            <a:r>
-              <a:rPr lang="en-US" b="1" dirty="0" smtClean="0">
+            <a:r>
+              <a:rPr lang="en-US" b="1" cap="none" dirty="0">
                 <a:solidFill>
                   <a:srgbClr val="FFFF00"/>
                 </a:solidFill>
               </a:rPr>
-              <a:t>Compiled </a:t>
-            </a:r>
-            <a:r>
-              <a:rPr lang="en-US" b="1" dirty="0">
+              <a:t>Compiled By:</a:t>
+            </a:r>
+          </a:p>
+          <a:p>
+            <a:r>
+              <a:rPr lang="en-US" sz="1800" cap="none" dirty="0">
                 <a:solidFill>
                   <a:srgbClr val="FFFF00"/>
                 </a:solidFill>
               </a:rPr>
-              <a:t>By:</a:t>
-            </a:r>
-          </a:p>
-          <a:p>
-            <a:pPr algn="r"/>
-            <a:r>
-              <a:rPr lang="en-US" dirty="0" err="1" smtClean="0">
+              <a:t>Mohit Mittal</a:t>
+            </a:r>
+          </a:p>
+          <a:p>
+            <a:r>
+              <a:rPr lang="en-US" sz="1200" cap="none" dirty="0">
                 <a:solidFill>
                   <a:srgbClr val="FFFF00"/>
                 </a:solidFill>
               </a:rPr>
-              <a:t>Mohit</a:t>
-            </a:r>
-            <a:r>
-              <a:rPr lang="en-US" dirty="0" smtClean="0">
+              <a:t>Https://Www.Linkedin.Com/In/Mohit-mittal-552a66108/</a:t>
+            </a:r>
+          </a:p>
+          <a:p>
+            <a:r>
+              <a:rPr lang="en-US" sz="1800" cap="none" dirty="0" err="1">
+                <a:solidFill>
+                  <a:srgbClr val="FFFF00"/>
+                </a:solidFill>
+              </a:rPr>
+              <a:t>Sneha</a:t>
+            </a:r>
+            <a:r>
+              <a:rPr lang="en-US" sz="1800" cap="none" dirty="0">
                 <a:solidFill>
                   <a:srgbClr val="FFFF00"/>
                 </a:solidFill>
@@ -6220,115 +6225,60 @@
               <a:t> </a:t>
             </a:r>
             <a:r>
-              <a:rPr lang="en-US" dirty="0">
-                <a:solidFill>
-                  <a:srgbClr val="FFFF00"/>
-                </a:solidFill>
-              </a:rPr>
-              <a:t>Mittal,</a:t>
-            </a:r>
-          </a:p>
-          <a:p>
-            <a:pPr algn="r"/>
-            <a:r>
-              <a:rPr lang="en-US" dirty="0" err="1">
-                <a:solidFill>
-                  <a:srgbClr val="FFFF00"/>
-                </a:solidFill>
-              </a:rPr>
-              <a:t>Sneha</a:t>
-            </a:r>
-            <a:r>
-              <a:rPr lang="en-US" dirty="0">
-                <a:solidFill>
-                  <a:srgbClr val="FFFF00"/>
-                </a:solidFill>
-              </a:rPr>
-              <a:t> </a:t>
-            </a:r>
-            <a:r>
-              <a:rPr lang="en-US" dirty="0" err="1">
+              <a:rPr lang="en-US" sz="1800" cap="none" dirty="0" err="1">
                 <a:solidFill>
                   <a:srgbClr val="FFFF00"/>
                 </a:solidFill>
               </a:rPr>
               <a:t>Ravikumar</a:t>
             </a:r>
-            <a:r>
-              <a:rPr lang="en-US" dirty="0">
+            <a:endParaRPr lang="en-US" sz="1800" cap="none" dirty="0">
+              <a:solidFill>
+                <a:srgbClr val="FFFF00"/>
+              </a:solidFill>
+            </a:endParaRPr>
+          </a:p>
+          <a:p>
+            <a:r>
+              <a:rPr lang="en-US" sz="1200" cap="none" dirty="0">
                 <a:solidFill>
                   <a:srgbClr val="FFFF00"/>
                 </a:solidFill>
               </a:rPr>
-              <a:t>,</a:t>
-            </a:r>
-          </a:p>
-          <a:p>
-            <a:pPr algn="r"/>
-            <a:r>
-              <a:rPr lang="en-US" dirty="0">
+              <a:t>Https://Www.Linkedin.Com/In/Sneha-ravikumar-a8925b113/</a:t>
+            </a:r>
+          </a:p>
+          <a:p>
+            <a:r>
+              <a:rPr lang="en-US" sz="1800" cap="none" dirty="0">
                 <a:solidFill>
                   <a:srgbClr val="FFFF00"/>
                 </a:solidFill>
               </a:rPr>
-              <a:t>Taj Poovaiah</a:t>
-            </a:r>
-          </a:p>
-        </p:txBody>
-      </p:sp>
-      <p:sp>
-        <p:nvSpPr>
-          <p:cNvPr id="4" name="TextBox 3"/>
-          <p:cNvSpPr txBox="1"/>
-          <p:nvPr/>
-        </p:nvSpPr>
-        <p:spPr>
-          <a:xfrm>
-            <a:off x="888642" y="4571999"/>
-            <a:ext cx="4018208" cy="646331"/>
-          </a:xfrm>
-          <a:prstGeom prst="rect">
-            <a:avLst/>
-          </a:prstGeom>
-          <a:noFill/>
-        </p:spPr>
-        <p:txBody>
-          <a:bodyPr wrap="square" rtlCol="0">
-            <a:spAutoFit/>
-          </a:bodyPr>
-          <a:lstStyle/>
-          <a:p>
-            <a:r>
-              <a:rPr lang="en-US" dirty="0" smtClean="0">
+              <a:t>Taj </a:t>
+            </a:r>
+            <a:r>
+              <a:rPr lang="en-US" sz="1800" cap="none" dirty="0" err="1">
                 <a:solidFill>
                   <a:srgbClr val="FFFF00"/>
                 </a:solidFill>
               </a:rPr>
-              <a:t>Under the guidance </a:t>
-            </a:r>
-            <a:r>
-              <a:rPr lang="en-US" dirty="0">
+              <a:t>Poovaiah</a:t>
+            </a:r>
+            <a:endParaRPr lang="en-US" sz="1800" cap="none" dirty="0">
+              <a:solidFill>
+                <a:srgbClr val="FFFF00"/>
+              </a:solidFill>
+            </a:endParaRPr>
+          </a:p>
+          <a:p>
+            <a:r>
+              <a:rPr lang="en-US" sz="1200" cap="none" dirty="0">
                 <a:solidFill>
                   <a:srgbClr val="FFFF00"/>
                 </a:solidFill>
               </a:rPr>
-              <a:t>of </a:t>
-            </a:r>
-            <a:r>
-              <a:rPr lang="en-US" dirty="0" smtClean="0">
-                <a:solidFill>
-                  <a:srgbClr val="FFFF00"/>
-                </a:solidFill>
-              </a:rPr>
-              <a:t>Professor Sri </a:t>
-            </a:r>
-            <a:r>
-              <a:rPr lang="en-US" dirty="0">
-                <a:solidFill>
-                  <a:srgbClr val="FFFF00"/>
-                </a:solidFill>
-              </a:rPr>
-              <a:t>Krishnamurthy</a:t>
+              <a:t>Https://Www.Linkedin.Com/In/Taj-poovaiah-75ab2731/</a:t>
             </a:r>
           </a:p>
         </p:txBody>
@@ -6355,7 +6305,7 @@
         </p:blipFill>
         <p:spPr>
           <a:xfrm>
-            <a:off x="231254" y="108600"/>
+            <a:off x="114732" y="143390"/>
             <a:ext cx="1847399" cy="1847399"/>
           </a:xfrm>
           <a:prstGeom prst="rect">
@@ -6363,9 +6313,51 @@
           </a:prstGeom>
         </p:spPr>
       </p:pic>
+      <p:sp>
+        <p:nvSpPr>
+          <p:cNvPr id="6" name="Rectangle 5"/>
+          <p:cNvSpPr/>
+          <p:nvPr/>
+        </p:nvSpPr>
+        <p:spPr>
+          <a:xfrm>
+            <a:off x="231253" y="3388322"/>
+            <a:ext cx="6090033" cy="707886"/>
+          </a:xfrm>
+          <a:prstGeom prst="rect">
+            <a:avLst/>
+          </a:prstGeom>
+        </p:spPr>
+        <p:txBody>
+          <a:bodyPr wrap="square">
+            <a:spAutoFit/>
+          </a:bodyPr>
+          <a:lstStyle/>
+          <a:p>
+            <a:r>
+              <a:rPr lang="en-US" sz="2000" b="1" dirty="0">
+                <a:solidFill>
+                  <a:srgbClr val="FFFF00"/>
+                </a:solidFill>
+              </a:rPr>
+              <a:t>Under Guidance Of </a:t>
+            </a:r>
+          </a:p>
+          <a:p>
+            <a:r>
+              <a:rPr lang="en-US" sz="2000" b="1" dirty="0">
+                <a:solidFill>
+                  <a:srgbClr val="FFFF00"/>
+                </a:solidFill>
+              </a:rPr>
+              <a:t>Prof. Sri Krishnamurthy</a:t>
+            </a:r>
+          </a:p>
+        </p:txBody>
+      </p:sp>
       <p:pic>
         <p:nvPicPr>
-          <p:cNvPr id="7" name="Picture 6"/>
+          <p:cNvPr id="4" name="Picture 3"/>
           <p:cNvPicPr>
             <a:picLocks noChangeAspect="1"/>
           </p:cNvPicPr>
@@ -6385,8 +6377,8 @@
         </p:blipFill>
         <p:spPr>
           <a:xfrm>
-            <a:off x="10019764" y="108600"/>
-            <a:ext cx="2023160" cy="2023160"/>
+            <a:off x="9949284" y="2019787"/>
+            <a:ext cx="1942901" cy="1987638"/>
           </a:xfrm>
           <a:prstGeom prst="rect">
             <a:avLst/>
@@ -6403,13 +6395,6 @@
   <p:clrMapOvr>
     <a:masterClrMapping/>
   </p:clrMapOvr>
-  <p:timing>
-    <p:tnLst>
-      <p:par>
-        <p:cTn id="1" dur="indefinite" restart="never" nodeType="tmRoot"/>
-      </p:par>
-    </p:tnLst>
-  </p:timing>
 </p:sld>
 </file>
 
@@ -6440,19 +6425,207 @@
             <p:ph type="title"/>
           </p:nvPr>
         </p:nvSpPr>
-        <p:spPr>
-          <a:xfrm>
-            <a:off x="1856725" y="478476"/>
-            <a:ext cx="9404723" cy="1400530"/>
-          </a:xfrm>
-        </p:spPr>
+        <p:spPr/>
         <p:txBody>
           <a:bodyPr/>
           <a:lstStyle/>
           <a:p>
             <a:r>
+              <a:rPr lang="en-US" dirty="0"/>
+              <a:t>         Useful Links and References</a:t>
+            </a:r>
+          </a:p>
+        </p:txBody>
+      </p:sp>
+      <p:sp>
+        <p:nvSpPr>
+          <p:cNvPr id="3" name="Content Placeholder 2"/>
+          <p:cNvSpPr>
+            <a:spLocks noGrp="1"/>
+          </p:cNvSpPr>
+          <p:nvPr>
+            <p:ph idx="1"/>
+          </p:nvPr>
+        </p:nvSpPr>
+        <p:spPr>
+          <a:xfrm>
+            <a:off x="141668" y="2052918"/>
+            <a:ext cx="11887200" cy="4195481"/>
+          </a:xfrm>
+        </p:spPr>
+        <p:txBody>
+          <a:bodyPr>
+            <a:normAutofit/>
+          </a:bodyPr>
+          <a:lstStyle/>
+          <a:p>
+            <a:pPr>
+              <a:buFont typeface="Wingdings" panose="05000000000000000000" pitchFamily="2" charset="2"/>
+              <a:buChar char="Ø"/>
+            </a:pPr>
+            <a:r>
+              <a:rPr lang="en-US" dirty="0">
+                <a:hlinkClick r:id="rId2"/>
+              </a:rPr>
+              <a:t>https://www.vagrantup.com/</a:t>
+            </a:r>
+            <a:r>
+              <a:rPr lang="en-US" dirty="0"/>
+              <a:t> - Vagrant Installation</a:t>
+            </a:r>
+          </a:p>
+          <a:p>
+            <a:pPr>
+              <a:lnSpc>
+                <a:spcPct val="100000"/>
+              </a:lnSpc>
+            </a:pPr>
+            <a:r>
+              <a:rPr lang="en-US" dirty="0">
+                <a:solidFill>
+                  <a:srgbClr val="FFFF00"/>
+                </a:solidFill>
+                <a:hlinkClick r:id="rId3"/>
+              </a:rPr>
+              <a:t>https://en.wikipedia.org/wiki/Vagrant_(software)</a:t>
+            </a:r>
+            <a:r>
+              <a:rPr lang="en-US" dirty="0">
+                <a:solidFill>
+                  <a:srgbClr val="FFFF00"/>
+                </a:solidFill>
+              </a:rPr>
+              <a:t> </a:t>
+            </a:r>
+            <a:r>
+              <a:rPr lang="en-US" dirty="0"/>
+              <a:t>– More Vagrant</a:t>
+            </a:r>
+          </a:p>
+          <a:p>
+            <a:r>
+              <a:rPr lang="en-US" dirty="0">
+                <a:solidFill>
+                  <a:srgbClr val="FFFF00"/>
+                </a:solidFill>
+                <a:hlinkClick r:id="rId4"/>
+              </a:rPr>
+              <a:t>https://docs.openstack.org/mitaka/install-guide-ubuntu/</a:t>
+            </a:r>
+            <a:r>
+              <a:rPr lang="en-US" dirty="0">
+                <a:solidFill>
+                  <a:srgbClr val="FFFF00"/>
+                </a:solidFill>
+              </a:rPr>
+              <a:t> </a:t>
+            </a:r>
+            <a:r>
+              <a:rPr lang="en-US" dirty="0"/>
+              <a:t>OpenStack Installation (Ubuntu)</a:t>
+            </a:r>
+          </a:p>
+          <a:p>
+            <a:r>
+              <a:rPr lang="en-US" dirty="0">
+                <a:solidFill>
+                  <a:schemeClr val="bg2">
+                    <a:lumMod val="40000"/>
+                    <a:lumOff val="60000"/>
+                  </a:schemeClr>
+                </a:solidFill>
+                <a:hlinkClick r:id="rId5"/>
+              </a:rPr>
+              <a:t>http://trystack.org</a:t>
+            </a:r>
+            <a:r>
+              <a:rPr lang="en-US" dirty="0">
+                <a:solidFill>
+                  <a:schemeClr val="bg2">
+                    <a:lumMod val="40000"/>
+                    <a:lumOff val="60000"/>
+                  </a:schemeClr>
+                </a:solidFill>
+              </a:rPr>
+              <a:t> </a:t>
+            </a:r>
+          </a:p>
+          <a:p>
+            <a:r>
+              <a:rPr lang="en-US" dirty="0">
+                <a:solidFill>
+                  <a:schemeClr val="bg2">
+                    <a:lumMod val="40000"/>
+                    <a:lumOff val="60000"/>
+                  </a:schemeClr>
+                </a:solidFill>
+                <a:hlinkClick r:id="rId6"/>
+              </a:rPr>
+              <a:t>https://www.rdoproject.org/install/quickstart/</a:t>
+            </a:r>
+            <a:r>
+              <a:rPr lang="en-US" dirty="0">
+                <a:solidFill>
+                  <a:schemeClr val="bg2">
+                    <a:lumMod val="40000"/>
+                    <a:lumOff val="60000"/>
+                  </a:schemeClr>
+                </a:solidFill>
+              </a:rPr>
+              <a:t> </a:t>
+            </a:r>
+            <a:r>
+              <a:rPr lang="en-US" dirty="0" err="1"/>
+              <a:t>RedHat</a:t>
+            </a:r>
+            <a:r>
+              <a:rPr lang="en-US" dirty="0"/>
+              <a:t> </a:t>
+            </a:r>
+            <a:r>
               <a:rPr lang="en-US" dirty="0" smtClean="0"/>
-              <a:t>           OpenStack Summit</a:t>
+              <a:t>OpenStack</a:t>
+            </a:r>
+          </a:p>
+          <a:p>
+            <a:r>
+              <a:rPr lang="en-US" dirty="0">
+                <a:solidFill>
+                  <a:schemeClr val="bg2">
+                    <a:lumMod val="40000"/>
+                    <a:lumOff val="60000"/>
+                  </a:schemeClr>
+                </a:solidFill>
+                <a:hlinkClick r:id="rId7"/>
+              </a:rPr>
+              <a:t>https://</a:t>
+            </a:r>
+            <a:r>
+              <a:rPr lang="en-US" dirty="0" smtClean="0">
+                <a:solidFill>
+                  <a:schemeClr val="bg2">
+                    <a:lumMod val="40000"/>
+                    <a:lumOff val="60000"/>
+                  </a:schemeClr>
+                </a:solidFill>
+                <a:hlinkClick r:id="rId7"/>
+              </a:rPr>
+              <a:t>en.wikipedia.org/wiki/OpenStack</a:t>
+            </a:r>
+            <a:r>
+              <a:rPr lang="en-US" dirty="0" smtClean="0">
+                <a:solidFill>
+                  <a:schemeClr val="bg2">
+                    <a:lumMod val="40000"/>
+                    <a:lumOff val="60000"/>
+                  </a:schemeClr>
+                </a:solidFill>
+              </a:rPr>
+              <a:t> </a:t>
+            </a:r>
+            <a:r>
+              <a:rPr lang="en-US" dirty="0" smtClean="0"/>
+              <a:t>More about OpenStack</a:t>
             </a:r>
             <a:endParaRPr lang="en-US" dirty="0"/>
           </a:p>
@@ -6460,31 +6633,68 @@
       </p:sp>
       <p:pic>
         <p:nvPicPr>
-          <p:cNvPr id="4" name="Content Placeholder 3"/>
+          <p:cNvPr id="4" name="Picture 3"/>
           <p:cNvPicPr>
-            <a:picLocks noGrp="1" noChangeAspect="1"/>
+            <a:picLocks noChangeAspect="1"/>
           </p:cNvPicPr>
-          <p:nvPr>
-            <p:ph idx="1"/>
-          </p:nvPr>
+          <p:nvPr/>
         </p:nvPicPr>
         <p:blipFill>
-          <a:blip r:embed="rId2"/>
+          <a:blip r:embed="rId8">
+            <a:extLst>
+              <a:ext uri="{28A0092B-C50C-407E-A947-70E740481C1C}">
+                <a14:useLocalDpi xmlns:a14="http://schemas.microsoft.com/office/drawing/2010/main" val="0"/>
+              </a:ext>
+            </a:extLst>
+          </a:blip>
           <a:stretch>
             <a:fillRect/>
           </a:stretch>
         </p:blipFill>
         <p:spPr>
           <a:xfrm>
-            <a:off x="1541194" y="2163872"/>
-            <a:ext cx="8947150" cy="3509655"/>
-          </a:xfrm>
+            <a:off x="141668" y="9617"/>
+            <a:ext cx="1843631" cy="1843631"/>
+          </a:xfrm>
+          <a:prstGeom prst="rect">
+            <a:avLst/>
+          </a:prstGeom>
+        </p:spPr>
+      </p:pic>
+      <p:pic>
+        <p:nvPicPr>
+          <p:cNvPr id="5" name="Picture 4"/>
+          <p:cNvPicPr>
+            <a:picLocks noChangeAspect="1"/>
+          </p:cNvPicPr>
+          <p:nvPr/>
+        </p:nvPicPr>
+        <p:blipFill>
+          <a:blip r:embed="rId9">
+            <a:extLst>
+              <a:ext uri="{28A0092B-C50C-407E-A947-70E740481C1C}">
+                <a14:useLocalDpi xmlns:a14="http://schemas.microsoft.com/office/drawing/2010/main" val="0"/>
+              </a:ext>
+            </a:extLst>
+          </a:blip>
+          <a:stretch>
+            <a:fillRect/>
+          </a:stretch>
+        </p:blipFill>
+        <p:spPr>
+          <a:xfrm>
+            <a:off x="8595785" y="-285622"/>
+            <a:ext cx="3937526" cy="2434107"/>
+          </a:xfrm>
+          <a:prstGeom prst="rect">
+            <a:avLst/>
+          </a:prstGeom>
         </p:spPr>
       </p:pic>
     </p:spTree>
     <p:extLst>
       <p:ext uri="{BB962C8B-B14F-4D97-AF65-F5344CB8AC3E}">
-        <p14:creationId xmlns:p14="http://schemas.microsoft.com/office/powerpoint/2010/main" val="890293785"/>
+        <p14:creationId xmlns:p14="http://schemas.microsoft.com/office/powerpoint/2010/main" val="2351841481"/>
       </p:ext>
     </p:extLst>
   </p:cSld>
@@ -6534,18 +6744,13 @@
           <a:lstStyle/>
           <a:p>
             <a:r>
-              <a:rPr lang="en-US" sz="4000" dirty="0" smtClean="0">
+              <a:rPr lang="en-US" sz="4000" dirty="0">
                 <a:solidFill>
                   <a:srgbClr val="FFFF00"/>
                 </a:solidFill>
               </a:rPr>
               <a:t>THANK YOU</a:t>
             </a:r>
-            <a:endParaRPr lang="en-US" sz="4000" dirty="0">
-              <a:solidFill>
-                <a:srgbClr val="FFFF00"/>
-              </a:solidFill>
-            </a:endParaRPr>
           </a:p>
         </p:txBody>
       </p:sp>
@@ -6591,7 +6796,7 @@
         </p:nvSpPr>
         <p:spPr>
           <a:xfrm>
-            <a:off x="3534253" y="2639025"/>
+            <a:off x="3328191" y="1582958"/>
             <a:ext cx="6601422" cy="1400530"/>
           </a:xfrm>
         </p:spPr>
@@ -6600,21 +6805,46 @@
           <a:lstStyle/>
           <a:p>
             <a:r>
-              <a:rPr lang="en-US" dirty="0" smtClean="0">
+              <a:rPr lang="en-US" dirty="0">
                 <a:solidFill>
                   <a:srgbClr val="FFFF00"/>
                 </a:solidFill>
               </a:rPr>
               <a:t>Demo on Vagrant</a:t>
             </a:r>
-            <a:endParaRPr lang="en-US" dirty="0">
-              <a:solidFill>
-                <a:srgbClr val="FFFF00"/>
-              </a:solidFill>
-            </a:endParaRPr>
-          </a:p>
-        </p:txBody>
-      </p:sp>
+          </a:p>
+        </p:txBody>
+      </p:sp>
+      <p:pic>
+        <p:nvPicPr>
+          <p:cNvPr id="3" name="Picture 2"/>
+          <p:cNvPicPr>
+            <a:picLocks noChangeAspect="1"/>
+          </p:cNvPicPr>
+          <p:nvPr/>
+        </p:nvPicPr>
+        <p:blipFill>
+          <a:blip r:embed="rId2">
+            <a:extLst>
+              <a:ext uri="{28A0092B-C50C-407E-A947-70E740481C1C}">
+                <a14:useLocalDpi xmlns:a14="http://schemas.microsoft.com/office/drawing/2010/main" val="0"/>
+              </a:ext>
+            </a:extLst>
+          </a:blip>
+          <a:stretch>
+            <a:fillRect/>
+          </a:stretch>
+        </p:blipFill>
+        <p:spPr>
+          <a:xfrm>
+            <a:off x="4455017" y="2759740"/>
+            <a:ext cx="2895600" cy="2962275"/>
+          </a:xfrm>
+          <a:prstGeom prst="rect">
+            <a:avLst/>
+          </a:prstGeom>
+        </p:spPr>
+      </p:pic>
     </p:spTree>
     <p:extLst>
       <p:ext uri="{BB962C8B-B14F-4D97-AF65-F5344CB8AC3E}">
@@ -6625,13 +6855,6 @@
   <p:clrMapOvr>
     <a:masterClrMapping/>
   </p:clrMapOvr>
-  <p:timing>
-    <p:tnLst>
-      <p:par>
-        <p:cTn id="1" dur="indefinite" restart="never" nodeType="tmRoot"/>
-      </p:par>
-    </p:tnLst>
-  </p:timing>
 </p:sld>
 </file>
 
@@ -6721,28 +6944,12 @@
               <a:buNone/>
             </a:pPr>
             <a:r>
-              <a:rPr lang="en-US" sz="1600" b="1" dirty="0" smtClean="0">
-                <a:solidFill>
-                  <a:srgbClr val="FFFF00"/>
-                </a:solidFill>
-              </a:rPr>
-              <a:t>                Vagrant </a:t>
-            </a:r>
-            <a:r>
               <a:rPr lang="en-US" sz="1600" b="1" dirty="0">
                 <a:solidFill>
                   <a:srgbClr val="FFFF00"/>
                 </a:solidFill>
               </a:rPr>
-              <a:t>installation </a:t>
-            </a:r>
-            <a:r>
-              <a:rPr lang="en-US" sz="1600" b="1" dirty="0" smtClean="0">
-                <a:solidFill>
-                  <a:srgbClr val="FFFF00"/>
-                </a:solidFill>
-              </a:rPr>
-              <a:t>commands</a:t>
+              <a:t>                Vagrant installation commands</a:t>
             </a:r>
           </a:p>
           <a:p>
@@ -6755,10 +6962,25 @@
                   <a:srgbClr val="FFFF00"/>
                 </a:solidFill>
               </a:rPr>
-              <a:t> </a:t>
-            </a:r>
-            <a:r>
-              <a:rPr lang="en-US" sz="1600" b="1" dirty="0" smtClean="0">
+              <a:t>                 </a:t>
+            </a:r>
+            <a:r>
+              <a:rPr lang="en-US" sz="1600" dirty="0">
+                <a:hlinkClick r:id="rId2"/>
+              </a:rPr>
+              <a:t>https://www.vagrantup.com/</a:t>
+            </a:r>
+            <a:endParaRPr lang="en-US" sz="1600" dirty="0"/>
+          </a:p>
+          <a:p>
+            <a:pPr marL="0" indent="0">
+              <a:lnSpc>
+                <a:spcPct val="100000"/>
+              </a:lnSpc>
+              <a:buNone/>
+            </a:pPr>
+            <a:r>
+              <a:rPr lang="en-US" sz="1600" b="1" dirty="0">
                 <a:solidFill>
                   <a:srgbClr val="FFFF00"/>
                 </a:solidFill>
@@ -6766,29 +6988,6 @@
               <a:t>                </a:t>
             </a:r>
             <a:r>
-              <a:rPr lang="en-US" sz="1600" dirty="0">
-                <a:hlinkClick r:id="rId2"/>
-              </a:rPr>
-              <a:t>https://www.vagrantup.com/</a:t>
-            </a:r>
-            <a:endParaRPr lang="en-US" sz="1600" dirty="0"/>
-          </a:p>
-          <a:p>
-            <a:pPr marL="0" indent="0">
-              <a:lnSpc>
-                <a:spcPct val="100000"/>
-              </a:lnSpc>
-              <a:buNone/>
-            </a:pPr>
-            <a:r>
-              <a:rPr lang="en-US" sz="1600" b="1" dirty="0" smtClean="0">
-                <a:solidFill>
-                  <a:srgbClr val="FFFF00"/>
-                </a:solidFill>
-              </a:rPr>
-              <a:t>                </a:t>
-            </a:r>
-            <a:r>
               <a:rPr lang="en-US" sz="1600" b="1" dirty="0"/>
               <a:t>$ vagrant </a:t>
             </a:r>
@@ -6806,38 +7005,21 @@
               <a:buNone/>
             </a:pPr>
             <a:r>
-              <a:rPr lang="en-US" sz="1600" b="1" dirty="0" smtClean="0"/>
-              <a:t>                 </a:t>
-            </a:r>
-            <a:r>
               <a:rPr lang="en-US" sz="1600" b="1" dirty="0"/>
-              <a:t>$ vagrant up. Start virtual </a:t>
-            </a:r>
-            <a:r>
-              <a:rPr lang="en-US" sz="1600" b="1" dirty="0" smtClean="0"/>
-              <a:t>machine</a:t>
-            </a:r>
-            <a:endParaRPr lang="en-US" sz="1600" b="1" dirty="0"/>
+              <a:t>                 $ vagrant up. Start virtual machine</a:t>
+            </a:r>
           </a:p>
           <a:p>
             <a:pPr marL="0" indent="0">
               <a:buNone/>
             </a:pPr>
-            <a:r>
-              <a:rPr lang="en-US" sz="1600" b="1" dirty="0" smtClean="0">
-                <a:solidFill>
-                  <a:srgbClr val="FFFF00"/>
-                </a:solidFill>
-              </a:rPr>
-              <a:t>Difference </a:t>
-            </a:r>
             <a:r>
               <a:rPr lang="en-US" sz="1600" b="1" dirty="0">
                 <a:solidFill>
                   <a:srgbClr val="FFFF00"/>
                 </a:solidFill>
               </a:rPr>
-              <a:t>between Vagrant and VirtualBox</a:t>
+              <a:t>Difference between Vagrant and VirtualBox</a:t>
             </a:r>
           </a:p>
           <a:p>
@@ -6942,6 +7124,428 @@
 </file>
 
 <file path=ppt/slides/slide4.xml><?xml version="1.0" encoding="utf-8"?>
+<p:sld xmlns:a="http://schemas.openxmlformats.org/drawingml/2006/main" xmlns:r="http://schemas.openxmlformats.org/officeDocument/2006/relationships" xmlns:p="http://schemas.openxmlformats.org/presentationml/2006/main">
+  <p:cSld>
+    <p:spTree>
+      <p:nvGrpSpPr>
+        <p:cNvPr id="1" name=""/>
+        <p:cNvGrpSpPr/>
+        <p:nvPr/>
+      </p:nvGrpSpPr>
+      <p:grpSpPr>
+        <a:xfrm>
+          <a:off x="0" y="0"/>
+          <a:ext cx="0" cy="0"/>
+          <a:chOff x="0" y="0"/>
+          <a:chExt cx="0" cy="0"/>
+        </a:xfrm>
+      </p:grpSpPr>
+      <p:sp>
+        <p:nvSpPr>
+          <p:cNvPr id="6" name="TextBox 5"/>
+          <p:cNvSpPr txBox="1"/>
+          <p:nvPr/>
+        </p:nvSpPr>
+        <p:spPr>
+          <a:xfrm>
+            <a:off x="1674255" y="170389"/>
+            <a:ext cx="7792800" cy="707886"/>
+          </a:xfrm>
+          <a:prstGeom prst="rect">
+            <a:avLst/>
+          </a:prstGeom>
+          <a:noFill/>
+        </p:spPr>
+        <p:txBody>
+          <a:bodyPr wrap="square" rtlCol="0">
+            <a:spAutoFit/>
+          </a:bodyPr>
+          <a:lstStyle/>
+          <a:p>
+            <a:r>
+              <a:rPr lang="en-US" dirty="0"/>
+              <a:t>                      </a:t>
+            </a:r>
+            <a:r>
+              <a:rPr lang="en-US" sz="4000" dirty="0" smtClean="0"/>
+              <a:t>Vagrant Architecture</a:t>
+            </a:r>
+            <a:endParaRPr lang="en-US" sz="4000" dirty="0"/>
+          </a:p>
+        </p:txBody>
+      </p:sp>
+      <p:pic>
+        <p:nvPicPr>
+          <p:cNvPr id="7" name="Picture 6"/>
+          <p:cNvPicPr>
+            <a:picLocks noChangeAspect="1"/>
+          </p:cNvPicPr>
+          <p:nvPr/>
+        </p:nvPicPr>
+        <p:blipFill>
+          <a:blip r:embed="rId2">
+            <a:extLst>
+              <a:ext uri="{28A0092B-C50C-407E-A947-70E740481C1C}">
+                <a14:useLocalDpi xmlns:a14="http://schemas.microsoft.com/office/drawing/2010/main" val="0"/>
+              </a:ext>
+            </a:extLst>
+          </a:blip>
+          <a:stretch>
+            <a:fillRect/>
+          </a:stretch>
+        </p:blipFill>
+        <p:spPr>
+          <a:xfrm>
+            <a:off x="643945" y="1301755"/>
+            <a:ext cx="10650826" cy="5240712"/>
+          </a:xfrm>
+          <a:prstGeom prst="rect">
+            <a:avLst/>
+          </a:prstGeom>
+        </p:spPr>
+      </p:pic>
+    </p:spTree>
+    <p:extLst>
+      <p:ext uri="{BB962C8B-B14F-4D97-AF65-F5344CB8AC3E}">
+        <p14:creationId xmlns:p14="http://schemas.microsoft.com/office/powerpoint/2010/main" val="1633843808"/>
+      </p:ext>
+    </p:extLst>
+  </p:cSld>
+  <p:clrMapOvr>
+    <a:masterClrMapping/>
+  </p:clrMapOvr>
+</p:sld>
+</file>
+
+<file path=ppt/slides/slide5.xml><?xml version="1.0" encoding="utf-8"?>
+<p:sld xmlns:a="http://schemas.openxmlformats.org/drawingml/2006/main" xmlns:r="http://schemas.openxmlformats.org/officeDocument/2006/relationships" xmlns:p="http://schemas.openxmlformats.org/presentationml/2006/main">
+  <p:cSld>
+    <p:spTree>
+      <p:nvGrpSpPr>
+        <p:cNvPr id="1" name=""/>
+        <p:cNvGrpSpPr/>
+        <p:nvPr/>
+      </p:nvGrpSpPr>
+      <p:grpSpPr>
+        <a:xfrm>
+          <a:off x="0" y="0"/>
+          <a:ext cx="0" cy="0"/>
+          <a:chOff x="0" y="0"/>
+          <a:chExt cx="0" cy="0"/>
+        </a:xfrm>
+      </p:grpSpPr>
+      <p:sp>
+        <p:nvSpPr>
+          <p:cNvPr id="3" name="Content Placeholder 2"/>
+          <p:cNvSpPr>
+            <a:spLocks noGrp="1"/>
+          </p:cNvSpPr>
+          <p:nvPr>
+            <p:ph idx="1"/>
+          </p:nvPr>
+        </p:nvSpPr>
+        <p:spPr/>
+        <p:txBody>
+          <a:bodyPr/>
+          <a:lstStyle/>
+          <a:p>
+            <a:endParaRPr lang="en-US"/>
+          </a:p>
+        </p:txBody>
+      </p:sp>
+      <p:pic>
+        <p:nvPicPr>
+          <p:cNvPr id="4" name="Picture 3"/>
+          <p:cNvPicPr>
+            <a:picLocks noChangeAspect="1"/>
+          </p:cNvPicPr>
+          <p:nvPr/>
+        </p:nvPicPr>
+        <p:blipFill>
+          <a:blip r:embed="rId2">
+            <a:extLst>
+              <a:ext uri="{28A0092B-C50C-407E-A947-70E740481C1C}">
+                <a14:useLocalDpi xmlns:a14="http://schemas.microsoft.com/office/drawing/2010/main" val="0"/>
+              </a:ext>
+            </a:extLst>
+          </a:blip>
+          <a:stretch>
+            <a:fillRect/>
+          </a:stretch>
+        </p:blipFill>
+        <p:spPr>
+          <a:xfrm>
+            <a:off x="566672" y="1242812"/>
+            <a:ext cx="10998556" cy="5486400"/>
+          </a:xfrm>
+          <a:prstGeom prst="rect">
+            <a:avLst/>
+          </a:prstGeom>
+        </p:spPr>
+      </p:pic>
+      <p:sp>
+        <p:nvSpPr>
+          <p:cNvPr id="2" name="Rectangle 1"/>
+          <p:cNvSpPr/>
+          <p:nvPr/>
+        </p:nvSpPr>
+        <p:spPr>
+          <a:xfrm>
+            <a:off x="3805145" y="323055"/>
+            <a:ext cx="4794902" cy="707886"/>
+          </a:xfrm>
+          <a:prstGeom prst="rect">
+            <a:avLst/>
+          </a:prstGeom>
+        </p:spPr>
+        <p:txBody>
+          <a:bodyPr wrap="none">
+            <a:spAutoFit/>
+          </a:bodyPr>
+          <a:lstStyle/>
+          <a:p>
+            <a:r>
+              <a:rPr lang="en-US" sz="4000" dirty="0"/>
+              <a:t>Vagrant vs Docker</a:t>
+            </a:r>
+          </a:p>
+        </p:txBody>
+      </p:sp>
+    </p:spTree>
+    <p:extLst>
+      <p:ext uri="{BB962C8B-B14F-4D97-AF65-F5344CB8AC3E}">
+        <p14:creationId xmlns:p14="http://schemas.microsoft.com/office/powerpoint/2010/main" val="3266109511"/>
+      </p:ext>
+    </p:extLst>
+  </p:cSld>
+  <p:clrMapOvr>
+    <a:masterClrMapping/>
+  </p:clrMapOvr>
+</p:sld>
+</file>
+
+<file path=ppt/slides/slide6.xml><?xml version="1.0" encoding="utf-8"?>
+<p:sld xmlns:a="http://schemas.openxmlformats.org/drawingml/2006/main" xmlns:r="http://schemas.openxmlformats.org/officeDocument/2006/relationships" xmlns:p="http://schemas.openxmlformats.org/presentationml/2006/main">
+  <p:cSld>
+    <p:spTree>
+      <p:nvGrpSpPr>
+        <p:cNvPr id="1" name=""/>
+        <p:cNvGrpSpPr/>
+        <p:nvPr/>
+      </p:nvGrpSpPr>
+      <p:grpSpPr>
+        <a:xfrm>
+          <a:off x="0" y="0"/>
+          <a:ext cx="0" cy="0"/>
+          <a:chOff x="0" y="0"/>
+          <a:chExt cx="0" cy="0"/>
+        </a:xfrm>
+      </p:grpSpPr>
+      <p:sp>
+        <p:nvSpPr>
+          <p:cNvPr id="2" name="Title 1"/>
+          <p:cNvSpPr>
+            <a:spLocks noGrp="1"/>
+          </p:cNvSpPr>
+          <p:nvPr>
+            <p:ph type="title"/>
+          </p:nvPr>
+        </p:nvSpPr>
+        <p:spPr>
+          <a:xfrm>
+            <a:off x="805137" y="505727"/>
+            <a:ext cx="9404723" cy="1400530"/>
+          </a:xfrm>
+        </p:spPr>
+        <p:txBody>
+          <a:bodyPr/>
+          <a:lstStyle/>
+          <a:p>
+            <a:r>
+              <a:rPr lang="en-US" sz="5400" dirty="0"/>
+              <a:t>                </a:t>
+            </a:r>
+            <a:r>
+              <a:rPr lang="en-US" sz="4000" dirty="0"/>
+              <a:t>OpenStack</a:t>
+            </a:r>
+          </a:p>
+        </p:txBody>
+      </p:sp>
+      <p:sp>
+        <p:nvSpPr>
+          <p:cNvPr id="3" name="Content Placeholder 2"/>
+          <p:cNvSpPr>
+            <a:spLocks noGrp="1"/>
+          </p:cNvSpPr>
+          <p:nvPr>
+            <p:ph idx="1"/>
+          </p:nvPr>
+        </p:nvSpPr>
+        <p:spPr>
+          <a:xfrm>
+            <a:off x="515155" y="1700012"/>
+            <a:ext cx="10161431" cy="4561640"/>
+          </a:xfrm>
+        </p:spPr>
+        <p:txBody>
+          <a:bodyPr>
+            <a:normAutofit lnSpcReduction="10000"/>
+          </a:bodyPr>
+          <a:lstStyle/>
+          <a:p>
+            <a:r>
+              <a:rPr lang="en-US" sz="1700" dirty="0"/>
+              <a:t>Open Source Cloud Computing Operating System</a:t>
+            </a:r>
+          </a:p>
+          <a:p>
+            <a:r>
+              <a:rPr lang="en-US" sz="1700" dirty="0"/>
+              <a:t>Founded in July 2010 BY Rackspace and NASA</a:t>
+            </a:r>
+          </a:p>
+          <a:p>
+            <a:endParaRPr lang="en-US" sz="1700" dirty="0"/>
+          </a:p>
+          <a:p>
+            <a:pPr marL="0" indent="0">
+              <a:buNone/>
+            </a:pPr>
+            <a:r>
+              <a:rPr lang="en-US" sz="1700" b="1" dirty="0">
+                <a:solidFill>
+                  <a:srgbClr val="FFFF00"/>
+                </a:solidFill>
+              </a:rPr>
+              <a:t>Why OpenStack?</a:t>
+            </a:r>
+          </a:p>
+          <a:p>
+            <a:pPr marL="0" indent="0">
+              <a:buNone/>
+            </a:pPr>
+            <a:r>
+              <a:rPr lang="en-US" sz="1700" dirty="0"/>
+              <a:t>To create and offer cloud computing services running on standardized hardware</a:t>
+            </a:r>
+            <a:endParaRPr lang="en-US" sz="1700" dirty="0">
+              <a:solidFill>
+                <a:srgbClr val="FFFF00"/>
+              </a:solidFill>
+            </a:endParaRPr>
+          </a:p>
+          <a:p>
+            <a:pPr marL="0" indent="0">
+              <a:buNone/>
+            </a:pPr>
+            <a:r>
+              <a:rPr lang="en-US" sz="1700" b="1" dirty="0">
+                <a:solidFill>
+                  <a:srgbClr val="FFFF00"/>
+                </a:solidFill>
+              </a:rPr>
+              <a:t>Pros</a:t>
+            </a:r>
+          </a:p>
+          <a:p>
+            <a:r>
+              <a:rPr lang="en-US" sz="1700" dirty="0"/>
+              <a:t>Data Sovereignty :Data is on premise</a:t>
+            </a:r>
+          </a:p>
+          <a:p>
+            <a:r>
+              <a:rPr lang="en-US" sz="1700" dirty="0"/>
+              <a:t>Private cloud</a:t>
+            </a:r>
+          </a:p>
+          <a:p>
+            <a:r>
+              <a:rPr lang="en-US" sz="1700" dirty="0"/>
+              <a:t>Vendor Neutral API</a:t>
+            </a:r>
+          </a:p>
+          <a:p>
+            <a:pPr marL="0" indent="0">
+              <a:buNone/>
+            </a:pPr>
+            <a:r>
+              <a:rPr lang="en-US" sz="1700" b="1" dirty="0">
+                <a:solidFill>
+                  <a:srgbClr val="FFFF00"/>
+                </a:solidFill>
+              </a:rPr>
+              <a:t>Cons</a:t>
+            </a:r>
+          </a:p>
+          <a:p>
+            <a:r>
+              <a:rPr lang="en-US" sz="1700" dirty="0"/>
+              <a:t>Stability</a:t>
+            </a:r>
+          </a:p>
+          <a:p>
+            <a:r>
+              <a:rPr lang="en-US" sz="1700" dirty="0"/>
+              <a:t>Expertise</a:t>
+            </a:r>
+          </a:p>
+          <a:p>
+            <a:endParaRPr lang="en-US" sz="2400" dirty="0"/>
+          </a:p>
+          <a:p>
+            <a:endParaRPr lang="en-US" sz="2400" dirty="0"/>
+          </a:p>
+          <a:p>
+            <a:endParaRPr lang="en-US" dirty="0"/>
+          </a:p>
+        </p:txBody>
+      </p:sp>
+      <p:pic>
+        <p:nvPicPr>
+          <p:cNvPr id="6" name="Picture 5"/>
+          <p:cNvPicPr>
+            <a:picLocks noChangeAspect="1"/>
+          </p:cNvPicPr>
+          <p:nvPr/>
+        </p:nvPicPr>
+        <p:blipFill>
+          <a:blip r:embed="rId2">
+            <a:extLst>
+              <a:ext uri="{28A0092B-C50C-407E-A947-70E740481C1C}">
+                <a14:useLocalDpi xmlns:a14="http://schemas.microsoft.com/office/drawing/2010/main" val="0"/>
+              </a:ext>
+            </a:extLst>
+          </a:blip>
+          <a:stretch>
+            <a:fillRect/>
+          </a:stretch>
+        </p:blipFill>
+        <p:spPr>
+          <a:xfrm>
+            <a:off x="5287849" y="3644722"/>
+            <a:ext cx="6552799" cy="2981459"/>
+          </a:xfrm>
+          <a:prstGeom prst="rect">
+            <a:avLst/>
+          </a:prstGeom>
+        </p:spPr>
+      </p:pic>
+    </p:spTree>
+    <p:extLst>
+      <p:ext uri="{BB962C8B-B14F-4D97-AF65-F5344CB8AC3E}">
+        <p14:creationId xmlns:p14="http://schemas.microsoft.com/office/powerpoint/2010/main" val="4116084473"/>
+      </p:ext>
+    </p:extLst>
+  </p:cSld>
+  <p:clrMapOvr>
+    <a:masterClrMapping/>
+  </p:clrMapOvr>
+</p:sld>
+</file>
+
+<file path=ppt/slides/slide7.xml><?xml version="1.0" encoding="utf-8"?>
 <p:sld xmlns:a="http://schemas.openxmlformats.org/drawingml/2006/main" xmlns:r="http://schemas.openxmlformats.org/officeDocument/2006/relationships" xmlns:p="http://schemas.openxmlformats.org/presentationml/2006/main">
   <p:cSld>
     <p:spTree>
@@ -6980,72 +7584,8 @@
         </p:blipFill>
         <p:spPr>
           <a:xfrm>
-            <a:off x="631067" y="4198513"/>
-            <a:ext cx="10715222" cy="2569335"/>
-          </a:xfrm>
-          <a:prstGeom prst="rect">
-            <a:avLst/>
-          </a:prstGeom>
-        </p:spPr>
-      </p:pic>
-      <p:sp>
-        <p:nvSpPr>
-          <p:cNvPr id="6" name="TextBox 5"/>
-          <p:cNvSpPr txBox="1"/>
-          <p:nvPr/>
-        </p:nvSpPr>
-        <p:spPr>
-          <a:xfrm>
-            <a:off x="2538220" y="118874"/>
-            <a:ext cx="6452315" cy="461665"/>
-          </a:xfrm>
-          <a:prstGeom prst="rect">
-            <a:avLst/>
-          </a:prstGeom>
-          <a:noFill/>
-        </p:spPr>
-        <p:txBody>
-          <a:bodyPr wrap="square" rtlCol="0">
-            <a:spAutoFit/>
-          </a:bodyPr>
-          <a:lstStyle/>
-          <a:p>
-            <a:r>
-              <a:rPr lang="en-US" dirty="0" smtClean="0"/>
-              <a:t>                      </a:t>
-            </a:r>
-            <a:r>
-              <a:rPr lang="en-US" sz="2400" b="1" dirty="0" smtClean="0"/>
-              <a:t>Vagrant Architecture</a:t>
-            </a:r>
-            <a:endParaRPr lang="en-US" sz="2400" b="1" dirty="0"/>
-          </a:p>
-        </p:txBody>
-      </p:sp>
-      <p:pic>
-        <p:nvPicPr>
-          <p:cNvPr id="7" name="Picture 6"/>
-          <p:cNvPicPr>
-            <a:picLocks noChangeAspect="1"/>
-          </p:cNvPicPr>
-          <p:nvPr/>
-        </p:nvPicPr>
-        <p:blipFill>
-          <a:blip r:embed="rId3">
-            <a:extLst>
-              <a:ext uri="{28A0092B-C50C-407E-A947-70E740481C1C}">
-                <a14:useLocalDpi xmlns:a14="http://schemas.microsoft.com/office/drawing/2010/main" val="0"/>
-              </a:ext>
-            </a:extLst>
-          </a:blip>
-          <a:stretch>
-            <a:fillRect/>
-          </a:stretch>
-        </p:blipFill>
-        <p:spPr>
-          <a:xfrm>
-            <a:off x="2538220" y="580539"/>
-            <a:ext cx="6951381" cy="3617974"/>
+            <a:off x="656822" y="373487"/>
+            <a:ext cx="10315977" cy="6387921"/>
           </a:xfrm>
           <a:prstGeom prst="rect">
             <a:avLst/>
@@ -7055,441 +7595,7 @@
     </p:spTree>
     <p:extLst>
       <p:ext uri="{BB962C8B-B14F-4D97-AF65-F5344CB8AC3E}">
-        <p14:creationId xmlns:p14="http://schemas.microsoft.com/office/powerpoint/2010/main" val="1633843808"/>
-      </p:ext>
-    </p:extLst>
-  </p:cSld>
-  <p:clrMapOvr>
-    <a:masterClrMapping/>
-  </p:clrMapOvr>
-</p:sld>
-</file>
-
-<file path=ppt/slides/slide5.xml><?xml version="1.0" encoding="utf-8"?>
-<p:sld xmlns:a="http://schemas.openxmlformats.org/drawingml/2006/main" xmlns:r="http://schemas.openxmlformats.org/officeDocument/2006/relationships" xmlns:p="http://schemas.openxmlformats.org/presentationml/2006/main">
-  <p:cSld>
-    <p:spTree>
-      <p:nvGrpSpPr>
-        <p:cNvPr id="1" name=""/>
-        <p:cNvGrpSpPr/>
-        <p:nvPr/>
-      </p:nvGrpSpPr>
-      <p:grpSpPr>
-        <a:xfrm>
-          <a:off x="0" y="0"/>
-          <a:ext cx="0" cy="0"/>
-          <a:chOff x="0" y="0"/>
-          <a:chExt cx="0" cy="0"/>
-        </a:xfrm>
-      </p:grpSpPr>
-      <p:sp>
-        <p:nvSpPr>
-          <p:cNvPr id="3" name="Content Placeholder 2"/>
-          <p:cNvSpPr>
-            <a:spLocks noGrp="1"/>
-          </p:cNvSpPr>
-          <p:nvPr>
-            <p:ph idx="1"/>
-          </p:nvPr>
-        </p:nvSpPr>
-        <p:spPr/>
-        <p:txBody>
-          <a:bodyPr/>
-          <a:lstStyle/>
-          <a:p>
-            <a:endParaRPr lang="en-US"/>
-          </a:p>
-        </p:txBody>
-      </p:sp>
-      <p:pic>
-        <p:nvPicPr>
-          <p:cNvPr id="4" name="Picture 3"/>
-          <p:cNvPicPr>
-            <a:picLocks noChangeAspect="1"/>
-          </p:cNvPicPr>
-          <p:nvPr/>
-        </p:nvPicPr>
-        <p:blipFill>
-          <a:blip r:embed="rId2">
-            <a:extLst>
-              <a:ext uri="{28A0092B-C50C-407E-A947-70E740481C1C}">
-                <a14:useLocalDpi xmlns:a14="http://schemas.microsoft.com/office/drawing/2010/main" val="0"/>
-              </a:ext>
-            </a:extLst>
-          </a:blip>
-          <a:stretch>
-            <a:fillRect/>
-          </a:stretch>
-        </p:blipFill>
-        <p:spPr>
-          <a:xfrm>
-            <a:off x="476520" y="1371600"/>
-            <a:ext cx="10998556" cy="5486400"/>
-          </a:xfrm>
-          <a:prstGeom prst="rect">
-            <a:avLst/>
-          </a:prstGeom>
-        </p:spPr>
-      </p:pic>
-      <p:sp>
-        <p:nvSpPr>
-          <p:cNvPr id="2" name="Rectangle 1"/>
-          <p:cNvSpPr/>
-          <p:nvPr/>
-        </p:nvSpPr>
-        <p:spPr>
-          <a:xfrm>
-            <a:off x="3805145" y="323055"/>
-            <a:ext cx="4794902" cy="707886"/>
-          </a:xfrm>
-          <a:prstGeom prst="rect">
-            <a:avLst/>
-          </a:prstGeom>
-        </p:spPr>
-        <p:txBody>
-          <a:bodyPr wrap="none">
-            <a:spAutoFit/>
-          </a:bodyPr>
-          <a:lstStyle/>
-          <a:p>
-            <a:r>
-              <a:rPr lang="en-US" sz="4000" dirty="0" smtClean="0"/>
-              <a:t>Vagrant vs Docker</a:t>
-            </a:r>
-            <a:endParaRPr lang="en-US" sz="4000" dirty="0"/>
-          </a:p>
-        </p:txBody>
-      </p:sp>
-    </p:spTree>
-    <p:extLst>
-      <p:ext uri="{BB962C8B-B14F-4D97-AF65-F5344CB8AC3E}">
-        <p14:creationId xmlns:p14="http://schemas.microsoft.com/office/powerpoint/2010/main" val="3266109511"/>
-      </p:ext>
-    </p:extLst>
-  </p:cSld>
-  <p:clrMapOvr>
-    <a:masterClrMapping/>
-  </p:clrMapOvr>
-</p:sld>
-</file>
-
-<file path=ppt/slides/slide6.xml><?xml version="1.0" encoding="utf-8"?>
-<p:sld xmlns:a="http://schemas.openxmlformats.org/drawingml/2006/main" xmlns:r="http://schemas.openxmlformats.org/officeDocument/2006/relationships" xmlns:p="http://schemas.openxmlformats.org/presentationml/2006/main">
-  <p:cSld>
-    <p:spTree>
-      <p:nvGrpSpPr>
-        <p:cNvPr id="1" name=""/>
-        <p:cNvGrpSpPr/>
-        <p:nvPr/>
-      </p:nvGrpSpPr>
-      <p:grpSpPr>
-        <a:xfrm>
-          <a:off x="0" y="0"/>
-          <a:ext cx="0" cy="0"/>
-          <a:chOff x="0" y="0"/>
-          <a:chExt cx="0" cy="0"/>
-        </a:xfrm>
-      </p:grpSpPr>
-      <p:sp>
-        <p:nvSpPr>
-          <p:cNvPr id="4" name="Rectangle 3"/>
-          <p:cNvSpPr/>
-          <p:nvPr/>
-        </p:nvSpPr>
-        <p:spPr>
-          <a:xfrm>
-            <a:off x="3683358" y="2936382"/>
-            <a:ext cx="6056815" cy="707886"/>
-          </a:xfrm>
-          <a:prstGeom prst="rect">
-            <a:avLst/>
-          </a:prstGeom>
-        </p:spPr>
-        <p:txBody>
-          <a:bodyPr wrap="square">
-            <a:spAutoFit/>
-          </a:bodyPr>
-          <a:lstStyle/>
-          <a:p>
-            <a:r>
-              <a:rPr lang="en-US" sz="4000" dirty="0">
-                <a:solidFill>
-                  <a:srgbClr val="FFFF00"/>
-                </a:solidFill>
-              </a:rPr>
-              <a:t>Demo on </a:t>
-            </a:r>
-            <a:r>
-              <a:rPr lang="en-US" sz="4000" dirty="0" err="1" smtClean="0">
-                <a:solidFill>
-                  <a:srgbClr val="FFFF00"/>
-                </a:solidFill>
-              </a:rPr>
-              <a:t>TryStack</a:t>
-            </a:r>
-            <a:r>
-              <a:rPr lang="en-US" sz="4000" dirty="0" smtClean="0">
-                <a:solidFill>
-                  <a:srgbClr val="FFFF00"/>
-                </a:solidFill>
-              </a:rPr>
-              <a:t> </a:t>
-            </a:r>
-            <a:endParaRPr lang="en-US" sz="4000" dirty="0"/>
-          </a:p>
-        </p:txBody>
-      </p:sp>
-    </p:spTree>
-    <p:extLst>
-      <p:ext uri="{BB962C8B-B14F-4D97-AF65-F5344CB8AC3E}">
-        <p14:creationId xmlns:p14="http://schemas.microsoft.com/office/powerpoint/2010/main" val="4195412617"/>
-      </p:ext>
-    </p:extLst>
-  </p:cSld>
-  <p:clrMapOvr>
-    <a:masterClrMapping/>
-  </p:clrMapOvr>
-  <p:timing>
-    <p:tnLst>
-      <p:par>
-        <p:cTn id="1" dur="indefinite" restart="never" nodeType="tmRoot"/>
-      </p:par>
-    </p:tnLst>
-  </p:timing>
-</p:sld>
-</file>
-
-<file path=ppt/slides/slide7.xml><?xml version="1.0" encoding="utf-8"?>
-<p:sld xmlns:a="http://schemas.openxmlformats.org/drawingml/2006/main" xmlns:r="http://schemas.openxmlformats.org/officeDocument/2006/relationships" xmlns:p="http://schemas.openxmlformats.org/presentationml/2006/main">
-  <p:cSld>
-    <p:spTree>
-      <p:nvGrpSpPr>
-        <p:cNvPr id="1" name=""/>
-        <p:cNvGrpSpPr/>
-        <p:nvPr/>
-      </p:nvGrpSpPr>
-      <p:grpSpPr>
-        <a:xfrm>
-          <a:off x="0" y="0"/>
-          <a:ext cx="0" cy="0"/>
-          <a:chOff x="0" y="0"/>
-          <a:chExt cx="0" cy="0"/>
-        </a:xfrm>
-      </p:grpSpPr>
-      <p:sp>
-        <p:nvSpPr>
-          <p:cNvPr id="2" name="Title 1"/>
-          <p:cNvSpPr>
-            <a:spLocks noGrp="1"/>
-          </p:cNvSpPr>
-          <p:nvPr>
-            <p:ph type="title"/>
-          </p:nvPr>
-        </p:nvSpPr>
-        <p:spPr>
-          <a:xfrm>
-            <a:off x="805137" y="505727"/>
-            <a:ext cx="9404723" cy="1400530"/>
-          </a:xfrm>
-        </p:spPr>
-        <p:txBody>
-          <a:bodyPr/>
-          <a:lstStyle/>
-          <a:p>
-            <a:r>
-              <a:rPr lang="en-US" sz="5400" dirty="0" smtClean="0"/>
-              <a:t>                </a:t>
-            </a:r>
-            <a:r>
-              <a:rPr lang="en-US" sz="4000" dirty="0" smtClean="0"/>
-              <a:t>OpenStack</a:t>
-            </a:r>
-            <a:endParaRPr lang="en-US" sz="4000" dirty="0"/>
-          </a:p>
-        </p:txBody>
-      </p:sp>
-      <p:sp>
-        <p:nvSpPr>
-          <p:cNvPr id="3" name="Content Placeholder 2"/>
-          <p:cNvSpPr>
-            <a:spLocks noGrp="1"/>
-          </p:cNvSpPr>
-          <p:nvPr>
-            <p:ph idx="1"/>
-          </p:nvPr>
-        </p:nvSpPr>
-        <p:spPr>
-          <a:xfrm>
-            <a:off x="515155" y="1700012"/>
-            <a:ext cx="10161431" cy="4561640"/>
-          </a:xfrm>
-        </p:spPr>
-        <p:txBody>
-          <a:bodyPr>
-            <a:normAutofit lnSpcReduction="10000"/>
-          </a:bodyPr>
-          <a:lstStyle/>
-          <a:p>
-            <a:r>
-              <a:rPr lang="en-US" sz="1700" dirty="0" smtClean="0"/>
-              <a:t>Open Source Cloud Computing Operating System</a:t>
-            </a:r>
-            <a:endParaRPr lang="en-US" sz="1700" dirty="0"/>
-          </a:p>
-          <a:p>
-            <a:r>
-              <a:rPr lang="en-US" sz="1700" dirty="0" smtClean="0"/>
-              <a:t>Founded in July 2010 </a:t>
-            </a:r>
-            <a:r>
-              <a:rPr lang="en-US" sz="1700" dirty="0"/>
-              <a:t>BY </a:t>
-            </a:r>
-            <a:r>
-              <a:rPr lang="en-US" sz="1700" dirty="0" smtClean="0"/>
-              <a:t>Rackspace and </a:t>
-            </a:r>
-            <a:r>
-              <a:rPr lang="en-US" sz="1700" dirty="0" smtClean="0"/>
-              <a:t>NASA</a:t>
-            </a:r>
-          </a:p>
-          <a:p>
-            <a:endParaRPr lang="en-US" sz="1700" dirty="0" smtClean="0"/>
-          </a:p>
-          <a:p>
-            <a:pPr marL="0" indent="0">
-              <a:buNone/>
-            </a:pPr>
-            <a:r>
-              <a:rPr lang="en-US" sz="1700" b="1" dirty="0" smtClean="0">
-                <a:solidFill>
-                  <a:srgbClr val="FFFF00"/>
-                </a:solidFill>
-              </a:rPr>
-              <a:t>Why OpenStack?</a:t>
-            </a:r>
-          </a:p>
-          <a:p>
-            <a:pPr marL="0" indent="0">
-              <a:buNone/>
-            </a:pPr>
-            <a:r>
-              <a:rPr lang="en-US" sz="1700" dirty="0" smtClean="0"/>
-              <a:t>To create and offer cloud computing services running on standardized hardware</a:t>
-            </a:r>
-            <a:endParaRPr lang="en-US" sz="1700" dirty="0">
-              <a:solidFill>
-                <a:srgbClr val="FFFF00"/>
-              </a:solidFill>
-            </a:endParaRPr>
-          </a:p>
-          <a:p>
-            <a:pPr marL="0" indent="0">
-              <a:buNone/>
-            </a:pPr>
-            <a:r>
-              <a:rPr lang="en-US" sz="1700" b="1" dirty="0">
-                <a:solidFill>
-                  <a:srgbClr val="FFFF00"/>
-                </a:solidFill>
-              </a:rPr>
-              <a:t>Pros</a:t>
-            </a:r>
-          </a:p>
-          <a:p>
-            <a:r>
-              <a:rPr lang="en-US" sz="1700" dirty="0"/>
-              <a:t>Data Sovereignty :Data is on premise</a:t>
-            </a:r>
-          </a:p>
-          <a:p>
-            <a:r>
-              <a:rPr lang="en-US" sz="1700" dirty="0"/>
-              <a:t>Private cloud</a:t>
-            </a:r>
-          </a:p>
-          <a:p>
-            <a:r>
-              <a:rPr lang="en-US" sz="1700" dirty="0"/>
-              <a:t>Vendor Neutral </a:t>
-            </a:r>
-            <a:r>
-              <a:rPr lang="en-US" sz="1700" dirty="0" smtClean="0"/>
-              <a:t>API</a:t>
-            </a:r>
-            <a:endParaRPr lang="en-US" sz="1700" dirty="0"/>
-          </a:p>
-          <a:p>
-            <a:pPr marL="0" indent="0">
-              <a:buNone/>
-            </a:pPr>
-            <a:r>
-              <a:rPr lang="en-US" sz="1700" b="1" dirty="0">
-                <a:solidFill>
-                  <a:srgbClr val="FFFF00"/>
-                </a:solidFill>
-              </a:rPr>
-              <a:t>Cons</a:t>
-            </a:r>
-          </a:p>
-          <a:p>
-            <a:r>
-              <a:rPr lang="en-US" sz="1700" dirty="0"/>
-              <a:t>Stability</a:t>
-            </a:r>
-          </a:p>
-          <a:p>
-            <a:r>
-              <a:rPr lang="en-US" sz="1700" dirty="0"/>
-              <a:t>Expertise</a:t>
-            </a:r>
-          </a:p>
-          <a:p>
-            <a:endParaRPr lang="en-US" sz="2400" dirty="0"/>
-          </a:p>
-          <a:p>
-            <a:endParaRPr lang="en-US" sz="2400" dirty="0"/>
-          </a:p>
-          <a:p>
-            <a:endParaRPr lang="en-US" dirty="0"/>
-          </a:p>
-        </p:txBody>
-      </p:sp>
-      <p:pic>
-        <p:nvPicPr>
-          <p:cNvPr id="6" name="Picture 5"/>
-          <p:cNvPicPr>
-            <a:picLocks noChangeAspect="1"/>
-          </p:cNvPicPr>
-          <p:nvPr/>
-        </p:nvPicPr>
-        <p:blipFill>
-          <a:blip r:embed="rId2">
-            <a:extLst>
-              <a:ext uri="{28A0092B-C50C-407E-A947-70E740481C1C}">
-                <a14:useLocalDpi xmlns:a14="http://schemas.microsoft.com/office/drawing/2010/main" val="0"/>
-              </a:ext>
-            </a:extLst>
-          </a:blip>
-          <a:stretch>
-            <a:fillRect/>
-          </a:stretch>
-        </p:blipFill>
-        <p:spPr>
-          <a:xfrm>
-            <a:off x="5287849" y="3644722"/>
-            <a:ext cx="6552799" cy="2981459"/>
-          </a:xfrm>
-          <a:prstGeom prst="rect">
-            <a:avLst/>
-          </a:prstGeom>
-        </p:spPr>
-      </p:pic>
-    </p:spTree>
-    <p:extLst>
-      <p:ext uri="{BB962C8B-B14F-4D97-AF65-F5344CB8AC3E}">
-        <p14:creationId xmlns:p14="http://schemas.microsoft.com/office/powerpoint/2010/main" val="4116084473"/>
+        <p14:creationId xmlns:p14="http://schemas.microsoft.com/office/powerpoint/2010/main" val="1291959153"/>
       </p:ext>
     </p:extLst>
   </p:cSld>
@@ -7592,10 +7698,9 @@
           <a:lstStyle/>
           <a:p>
             <a:r>
-              <a:rPr lang="en-US" sz="4000" dirty="0" smtClean="0"/>
+              <a:rPr lang="en-US" sz="4000" dirty="0"/>
               <a:t> Open Stack Architecture</a:t>
             </a:r>
-            <a:endParaRPr lang="en-US" sz="4000" dirty="0"/>
           </a:p>
         </p:txBody>
       </p:sp>
@@ -7631,170 +7736,63 @@
       </p:grpSpPr>
       <p:sp>
         <p:nvSpPr>
-          <p:cNvPr id="2" name="Title 1"/>
-          <p:cNvSpPr>
-            <a:spLocks noGrp="1"/>
-          </p:cNvSpPr>
-          <p:nvPr>
-            <p:ph type="title"/>
-          </p:nvPr>
-        </p:nvSpPr>
-        <p:spPr/>
-        <p:txBody>
-          <a:bodyPr/>
-          <a:lstStyle/>
-          <a:p>
-            <a:r>
-              <a:rPr lang="en-US" dirty="0" smtClean="0"/>
-              <a:t>        </a:t>
-            </a:r>
-            <a:r>
-              <a:rPr lang="en-US" dirty="0" smtClean="0"/>
-              <a:t> Useful </a:t>
-            </a:r>
-            <a:r>
-              <a:rPr lang="en-US" dirty="0" smtClean="0"/>
-              <a:t>Links and References</a:t>
-            </a:r>
-            <a:endParaRPr lang="en-US" dirty="0"/>
-          </a:p>
-        </p:txBody>
-      </p:sp>
-      <p:sp>
-        <p:nvSpPr>
-          <p:cNvPr id="3" name="Content Placeholder 2"/>
-          <p:cNvSpPr>
-            <a:spLocks noGrp="1"/>
-          </p:cNvSpPr>
-          <p:nvPr>
-            <p:ph idx="1"/>
-          </p:nvPr>
-        </p:nvSpPr>
-        <p:spPr>
-          <a:xfrm>
-            <a:off x="141668" y="2052918"/>
-            <a:ext cx="11887200" cy="4195481"/>
-          </a:xfrm>
-        </p:spPr>
-        <p:txBody>
-          <a:bodyPr>
-            <a:normAutofit/>
+          <p:cNvPr id="4" name="Rectangle 3"/>
+          <p:cNvSpPr/>
+          <p:nvPr/>
+        </p:nvSpPr>
+        <p:spPr>
+          <a:xfrm>
+            <a:off x="3322750" y="1365160"/>
+            <a:ext cx="6056815" cy="707886"/>
+          </a:xfrm>
+          <a:prstGeom prst="rect">
+            <a:avLst/>
+          </a:prstGeom>
+        </p:spPr>
+        <p:txBody>
+          <a:bodyPr wrap="square">
+            <a:spAutoFit/>
           </a:bodyPr>
           <a:lstStyle/>
           <a:p>
-            <a:pPr>
-              <a:buFont typeface="Wingdings" panose="05000000000000000000" pitchFamily="2" charset="2"/>
-              <a:buChar char="Ø"/>
-            </a:pPr>
-            <a:r>
-              <a:rPr lang="en-US" dirty="0" smtClean="0">
-                <a:hlinkClick r:id="rId2"/>
-              </a:rPr>
-              <a:t>https</a:t>
-            </a:r>
-            <a:r>
-              <a:rPr lang="en-US" dirty="0">
-                <a:hlinkClick r:id="rId2"/>
-              </a:rPr>
-              <a:t>://www.vagrantup.com/</a:t>
-            </a:r>
-            <a:r>
-              <a:rPr lang="en-US" dirty="0"/>
-              <a:t> - Vagrant Installation</a:t>
-            </a:r>
-          </a:p>
-          <a:p>
-            <a:pPr>
-              <a:lnSpc>
-                <a:spcPct val="100000"/>
-              </a:lnSpc>
-            </a:pPr>
-            <a:r>
-              <a:rPr lang="en-US" dirty="0">
+            <a:r>
+              <a:rPr lang="en-US" sz="4000" dirty="0">
                 <a:solidFill>
                   <a:srgbClr val="FFFF00"/>
                 </a:solidFill>
-                <a:hlinkClick r:id="rId3"/>
               </a:rPr>
-              <a:t>https://en.wikipedia.org/wiki/Vagrant_(software)</a:t>
-            </a:r>
-            <a:r>
-              <a:rPr lang="en-US" dirty="0">
+              <a:t>Demo on </a:t>
+            </a:r>
+            <a:r>
+              <a:rPr lang="en-US" sz="4000" dirty="0" err="1">
+                <a:solidFill>
+                  <a:srgbClr val="FFFF00"/>
+                </a:solidFill>
+              </a:rPr>
+              <a:t>TryStack</a:t>
+            </a:r>
+            <a:r>
+              <a:rPr lang="en-US" sz="4000" dirty="0">
                 <a:solidFill>
                   <a:srgbClr val="FFFF00"/>
                 </a:solidFill>
               </a:rPr>
               <a:t> </a:t>
             </a:r>
-            <a:r>
-              <a:rPr lang="en-US" dirty="0"/>
-              <a:t>– More </a:t>
-            </a:r>
-            <a:r>
-              <a:rPr lang="en-US" dirty="0" smtClean="0"/>
-              <a:t>Vagrant</a:t>
-            </a:r>
-          </a:p>
-          <a:p>
-            <a:r>
-              <a:rPr lang="en-US" dirty="0" smtClean="0">
-                <a:solidFill>
-                  <a:srgbClr val="FFFF00"/>
-                </a:solidFill>
-                <a:hlinkClick r:id="rId4"/>
-              </a:rPr>
-              <a:t>https</a:t>
-            </a:r>
-            <a:r>
-              <a:rPr lang="en-US" dirty="0">
-                <a:solidFill>
-                  <a:srgbClr val="FFFF00"/>
-                </a:solidFill>
-                <a:hlinkClick r:id="rId4"/>
-              </a:rPr>
-              <a:t>://docs.openstack.org/mitaka/install-guide-ubuntu</a:t>
-            </a:r>
-            <a:r>
-              <a:rPr lang="en-US" dirty="0" smtClean="0">
-                <a:solidFill>
-                  <a:srgbClr val="FFFF00"/>
-                </a:solidFill>
-                <a:hlinkClick r:id="rId4"/>
-              </a:rPr>
-              <a:t>/</a:t>
-            </a:r>
-            <a:r>
-              <a:rPr lang="en-US" dirty="0" smtClean="0">
-                <a:solidFill>
-                  <a:srgbClr val="FFFF00"/>
-                </a:solidFill>
-              </a:rPr>
-              <a:t> </a:t>
-            </a:r>
-            <a:r>
-              <a:rPr lang="en-US" dirty="0"/>
-              <a:t>Open stack </a:t>
-            </a:r>
-            <a:r>
-              <a:rPr lang="en-US" dirty="0" smtClean="0"/>
-              <a:t>Installation (Ubuntu)</a:t>
-            </a:r>
-          </a:p>
-          <a:p>
-            <a:endParaRPr lang="en-US" dirty="0"/>
+            <a:endParaRPr lang="en-US" sz="4000" dirty="0"/>
           </a:p>
         </p:txBody>
       </p:sp>
       <p:pic>
         <p:nvPicPr>
-          <p:cNvPr id="4" name="Picture 3"/>
+          <p:cNvPr id="2" name="Picture 1"/>
           <p:cNvPicPr>
             <a:picLocks noChangeAspect="1"/>
           </p:cNvPicPr>
           <p:nvPr/>
         </p:nvPicPr>
         <p:blipFill>
-          <a:blip r:embed="rId5">
+          <a:blip r:embed="rId2">
             <a:extLst>
               <a:ext uri="{28A0092B-C50C-407E-A947-70E740481C1C}">
                 <a14:useLocalDpi xmlns:a14="http://schemas.microsoft.com/office/drawing/2010/main" val="0"/>
@@ -7807,38 +7805,8 @@
         </p:blipFill>
         <p:spPr>
           <a:xfrm>
-            <a:off x="141668" y="9617"/>
-            <a:ext cx="1843631" cy="1843631"/>
-          </a:xfrm>
-          <a:prstGeom prst="rect">
-            <a:avLst/>
-          </a:prstGeom>
-        </p:spPr>
-      </p:pic>
-      <p:pic>
-        <p:nvPicPr>
-          <p:cNvPr id="5" name="Picture 4"/>
-          <p:cNvPicPr>
-            <a:picLocks noChangeAspect="1"/>
-          </p:cNvPicPr>
-          <p:nvPr/>
-        </p:nvPicPr>
-        <p:blipFill>
-          <a:blip r:embed="rId6">
-            <a:extLst>
-              <a:ext uri="{28A0092B-C50C-407E-A947-70E740481C1C}">
-                <a14:useLocalDpi xmlns:a14="http://schemas.microsoft.com/office/drawing/2010/main" val="0"/>
-              </a:ext>
-            </a:extLst>
-          </a:blip>
-          <a:stretch>
-            <a:fillRect/>
-          </a:stretch>
-        </p:blipFill>
-        <p:spPr>
-          <a:xfrm>
-            <a:off x="8779869" y="-285622"/>
-            <a:ext cx="3937526" cy="2434107"/>
+            <a:off x="4206249" y="2189424"/>
+            <a:ext cx="3623860" cy="4668576"/>
           </a:xfrm>
           <a:prstGeom prst="rect">
             <a:avLst/>
@@ -7848,7 +7816,7 @@
     </p:spTree>
     <p:extLst>
       <p:ext uri="{BB962C8B-B14F-4D97-AF65-F5344CB8AC3E}">
-        <p14:creationId xmlns:p14="http://schemas.microsoft.com/office/powerpoint/2010/main" val="2351841481"/>
+        <p14:creationId xmlns:p14="http://schemas.microsoft.com/office/powerpoint/2010/main" val="4195412617"/>
       </p:ext>
     </p:extLst>
   </p:cSld>
